--- a/Занятие_05/Иллюстрации5.pptx
+++ b/Занятие_05/Иллюстрации5.pptx
@@ -5,7 +5,7 @@
     <p:sldMasterId id="2147483684" r:id="rId1"/>
   </p:sldMasterIdLst>
   <p:notesMasterIdLst>
-    <p:notesMasterId r:id="rId64"/>
+    <p:notesMasterId r:id="rId68"/>
   </p:notesMasterIdLst>
   <p:sldIdLst>
     <p:sldId id="295" r:id="rId2"/>
@@ -51,25 +51,29 @@
     <p:sldId id="361" r:id="rId42"/>
     <p:sldId id="359" r:id="rId43"/>
     <p:sldId id="360" r:id="rId44"/>
-    <p:sldId id="305" r:id="rId45"/>
-    <p:sldId id="312" r:id="rId46"/>
-    <p:sldId id="313" r:id="rId47"/>
-    <p:sldId id="314" r:id="rId48"/>
-    <p:sldId id="315" r:id="rId49"/>
-    <p:sldId id="316" r:id="rId50"/>
-    <p:sldId id="317" r:id="rId51"/>
-    <p:sldId id="318" r:id="rId52"/>
-    <p:sldId id="319" r:id="rId53"/>
-    <p:sldId id="320" r:id="rId54"/>
-    <p:sldId id="321" r:id="rId55"/>
-    <p:sldId id="322" r:id="rId56"/>
-    <p:sldId id="323" r:id="rId57"/>
-    <p:sldId id="293" r:id="rId58"/>
-    <p:sldId id="294" r:id="rId59"/>
-    <p:sldId id="296" r:id="rId60"/>
-    <p:sldId id="297" r:id="rId61"/>
-    <p:sldId id="298" r:id="rId62"/>
-    <p:sldId id="362" r:id="rId63"/>
+    <p:sldId id="363" r:id="rId45"/>
+    <p:sldId id="305" r:id="rId46"/>
+    <p:sldId id="312" r:id="rId47"/>
+    <p:sldId id="364" r:id="rId48"/>
+    <p:sldId id="365" r:id="rId49"/>
+    <p:sldId id="366" r:id="rId50"/>
+    <p:sldId id="313" r:id="rId51"/>
+    <p:sldId id="314" r:id="rId52"/>
+    <p:sldId id="315" r:id="rId53"/>
+    <p:sldId id="316" r:id="rId54"/>
+    <p:sldId id="317" r:id="rId55"/>
+    <p:sldId id="318" r:id="rId56"/>
+    <p:sldId id="319" r:id="rId57"/>
+    <p:sldId id="320" r:id="rId58"/>
+    <p:sldId id="321" r:id="rId59"/>
+    <p:sldId id="322" r:id="rId60"/>
+    <p:sldId id="323" r:id="rId61"/>
+    <p:sldId id="293" r:id="rId62"/>
+    <p:sldId id="294" r:id="rId63"/>
+    <p:sldId id="296" r:id="rId64"/>
+    <p:sldId id="297" r:id="rId65"/>
+    <p:sldId id="298" r:id="rId66"/>
+    <p:sldId id="362" r:id="rId67"/>
   </p:sldIdLst>
   <p:sldSz cx="9144000" cy="6858000" type="screen4x3"/>
   <p:notesSz cx="6858000" cy="9144000"/>
@@ -323,7 +327,7 @@
             <a:fld id="{6D6B156D-E048-478A-9FAC-BB7875D640EE}" type="datetimeFigureOut">
               <a:rPr lang="ru-RU" smtClean="0"/>
               <a:pPr/>
-              <a:t>26.09.2020</a:t>
+              <a:t>29.09.2020</a:t>
             </a:fld>
             <a:endParaRPr lang="ru-RU"/>
           </a:p>
@@ -1109,6 +1113,13 @@
   <p:clrMapOvr>
     <a:masterClrMapping/>
   </p:clrMapOvr>
+  <p:timing>
+    <p:tnLst>
+      <p:par>
+        <p:cTn id="1" dur="indefinite" restart="never" nodeType="tmRoot"/>
+      </p:par>
+    </p:tnLst>
+  </p:timing>
 </p:sldLayout>
 </file>
 
@@ -1977,6 +1988,13 @@
   <p:clrMapOvr>
     <a:masterClrMapping/>
   </p:clrMapOvr>
+  <p:timing>
+    <p:tnLst>
+      <p:par>
+        <p:cTn id="1" dur="indefinite" restart="never" nodeType="tmRoot"/>
+      </p:par>
+    </p:tnLst>
+  </p:timing>
 </p:sldLayout>
 </file>
 
@@ -2165,7 +2183,7 @@
             <a:fld id="{3A002500-B44B-4B16-A7F5-4E45509C7207}" type="datetimeFigureOut">
               <a:rPr lang="ru-RU" smtClean="0"/>
               <a:pPr/>
-              <a:t>26.09.2020</a:t>
+              <a:t>29.09.2020</a:t>
             </a:fld>
             <a:endParaRPr lang="ru-RU"/>
           </a:p>
@@ -2412,7 +2430,7 @@
             <a:fld id="{3A002500-B44B-4B16-A7F5-4E45509C7207}" type="datetimeFigureOut">
               <a:rPr lang="ru-RU" smtClean="0"/>
               <a:pPr/>
-              <a:t>26.09.2020</a:t>
+              <a:t>29.09.2020</a:t>
             </a:fld>
             <a:endParaRPr lang="ru-RU"/>
           </a:p>
@@ -2916,7 +2934,17 @@
                 <a:latin typeface="Tahoma" panose="020B0604030504040204" pitchFamily="34" charset="0"/>
                 <a:cs typeface="Tahoma" panose="020B0604030504040204" pitchFamily="34" charset="0"/>
               </a:rPr>
-              <a:t>/62</a:t>
+              <a:t>/</a:t>
+            </a:r>
+            <a:r>
+              <a:rPr lang="ru-RU" sz="1600" dirty="0" smtClean="0">
+                <a:solidFill>
+                  <a:srgbClr val="FF0000"/>
+                </a:solidFill>
+                <a:latin typeface="Tahoma" panose="020B0604030504040204" pitchFamily="34" charset="0"/>
+                <a:cs typeface="Tahoma" panose="020B0604030504040204" pitchFamily="34" charset="0"/>
+              </a:rPr>
+              <a:t>66</a:t>
             </a:r>
             <a:endParaRPr lang="ru-RU" sz="1600" dirty="0">
               <a:solidFill>
@@ -3428,6 +3456,13 @@
     <p:sldLayoutId id="2147483693" r:id="rId9"/>
     <p:sldLayoutId id="2147483694" r:id="rId10"/>
   </p:sldLayoutIdLst>
+  <p:timing>
+    <p:tnLst>
+      <p:par>
+        <p:cTn id="1" dur="indefinite" restart="never" nodeType="tmRoot"/>
+      </p:par>
+    </p:tnLst>
+  </p:timing>
   <p:txStyles>
     <p:titleStyle>
       <a:lvl1pPr algn="ctr" rtl="0" eaLnBrk="1" fontAlgn="base" hangingPunct="1">
@@ -3915,8 +3950,24 @@
             </a:pPr>
             <a:r>
               <a:rPr lang="ru-RU" dirty="0" smtClean="0"/>
-              <a:t>Проведение документа</a:t>
-            </a:r>
+              <a:t>Проведение </a:t>
+            </a:r>
+            <a:r>
+              <a:rPr lang="ru-RU" dirty="0" smtClean="0"/>
+              <a:t>документа</a:t>
+            </a:r>
+            <a:endParaRPr lang="en-US" dirty="0" smtClean="0"/>
+          </a:p>
+          <a:p>
+            <a:pPr marL="457200" indent="-457200" algn="l">
+              <a:buFont typeface="Arial" panose="020B0604020202020204" pitchFamily="34" charset="0"/>
+              <a:buChar char="•"/>
+            </a:pPr>
+            <a:r>
+              <a:rPr lang="ru-RU" dirty="0" smtClean="0"/>
+              <a:t>Команды</a:t>
+            </a:r>
+            <a:endParaRPr lang="ru-RU" dirty="0" smtClean="0"/>
           </a:p>
           <a:p>
             <a:pPr marL="457200" indent="-457200" algn="l">
@@ -14640,7 +14691,15 @@
           <a:p>
             <a:r>
               <a:rPr lang="ru-RU" dirty="0"/>
-              <a:t>События записи документа</a:t>
+              <a:t>События </a:t>
+            </a:r>
+            <a:r>
+              <a:rPr lang="ru-RU" dirty="0" smtClean="0"/>
+              <a:t>проведения </a:t>
+            </a:r>
+            <a:r>
+              <a:rPr lang="ru-RU" dirty="0"/>
+              <a:t>документа</a:t>
             </a:r>
           </a:p>
         </p:txBody>
@@ -14693,7 +14752,11 @@
             <a:graphicFrameLocks noGrp="1"/>
           </p:cNvGraphicFramePr>
           <p:nvPr>
-            <p:extLst/>
+            <p:extLst>
+              <p:ext uri="{D42A27DB-BD31-4B8C-83A1-F6EECF244321}">
+                <p14:modId xmlns:p14="http://schemas.microsoft.com/office/powerpoint/2010/main" val="3486418288"/>
+              </p:ext>
+            </p:extLst>
           </p:nvPr>
         </p:nvGraphicFramePr>
         <p:xfrm>
@@ -15028,10 +15091,7 @@
                     <a:bodyPr/>
                     <a:lstStyle/>
                     <a:p>
-                      <a:r>
-                        <a:rPr lang="ru-RU" dirty="0"/>
-                        <a:t>&lt;33333&gt;</a:t>
-                      </a:r>
+                      <a:endParaRPr lang="ru-RU" dirty="0"/>
                     </a:p>
                   </a:txBody>
                   <a:tcPr/>
@@ -15041,10 +15101,7 @@
                     <a:bodyPr/>
                     <a:lstStyle/>
                     <a:p>
-                      <a:r>
-                        <a:rPr lang="ru-RU" dirty="0"/>
-                        <a:t>Ложь</a:t>
-                      </a:r>
+                      <a:endParaRPr lang="ru-RU" dirty="0"/>
                     </a:p>
                   </a:txBody>
                   <a:tcPr/>
@@ -15054,10 +15111,7 @@
                     <a:bodyPr/>
                     <a:lstStyle/>
                     <a:p>
-                      <a:r>
-                        <a:rPr lang="ru-RU" dirty="0"/>
-                        <a:t>02.05.2016</a:t>
-                      </a:r>
+                      <a:endParaRPr lang="ru-RU" dirty="0"/>
                     </a:p>
                   </a:txBody>
                   <a:tcPr/>
@@ -15067,10 +15121,7 @@
                     <a:bodyPr/>
                     <a:lstStyle/>
                     <a:p>
-                      <a:r>
-                        <a:rPr lang="ru-RU" dirty="0"/>
-                        <a:t>00003</a:t>
-                      </a:r>
+                      <a:endParaRPr lang="ru-RU" dirty="0"/>
                     </a:p>
                   </a:txBody>
                   <a:tcPr/>
@@ -15080,10 +15131,7 @@
                     <a:bodyPr/>
                     <a:lstStyle/>
                     <a:p>
-                      <a:r>
-                        <a:rPr lang="ru-RU" dirty="0"/>
-                        <a:t>&lt;Сироткина&gt;</a:t>
-                      </a:r>
+                      <a:endParaRPr lang="ru-RU" dirty="0"/>
                     </a:p>
                   </a:txBody>
                   <a:tcPr/>
@@ -15093,10 +15141,7 @@
                     <a:bodyPr/>
                     <a:lstStyle/>
                     <a:p>
-                      <a:r>
-                        <a:rPr lang="ru-RU" dirty="0"/>
-                        <a:t>…</a:t>
-                      </a:r>
+                      <a:endParaRPr lang="ru-RU" dirty="0"/>
                     </a:p>
                   </a:txBody>
                   <a:tcPr/>
@@ -15118,7 +15163,11 @@
             <a:graphicFrameLocks noGrp="1"/>
           </p:cNvGraphicFramePr>
           <p:nvPr>
-            <p:extLst/>
+            <p:extLst>
+              <p:ext uri="{D42A27DB-BD31-4B8C-83A1-F6EECF244321}">
+                <p14:modId xmlns:p14="http://schemas.microsoft.com/office/powerpoint/2010/main" val="921034790"/>
+              </p:ext>
+            </p:extLst>
           </p:nvPr>
         </p:nvGraphicFramePr>
         <p:xfrm>
@@ -15303,9 +15352,10 @@
                     <a:lstStyle/>
                     <a:p>
                       <a:r>
-                        <a:rPr lang="ru-RU" dirty="0"/>
-                        <a:t>&lt;33333&gt;</a:t>
-                      </a:r>
+                        <a:rPr lang="ru-RU" dirty="0" smtClean="0"/>
+                        <a:t>&lt;00000&gt;</a:t>
+                      </a:r>
+                      <a:endParaRPr lang="ru-RU" dirty="0"/>
                     </a:p>
                   </a:txBody>
                   <a:tcPr>
@@ -15322,9 +15372,10 @@
                     <a:lstStyle/>
                     <a:p>
                       <a:r>
-                        <a:rPr lang="ru-RU" dirty="0"/>
-                        <a:t>Истина</a:t>
-                      </a:r>
+                        <a:rPr lang="ru-RU" dirty="0" smtClean="0"/>
+                        <a:t>Ложь</a:t>
+                      </a:r>
+                      <a:endParaRPr lang="ru-RU" dirty="0"/>
                     </a:p>
                   </a:txBody>
                   <a:tcPr>
@@ -15737,7 +15788,11 @@
             <a:graphicFrameLocks noGrp="1"/>
           </p:cNvGraphicFramePr>
           <p:nvPr>
-            <p:extLst/>
+            <p:extLst>
+              <p:ext uri="{D42A27DB-BD31-4B8C-83A1-F6EECF244321}">
+                <p14:modId xmlns:p14="http://schemas.microsoft.com/office/powerpoint/2010/main" val="3585738608"/>
+              </p:ext>
+            </p:extLst>
           </p:nvPr>
         </p:nvGraphicFramePr>
         <p:xfrm>
@@ -16072,10 +16127,7 @@
                     <a:bodyPr/>
                     <a:lstStyle/>
                     <a:p>
-                      <a:r>
-                        <a:rPr lang="ru-RU" dirty="0"/>
-                        <a:t>&lt;33333&gt;</a:t>
-                      </a:r>
+                      <a:endParaRPr lang="ru-RU" dirty="0"/>
                     </a:p>
                   </a:txBody>
                   <a:tcPr/>
@@ -16085,10 +16137,7 @@
                     <a:bodyPr/>
                     <a:lstStyle/>
                     <a:p>
-                      <a:r>
-                        <a:rPr lang="ru-RU" dirty="0"/>
-                        <a:t>Ложь</a:t>
-                      </a:r>
+                      <a:endParaRPr lang="ru-RU" dirty="0"/>
                     </a:p>
                   </a:txBody>
                   <a:tcPr/>
@@ -16098,10 +16147,7 @@
                     <a:bodyPr/>
                     <a:lstStyle/>
                     <a:p>
-                      <a:r>
-                        <a:rPr lang="ru-RU" dirty="0"/>
-                        <a:t>02.05.2016</a:t>
-                      </a:r>
+                      <a:endParaRPr lang="ru-RU" dirty="0"/>
                     </a:p>
                   </a:txBody>
                   <a:tcPr/>
@@ -16111,10 +16157,7 @@
                     <a:bodyPr/>
                     <a:lstStyle/>
                     <a:p>
-                      <a:r>
-                        <a:rPr lang="ru-RU" dirty="0"/>
-                        <a:t>00003</a:t>
-                      </a:r>
+                      <a:endParaRPr lang="ru-RU" dirty="0"/>
                     </a:p>
                   </a:txBody>
                   <a:tcPr/>
@@ -16124,10 +16167,7 @@
                     <a:bodyPr/>
                     <a:lstStyle/>
                     <a:p>
-                      <a:r>
-                        <a:rPr lang="ru-RU" dirty="0"/>
-                        <a:t>&lt;Сироткина&gt;</a:t>
-                      </a:r>
+                      <a:endParaRPr lang="ru-RU" dirty="0"/>
                     </a:p>
                   </a:txBody>
                   <a:tcPr/>
@@ -16137,10 +16177,7 @@
                     <a:bodyPr/>
                     <a:lstStyle/>
                     <a:p>
-                      <a:r>
-                        <a:rPr lang="ru-RU" dirty="0"/>
-                        <a:t>…</a:t>
-                      </a:r>
+                      <a:endParaRPr lang="ru-RU" dirty="0"/>
                     </a:p>
                   </a:txBody>
                   <a:tcPr/>
@@ -16162,7 +16199,11 @@
             <a:graphicFrameLocks noGrp="1"/>
           </p:cNvGraphicFramePr>
           <p:nvPr>
-            <p:extLst/>
+            <p:extLst>
+              <p:ext uri="{D42A27DB-BD31-4B8C-83A1-F6EECF244321}">
+                <p14:modId xmlns:p14="http://schemas.microsoft.com/office/powerpoint/2010/main" val="2231853415"/>
+              </p:ext>
+            </p:extLst>
           </p:nvPr>
         </p:nvGraphicFramePr>
         <p:xfrm>
@@ -16347,9 +16388,10 @@
                     <a:lstStyle/>
                     <a:p>
                       <a:r>
-                        <a:rPr lang="ru-RU" dirty="0"/>
-                        <a:t>&lt;33333&gt;</a:t>
-                      </a:r>
+                        <a:rPr lang="ru-RU" dirty="0" smtClean="0"/>
+                        <a:t>&lt;00000&gt;</a:t>
+                      </a:r>
+                      <a:endParaRPr lang="ru-RU" dirty="0"/>
                     </a:p>
                   </a:txBody>
                   <a:tcPr>
@@ -21569,12 +21611,22 @@
         </p:nvSpPr>
         <p:spPr/>
         <p:txBody>
-          <a:bodyPr/>
+          <a:bodyPr>
+            <a:normAutofit fontScale="90000"/>
+          </a:bodyPr>
           <a:lstStyle/>
           <a:p>
             <a:r>
               <a:rPr lang="ru-RU" dirty="0"/>
-              <a:t>События записи документа</a:t>
+              <a:t>События </a:t>
+            </a:r>
+            <a:r>
+              <a:rPr lang="ru-RU" dirty="0" smtClean="0"/>
+              <a:t>отмены проведения </a:t>
+            </a:r>
+            <a:r>
+              <a:rPr lang="ru-RU" dirty="0"/>
+              <a:t>документа</a:t>
             </a:r>
           </a:p>
         </p:txBody>
@@ -22052,7 +22104,11 @@
             <a:graphicFrameLocks noGrp="1"/>
           </p:cNvGraphicFramePr>
           <p:nvPr>
-            <p:extLst/>
+            <p:extLst>
+              <p:ext uri="{D42A27DB-BD31-4B8C-83A1-F6EECF244321}">
+                <p14:modId xmlns:p14="http://schemas.microsoft.com/office/powerpoint/2010/main" val="1750115299"/>
+              </p:ext>
+            </p:extLst>
           </p:nvPr>
         </p:nvGraphicFramePr>
         <p:xfrm>
@@ -22256,9 +22312,10 @@
                     <a:lstStyle/>
                     <a:p>
                       <a:r>
-                        <a:rPr lang="ru-RU" dirty="0"/>
-                        <a:t>Ложь</a:t>
-                      </a:r>
+                        <a:rPr lang="ru-RU" dirty="0" smtClean="0"/>
+                        <a:t>Истина</a:t>
+                      </a:r>
+                      <a:endParaRPr lang="ru-RU" dirty="0"/>
                     </a:p>
                   </a:txBody>
                   <a:tcPr>
@@ -23096,7 +23153,11 @@
             <a:graphicFrameLocks noGrp="1"/>
           </p:cNvGraphicFramePr>
           <p:nvPr>
-            <p:extLst/>
+            <p:extLst>
+              <p:ext uri="{D42A27DB-BD31-4B8C-83A1-F6EECF244321}">
+                <p14:modId xmlns:p14="http://schemas.microsoft.com/office/powerpoint/2010/main" val="3545807563"/>
+              </p:ext>
+            </p:extLst>
           </p:nvPr>
         </p:nvGraphicFramePr>
         <p:xfrm>
@@ -23300,9 +23361,10 @@
                     <a:lstStyle/>
                     <a:p>
                       <a:r>
-                        <a:rPr lang="ru-RU" dirty="0"/>
-                        <a:t>Ложь</a:t>
-                      </a:r>
+                        <a:rPr lang="ru-RU" dirty="0" smtClean="0"/>
+                        <a:t>Истина</a:t>
+                      </a:r>
+                      <a:endParaRPr lang="ru-RU" dirty="0"/>
                     </a:p>
                   </a:txBody>
                   <a:tcPr>
@@ -24380,7 +24442,11 @@
             <a:graphicFrameLocks noGrp="1"/>
           </p:cNvGraphicFramePr>
           <p:nvPr>
-            <p:extLst/>
+            <p:extLst>
+              <p:ext uri="{D42A27DB-BD31-4B8C-83A1-F6EECF244321}">
+                <p14:modId xmlns:p14="http://schemas.microsoft.com/office/powerpoint/2010/main" val="1319858062"/>
+              </p:ext>
+            </p:extLst>
           </p:nvPr>
         </p:nvGraphicFramePr>
         <p:xfrm>
@@ -24584,9 +24650,10 @@
                     <a:lstStyle/>
                     <a:p>
                       <a:r>
-                        <a:rPr lang="ru-RU" dirty="0"/>
-                        <a:t>Ложь</a:t>
-                      </a:r>
+                        <a:rPr lang="ru-RU" dirty="0" smtClean="0"/>
+                        <a:t>Истина</a:t>
+                      </a:r>
+                      <a:endParaRPr lang="ru-RU" dirty="0"/>
                     </a:p>
                   </a:txBody>
                   <a:tcPr>
@@ -28349,12 +28416,12 @@
           <a:lstStyle/>
           <a:p>
             <a:r>
-              <a:rPr lang="ru-RU" dirty="0" err="1" smtClean="0"/>
-              <a:t>Заполние</a:t>
-            </a:r>
-            <a:r>
               <a:rPr lang="ru-RU" dirty="0" smtClean="0"/>
-              <a:t> регистров подчиненных регистратору</a:t>
+              <a:t>Заполнение </a:t>
+            </a:r>
+            <a:r>
+              <a:rPr lang="ru-RU" dirty="0" smtClean="0"/>
+              <a:t>регистров подчиненных регистратору</a:t>
             </a:r>
             <a:endParaRPr lang="ru-RU" dirty="0"/>
           </a:p>
@@ -28384,6 +28451,53 @@
           </a:prstGeom>
         </p:spPr>
       </p:pic>
+      <p:sp>
+        <p:nvSpPr>
+          <p:cNvPr id="3" name="Скругленный прямоугольник 2"/>
+          <p:cNvSpPr/>
+          <p:nvPr/>
+        </p:nvSpPr>
+        <p:spPr>
+          <a:xfrm>
+            <a:off x="2771800" y="3356992"/>
+            <a:ext cx="4936257" cy="288032"/>
+          </a:xfrm>
+          <a:prstGeom prst="roundRect">
+            <a:avLst/>
+          </a:prstGeom>
+          <a:noFill/>
+          <a:ln>
+            <a:solidFill>
+              <a:srgbClr val="C00000"/>
+            </a:solidFill>
+            <a:prstDash val="sysDash"/>
+          </a:ln>
+        </p:spPr>
+        <p:style>
+          <a:lnRef idx="2">
+            <a:schemeClr val="accent1">
+              <a:shade val="50000"/>
+            </a:schemeClr>
+          </a:lnRef>
+          <a:fillRef idx="1">
+            <a:schemeClr val="accent1"/>
+          </a:fillRef>
+          <a:effectRef idx="0">
+            <a:schemeClr val="accent1"/>
+          </a:effectRef>
+          <a:fontRef idx="minor">
+            <a:schemeClr val="lt1"/>
+          </a:fontRef>
+        </p:style>
+        <p:txBody>
+          <a:bodyPr rtlCol="0" anchor="ctr"/>
+          <a:lstStyle/>
+          <a:p>
+            <a:pPr algn="ctr"/>
+            <a:endParaRPr lang="ru-RU"/>
+          </a:p>
+        </p:txBody>
+      </p:sp>
     </p:spTree>
     <p:extLst>
       <p:ext uri="{BB962C8B-B14F-4D97-AF65-F5344CB8AC3E}">
@@ -29862,7 +29976,7 @@
             <a:solidFill>
               <a:schemeClr val="tx2"/>
             </a:solidFill>
-            <a:headEnd type="triangle" w="med" len="lg"/>
+            <a:headEnd type="none" w="med" len="lg"/>
             <a:tailEnd type="triangle" w="med" len="lg"/>
           </a:ln>
         </p:spPr>
@@ -29900,7 +30014,7 @@
               <a:schemeClr val="tx2"/>
             </a:solidFill>
             <a:headEnd type="triangle" w="med" len="lg"/>
-            <a:tailEnd type="triangle" w="med" len="lg"/>
+            <a:tailEnd type="none" w="med" len="lg"/>
           </a:ln>
         </p:spPr>
         <p:style>
@@ -29961,15 +30075,7 @@
                   <a:schemeClr val="tx1"/>
                 </a:solidFill>
               </a:rPr>
-              <a:t>Документ </a:t>
-            </a:r>
-            <a:r>
-              <a:rPr lang="ru-RU" dirty="0" smtClean="0">
-                <a:solidFill>
-                  <a:schemeClr val="tx1"/>
-                </a:solidFill>
-              </a:rPr>
-              <a:t>Объект Установка цен</a:t>
+              <a:t>Документ Объект Установка цен</a:t>
             </a:r>
             <a:endParaRPr lang="ru-RU" dirty="0">
               <a:solidFill>
@@ -30853,80 +30959,6 @@
           </a:p>
         </p:txBody>
       </p:sp>
-      <p:cxnSp>
-        <p:nvCxnSpPr>
-          <p:cNvPr id="33" name="Прямая со стрелкой 32"/>
-          <p:cNvCxnSpPr/>
-          <p:nvPr/>
-        </p:nvCxnSpPr>
-        <p:spPr>
-          <a:xfrm>
-            <a:off x="8532440" y="1717207"/>
-            <a:ext cx="0" cy="1584176"/>
-          </a:xfrm>
-          <a:prstGeom prst="straightConnector1">
-            <a:avLst/>
-          </a:prstGeom>
-          <a:ln w="38100">
-            <a:solidFill>
-              <a:schemeClr val="tx2"/>
-            </a:solidFill>
-            <a:headEnd type="triangle" w="med" len="lg"/>
-            <a:tailEnd type="triangle" w="med" len="lg"/>
-          </a:ln>
-        </p:spPr>
-        <p:style>
-          <a:lnRef idx="1">
-            <a:schemeClr val="accent1"/>
-          </a:lnRef>
-          <a:fillRef idx="0">
-            <a:schemeClr val="accent1"/>
-          </a:fillRef>
-          <a:effectRef idx="0">
-            <a:schemeClr val="accent1"/>
-          </a:effectRef>
-          <a:fontRef idx="minor">
-            <a:schemeClr val="tx1"/>
-          </a:fontRef>
-        </p:style>
-      </p:cxnSp>
-      <p:cxnSp>
-        <p:nvCxnSpPr>
-          <p:cNvPr id="34" name="Прямая со стрелкой 33"/>
-          <p:cNvCxnSpPr/>
-          <p:nvPr/>
-        </p:nvCxnSpPr>
-        <p:spPr>
-          <a:xfrm>
-            <a:off x="5868144" y="3429000"/>
-            <a:ext cx="602505" cy="0"/>
-          </a:xfrm>
-          <a:prstGeom prst="straightConnector1">
-            <a:avLst/>
-          </a:prstGeom>
-          <a:ln w="38100">
-            <a:solidFill>
-              <a:schemeClr val="tx2"/>
-            </a:solidFill>
-            <a:headEnd type="triangle" w="med" len="lg"/>
-            <a:tailEnd type="triangle" w="med" len="lg"/>
-          </a:ln>
-        </p:spPr>
-        <p:style>
-          <a:lnRef idx="1">
-            <a:schemeClr val="accent1"/>
-          </a:lnRef>
-          <a:fillRef idx="0">
-            <a:schemeClr val="accent1"/>
-          </a:fillRef>
-          <a:effectRef idx="0">
-            <a:schemeClr val="accent1"/>
-          </a:effectRef>
-          <a:fontRef idx="minor">
-            <a:schemeClr val="tx1"/>
-          </a:fontRef>
-        </p:style>
-      </p:cxnSp>
       <p:sp>
         <p:nvSpPr>
           <p:cNvPr id="15" name="Блок-схема: альтернативный процесс 14"/>
@@ -31103,15 +31135,7 @@
                   <a:schemeClr val="tx1"/>
                 </a:solidFill>
               </a:rPr>
-              <a:t>Документ </a:t>
-            </a:r>
-            <a:r>
-              <a:rPr lang="ru-RU" dirty="0" smtClean="0">
-                <a:solidFill>
-                  <a:schemeClr val="tx1"/>
-                </a:solidFill>
-              </a:rPr>
-              <a:t>Объект Установка цен</a:t>
+              <a:t>Документ Объект Установка цен</a:t>
             </a:r>
             <a:endParaRPr lang="ru-RU" dirty="0">
               <a:solidFill>
@@ -31806,80 +31830,6 @@
           </a:p>
         </p:txBody>
       </p:sp>
-      <p:cxnSp>
-        <p:nvCxnSpPr>
-          <p:cNvPr id="33" name="Прямая со стрелкой 32"/>
-          <p:cNvCxnSpPr/>
-          <p:nvPr/>
-        </p:nvCxnSpPr>
-        <p:spPr>
-          <a:xfrm>
-            <a:off x="8532440" y="1717207"/>
-            <a:ext cx="0" cy="1584176"/>
-          </a:xfrm>
-          <a:prstGeom prst="straightConnector1">
-            <a:avLst/>
-          </a:prstGeom>
-          <a:ln w="38100">
-            <a:solidFill>
-              <a:schemeClr val="tx2"/>
-            </a:solidFill>
-            <a:headEnd type="triangle" w="med" len="lg"/>
-            <a:tailEnd type="triangle" w="med" len="lg"/>
-          </a:ln>
-        </p:spPr>
-        <p:style>
-          <a:lnRef idx="1">
-            <a:schemeClr val="accent1"/>
-          </a:lnRef>
-          <a:fillRef idx="0">
-            <a:schemeClr val="accent1"/>
-          </a:fillRef>
-          <a:effectRef idx="0">
-            <a:schemeClr val="accent1"/>
-          </a:effectRef>
-          <a:fontRef idx="minor">
-            <a:schemeClr val="tx1"/>
-          </a:fontRef>
-        </p:style>
-      </p:cxnSp>
-      <p:cxnSp>
-        <p:nvCxnSpPr>
-          <p:cNvPr id="34" name="Прямая со стрелкой 33"/>
-          <p:cNvCxnSpPr/>
-          <p:nvPr/>
-        </p:nvCxnSpPr>
-        <p:spPr>
-          <a:xfrm>
-            <a:off x="5868144" y="3429000"/>
-            <a:ext cx="602505" cy="0"/>
-          </a:xfrm>
-          <a:prstGeom prst="straightConnector1">
-            <a:avLst/>
-          </a:prstGeom>
-          <a:ln w="38100">
-            <a:solidFill>
-              <a:schemeClr val="tx2"/>
-            </a:solidFill>
-            <a:headEnd type="triangle" w="med" len="lg"/>
-            <a:tailEnd type="triangle" w="med" len="lg"/>
-          </a:ln>
-        </p:spPr>
-        <p:style>
-          <a:lnRef idx="1">
-            <a:schemeClr val="accent1"/>
-          </a:lnRef>
-          <a:fillRef idx="0">
-            <a:schemeClr val="accent1"/>
-          </a:fillRef>
-          <a:effectRef idx="0">
-            <a:schemeClr val="accent1"/>
-          </a:effectRef>
-          <a:fontRef idx="minor">
-            <a:schemeClr val="tx1"/>
-          </a:fontRef>
-        </p:style>
-      </p:cxnSp>
       <p:sp>
         <p:nvSpPr>
           <p:cNvPr id="15" name="Блок-схема: альтернативный процесс 14"/>
@@ -32056,15 +32006,7 @@
                   <a:schemeClr val="tx1"/>
                 </a:solidFill>
               </a:rPr>
-              <a:t>Документ </a:t>
-            </a:r>
-            <a:r>
-              <a:rPr lang="ru-RU" dirty="0" smtClean="0">
-                <a:solidFill>
-                  <a:schemeClr val="tx1"/>
-                </a:solidFill>
-              </a:rPr>
-              <a:t>Объект Установка цен</a:t>
+              <a:t>Документ Объект Установка цен</a:t>
             </a:r>
             <a:endParaRPr lang="ru-RU" dirty="0">
               <a:solidFill>
@@ -32092,7 +32034,7 @@
             <a:solidFill>
               <a:schemeClr val="tx2"/>
             </a:solidFill>
-            <a:headEnd type="triangle" w="med" len="lg"/>
+            <a:headEnd type="none" w="med" len="lg"/>
             <a:tailEnd type="triangle" w="med" len="lg"/>
           </a:ln>
         </p:spPr>
@@ -32798,80 +32740,6 @@
       </p:sp>
       <p:cxnSp>
         <p:nvCxnSpPr>
-          <p:cNvPr id="33" name="Прямая со стрелкой 32"/>
-          <p:cNvCxnSpPr/>
-          <p:nvPr/>
-        </p:nvCxnSpPr>
-        <p:spPr>
-          <a:xfrm>
-            <a:off x="8532440" y="1717207"/>
-            <a:ext cx="0" cy="1584176"/>
-          </a:xfrm>
-          <a:prstGeom prst="straightConnector1">
-            <a:avLst/>
-          </a:prstGeom>
-          <a:ln w="38100">
-            <a:solidFill>
-              <a:schemeClr val="tx2"/>
-            </a:solidFill>
-            <a:headEnd type="triangle" w="med" len="lg"/>
-            <a:tailEnd type="triangle" w="med" len="lg"/>
-          </a:ln>
-        </p:spPr>
-        <p:style>
-          <a:lnRef idx="1">
-            <a:schemeClr val="accent1"/>
-          </a:lnRef>
-          <a:fillRef idx="0">
-            <a:schemeClr val="accent1"/>
-          </a:fillRef>
-          <a:effectRef idx="0">
-            <a:schemeClr val="accent1"/>
-          </a:effectRef>
-          <a:fontRef idx="minor">
-            <a:schemeClr val="tx1"/>
-          </a:fontRef>
-        </p:style>
-      </p:cxnSp>
-      <p:cxnSp>
-        <p:nvCxnSpPr>
-          <p:cNvPr id="34" name="Прямая со стрелкой 33"/>
-          <p:cNvCxnSpPr/>
-          <p:nvPr/>
-        </p:nvCxnSpPr>
-        <p:spPr>
-          <a:xfrm>
-            <a:off x="5868144" y="3429000"/>
-            <a:ext cx="602505" cy="0"/>
-          </a:xfrm>
-          <a:prstGeom prst="straightConnector1">
-            <a:avLst/>
-          </a:prstGeom>
-          <a:ln w="38100">
-            <a:solidFill>
-              <a:schemeClr val="tx2"/>
-            </a:solidFill>
-            <a:headEnd type="triangle" w="med" len="lg"/>
-            <a:tailEnd type="triangle" w="med" len="lg"/>
-          </a:ln>
-        </p:spPr>
-        <p:style>
-          <a:lnRef idx="1">
-            <a:schemeClr val="accent1"/>
-          </a:lnRef>
-          <a:fillRef idx="0">
-            <a:schemeClr val="accent1"/>
-          </a:fillRef>
-          <a:effectRef idx="0">
-            <a:schemeClr val="accent1"/>
-          </a:effectRef>
-          <a:fontRef idx="minor">
-            <a:schemeClr val="tx1"/>
-          </a:fontRef>
-        </p:style>
-      </p:cxnSp>
-      <p:cxnSp>
-        <p:nvCxnSpPr>
           <p:cNvPr id="35" name="Прямая со стрелкой 34"/>
           <p:cNvCxnSpPr/>
           <p:nvPr/>
@@ -32888,7 +32756,7 @@
             <a:solidFill>
               <a:schemeClr val="tx2"/>
             </a:solidFill>
-            <a:headEnd type="triangle" w="med" len="lg"/>
+            <a:headEnd type="none" w="med" len="lg"/>
             <a:tailEnd type="triangle" w="med" len="lg"/>
           </a:ln>
         </p:spPr>
@@ -33083,15 +32951,7 @@
                   <a:schemeClr val="tx1"/>
                 </a:solidFill>
               </a:rPr>
-              <a:t>Документ </a:t>
-            </a:r>
-            <a:r>
-              <a:rPr lang="ru-RU" dirty="0" smtClean="0">
-                <a:solidFill>
-                  <a:schemeClr val="tx1"/>
-                </a:solidFill>
-              </a:rPr>
-              <a:t>Объект Установка цен</a:t>
+              <a:t>Документ Объект Установка цен</a:t>
             </a:r>
             <a:endParaRPr lang="ru-RU" dirty="0">
               <a:solidFill>
@@ -33119,7 +32979,7 @@
             <a:solidFill>
               <a:schemeClr val="tx2"/>
             </a:solidFill>
-            <a:headEnd type="triangle" w="med" len="lg"/>
+            <a:headEnd type="none" w="med" len="lg"/>
             <a:tailEnd type="triangle" w="med" len="lg"/>
           </a:ln>
         </p:spPr>
@@ -33825,80 +33685,6 @@
       </p:sp>
       <p:cxnSp>
         <p:nvCxnSpPr>
-          <p:cNvPr id="33" name="Прямая со стрелкой 32"/>
-          <p:cNvCxnSpPr/>
-          <p:nvPr/>
-        </p:nvCxnSpPr>
-        <p:spPr>
-          <a:xfrm>
-            <a:off x="8532440" y="1717207"/>
-            <a:ext cx="0" cy="1584176"/>
-          </a:xfrm>
-          <a:prstGeom prst="straightConnector1">
-            <a:avLst/>
-          </a:prstGeom>
-          <a:ln w="38100">
-            <a:solidFill>
-              <a:schemeClr val="tx2"/>
-            </a:solidFill>
-            <a:headEnd type="triangle" w="med" len="lg"/>
-            <a:tailEnd type="triangle" w="med" len="lg"/>
-          </a:ln>
-        </p:spPr>
-        <p:style>
-          <a:lnRef idx="1">
-            <a:schemeClr val="accent1"/>
-          </a:lnRef>
-          <a:fillRef idx="0">
-            <a:schemeClr val="accent1"/>
-          </a:fillRef>
-          <a:effectRef idx="0">
-            <a:schemeClr val="accent1"/>
-          </a:effectRef>
-          <a:fontRef idx="minor">
-            <a:schemeClr val="tx1"/>
-          </a:fontRef>
-        </p:style>
-      </p:cxnSp>
-      <p:cxnSp>
-        <p:nvCxnSpPr>
-          <p:cNvPr id="34" name="Прямая со стрелкой 33"/>
-          <p:cNvCxnSpPr/>
-          <p:nvPr/>
-        </p:nvCxnSpPr>
-        <p:spPr>
-          <a:xfrm>
-            <a:off x="5868144" y="3429000"/>
-            <a:ext cx="602505" cy="0"/>
-          </a:xfrm>
-          <a:prstGeom prst="straightConnector1">
-            <a:avLst/>
-          </a:prstGeom>
-          <a:ln w="38100">
-            <a:solidFill>
-              <a:schemeClr val="tx2"/>
-            </a:solidFill>
-            <a:headEnd type="triangle" w="med" len="lg"/>
-            <a:tailEnd type="triangle" w="med" len="lg"/>
-          </a:ln>
-        </p:spPr>
-        <p:style>
-          <a:lnRef idx="1">
-            <a:schemeClr val="accent1"/>
-          </a:lnRef>
-          <a:fillRef idx="0">
-            <a:schemeClr val="accent1"/>
-          </a:fillRef>
-          <a:effectRef idx="0">
-            <a:schemeClr val="accent1"/>
-          </a:effectRef>
-          <a:fontRef idx="minor">
-            <a:schemeClr val="tx1"/>
-          </a:fontRef>
-        </p:style>
-      </p:cxnSp>
-      <p:cxnSp>
-        <p:nvCxnSpPr>
           <p:cNvPr id="35" name="Прямая со стрелкой 34"/>
           <p:cNvCxnSpPr/>
           <p:nvPr/>
@@ -33915,7 +33701,7 @@
             <a:solidFill>
               <a:schemeClr val="tx2"/>
             </a:solidFill>
-            <a:headEnd type="triangle" w="med" len="lg"/>
+            <a:headEnd type="none" w="med" len="lg"/>
             <a:tailEnd type="triangle" w="med" len="lg"/>
           </a:ln>
         </p:spPr>
@@ -34110,15 +33896,7 @@
                   <a:schemeClr val="tx1"/>
                 </a:solidFill>
               </a:rPr>
-              <a:t>Документ </a:t>
-            </a:r>
-            <a:r>
-              <a:rPr lang="ru-RU" dirty="0" smtClean="0">
-                <a:solidFill>
-                  <a:schemeClr val="tx1"/>
-                </a:solidFill>
-              </a:rPr>
-              <a:t>Объект Установка цен</a:t>
+              <a:t>Документ Объект Установка цен</a:t>
             </a:r>
             <a:endParaRPr lang="ru-RU" dirty="0">
               <a:solidFill>
@@ -34146,7 +33924,7 @@
             <a:solidFill>
               <a:schemeClr val="tx2"/>
             </a:solidFill>
-            <a:headEnd type="triangle" w="med" len="lg"/>
+            <a:headEnd type="none" w="med" len="lg"/>
             <a:tailEnd type="triangle" w="med" len="lg"/>
           </a:ln>
         </p:spPr>
@@ -34228,7 +34006,6 @@
               <a:rPr lang="ru-RU" dirty="0"/>
               <a:t>в таблицу регистра сведений</a:t>
             </a:r>
-            <a:endParaRPr lang="ru-RU" dirty="0"/>
           </a:p>
         </p:txBody>
       </p:sp>
@@ -34265,6 +34042,975 @@
 </file>
 
 <file path=ppt/slides/slide44.xml><?xml version="1.0" encoding="utf-8"?>
+<p:sld xmlns:a="http://schemas.openxmlformats.org/drawingml/2006/main" xmlns:r="http://schemas.openxmlformats.org/officeDocument/2006/relationships" xmlns:p="http://schemas.openxmlformats.org/presentationml/2006/main">
+  <p:cSld>
+    <p:spTree>
+      <p:nvGrpSpPr>
+        <p:cNvPr id="1" name=""/>
+        <p:cNvGrpSpPr/>
+        <p:nvPr/>
+      </p:nvGrpSpPr>
+      <p:grpSpPr>
+        <a:xfrm>
+          <a:off x="0" y="0"/>
+          <a:ext cx="0" cy="0"/>
+          <a:chOff x="0" y="0"/>
+          <a:chExt cx="0" cy="0"/>
+        </a:xfrm>
+      </p:grpSpPr>
+      <p:sp>
+        <p:nvSpPr>
+          <p:cNvPr id="16" name="Цилиндр 15"/>
+          <p:cNvSpPr/>
+          <p:nvPr/>
+        </p:nvSpPr>
+        <p:spPr>
+          <a:xfrm>
+            <a:off x="1403648" y="5661248"/>
+            <a:ext cx="4857719" cy="864096"/>
+          </a:xfrm>
+          <a:prstGeom prst="can">
+            <a:avLst>
+              <a:gd name="adj" fmla="val 19215"/>
+            </a:avLst>
+          </a:prstGeom>
+          <a:solidFill>
+            <a:schemeClr val="accent3">
+              <a:lumMod val="40000"/>
+              <a:lumOff val="60000"/>
+              <a:alpha val="15000"/>
+            </a:schemeClr>
+          </a:solidFill>
+          <a:ln>
+            <a:solidFill>
+              <a:schemeClr val="accent3"/>
+            </a:solidFill>
+          </a:ln>
+        </p:spPr>
+        <p:style>
+          <a:lnRef idx="2">
+            <a:schemeClr val="accent1">
+              <a:shade val="50000"/>
+            </a:schemeClr>
+          </a:lnRef>
+          <a:fillRef idx="1">
+            <a:schemeClr val="accent1"/>
+          </a:fillRef>
+          <a:effectRef idx="0">
+            <a:schemeClr val="accent1"/>
+          </a:effectRef>
+          <a:fontRef idx="minor">
+            <a:schemeClr val="lt1"/>
+          </a:fontRef>
+        </p:style>
+        <p:txBody>
+          <a:bodyPr rtlCol="0" anchor="t" anchorCtr="0"/>
+          <a:lstStyle/>
+          <a:p>
+            <a:pPr algn="ctr"/>
+            <a:r>
+              <a:rPr lang="ru-RU" dirty="0" smtClean="0">
+                <a:solidFill>
+                  <a:schemeClr val="tx1"/>
+                </a:solidFill>
+              </a:rPr>
+              <a:t>База данных</a:t>
+            </a:r>
+            <a:endParaRPr lang="ru-RU" dirty="0">
+              <a:solidFill>
+                <a:schemeClr val="tx1"/>
+              </a:solidFill>
+            </a:endParaRPr>
+          </a:p>
+        </p:txBody>
+      </p:sp>
+      <p:sp>
+        <p:nvSpPr>
+          <p:cNvPr id="3" name="Прямоугольник 2"/>
+          <p:cNvSpPr/>
+          <p:nvPr/>
+        </p:nvSpPr>
+        <p:spPr>
+          <a:xfrm>
+            <a:off x="187018" y="2471430"/>
+            <a:ext cx="8810374" cy="3116293"/>
+          </a:xfrm>
+          <a:prstGeom prst="rect">
+            <a:avLst/>
+          </a:prstGeom>
+          <a:solidFill>
+            <a:srgbClr val="00B0F0">
+              <a:alpha val="5000"/>
+            </a:srgbClr>
+          </a:solidFill>
+          <a:ln>
+            <a:solidFill>
+              <a:srgbClr val="00B0F0"/>
+            </a:solidFill>
+            <a:prstDash val="dash"/>
+          </a:ln>
+        </p:spPr>
+        <p:style>
+          <a:lnRef idx="2">
+            <a:schemeClr val="accent1">
+              <a:shade val="50000"/>
+            </a:schemeClr>
+          </a:lnRef>
+          <a:fillRef idx="1">
+            <a:schemeClr val="accent1"/>
+          </a:fillRef>
+          <a:effectRef idx="0">
+            <a:schemeClr val="accent1"/>
+          </a:effectRef>
+          <a:fontRef idx="minor">
+            <a:schemeClr val="lt1"/>
+          </a:fontRef>
+        </p:style>
+        <p:txBody>
+          <a:bodyPr rtlCol="0" anchor="t" anchorCtr="0"/>
+          <a:lstStyle/>
+          <a:p>
+            <a:r>
+              <a:rPr lang="ru-RU" b="1" dirty="0" smtClean="0">
+                <a:solidFill>
+                  <a:srgbClr val="00B0F0"/>
+                </a:solidFill>
+              </a:rPr>
+              <a:t>Сервер</a:t>
+            </a:r>
+            <a:endParaRPr lang="ru-RU" b="1" dirty="0">
+              <a:solidFill>
+                <a:srgbClr val="00B0F0"/>
+              </a:solidFill>
+            </a:endParaRPr>
+          </a:p>
+        </p:txBody>
+      </p:sp>
+      <p:sp>
+        <p:nvSpPr>
+          <p:cNvPr id="12" name="Прямоугольник 11"/>
+          <p:cNvSpPr/>
+          <p:nvPr/>
+        </p:nvSpPr>
+        <p:spPr>
+          <a:xfrm>
+            <a:off x="187018" y="587358"/>
+            <a:ext cx="8812654" cy="1799016"/>
+          </a:xfrm>
+          <a:prstGeom prst="rect">
+            <a:avLst/>
+          </a:prstGeom>
+          <a:solidFill>
+            <a:srgbClr val="FF0000">
+              <a:alpha val="8000"/>
+            </a:srgbClr>
+          </a:solidFill>
+          <a:ln>
+            <a:solidFill>
+              <a:srgbClr val="FF0000"/>
+            </a:solidFill>
+            <a:prstDash val="dash"/>
+          </a:ln>
+        </p:spPr>
+        <p:style>
+          <a:lnRef idx="2">
+            <a:schemeClr val="accent1">
+              <a:shade val="50000"/>
+            </a:schemeClr>
+          </a:lnRef>
+          <a:fillRef idx="1">
+            <a:schemeClr val="accent1"/>
+          </a:fillRef>
+          <a:effectRef idx="0">
+            <a:schemeClr val="accent1"/>
+          </a:effectRef>
+          <a:fontRef idx="minor">
+            <a:schemeClr val="lt1"/>
+          </a:fontRef>
+        </p:style>
+        <p:txBody>
+          <a:bodyPr rtlCol="0" anchor="t" anchorCtr="0"/>
+          <a:lstStyle/>
+          <a:p>
+            <a:r>
+              <a:rPr lang="ru-RU" b="1" dirty="0" smtClean="0">
+                <a:solidFill>
+                  <a:srgbClr val="C00000"/>
+                </a:solidFill>
+              </a:rPr>
+              <a:t>Клиент</a:t>
+            </a:r>
+            <a:endParaRPr lang="ru-RU" b="1" dirty="0">
+              <a:solidFill>
+                <a:srgbClr val="C00000"/>
+              </a:solidFill>
+            </a:endParaRPr>
+          </a:p>
+        </p:txBody>
+      </p:sp>
+      <p:sp>
+        <p:nvSpPr>
+          <p:cNvPr id="24" name="Блок-схема: альтернативный процесс 23"/>
+          <p:cNvSpPr/>
+          <p:nvPr/>
+        </p:nvSpPr>
+        <p:spPr>
+          <a:xfrm>
+            <a:off x="6470649" y="709095"/>
+            <a:ext cx="2304256" cy="1008112"/>
+          </a:xfrm>
+          <a:prstGeom prst="flowChartAlternateProcess">
+            <a:avLst/>
+          </a:prstGeom>
+          <a:noFill/>
+          <a:ln w="38100">
+            <a:solidFill>
+              <a:srgbClr val="FF0000"/>
+            </a:solidFill>
+          </a:ln>
+        </p:spPr>
+        <p:style>
+          <a:lnRef idx="2">
+            <a:schemeClr val="accent1">
+              <a:shade val="50000"/>
+            </a:schemeClr>
+          </a:lnRef>
+          <a:fillRef idx="1">
+            <a:schemeClr val="accent1"/>
+          </a:fillRef>
+          <a:effectRef idx="0">
+            <a:schemeClr val="accent1"/>
+          </a:effectRef>
+          <a:fontRef idx="minor">
+            <a:schemeClr val="lt1"/>
+          </a:fontRef>
+        </p:style>
+        <p:txBody>
+          <a:bodyPr rtlCol="0" anchor="ctr"/>
+          <a:lstStyle/>
+          <a:p>
+            <a:pPr algn="ctr"/>
+            <a:r>
+              <a:rPr lang="ru-RU" dirty="0" smtClean="0">
+                <a:solidFill>
+                  <a:schemeClr val="tx1"/>
+                </a:solidFill>
+              </a:rPr>
+              <a:t>Форма клиентского приложения 1</a:t>
+            </a:r>
+            <a:br>
+              <a:rPr lang="ru-RU" dirty="0" smtClean="0">
+                <a:solidFill>
+                  <a:schemeClr val="tx1"/>
+                </a:solidFill>
+              </a:rPr>
+            </a:br>
+            <a:r>
+              <a:rPr lang="ru-RU" dirty="0" smtClean="0">
+                <a:solidFill>
+                  <a:schemeClr val="tx1"/>
+                </a:solidFill>
+              </a:rPr>
+              <a:t> (на клиенте)</a:t>
+            </a:r>
+            <a:endParaRPr lang="ru-RU" dirty="0">
+              <a:solidFill>
+                <a:schemeClr val="tx1"/>
+              </a:solidFill>
+            </a:endParaRPr>
+          </a:p>
+        </p:txBody>
+      </p:sp>
+      <p:sp>
+        <p:nvSpPr>
+          <p:cNvPr id="26" name="Блок-схема: альтернативный процесс 25"/>
+          <p:cNvSpPr/>
+          <p:nvPr/>
+        </p:nvSpPr>
+        <p:spPr>
+          <a:xfrm>
+            <a:off x="6516216" y="3284984"/>
+            <a:ext cx="2304256" cy="1008112"/>
+          </a:xfrm>
+          <a:prstGeom prst="flowChartAlternateProcess">
+            <a:avLst/>
+          </a:prstGeom>
+          <a:noFill/>
+          <a:ln w="38100"/>
+        </p:spPr>
+        <p:style>
+          <a:lnRef idx="2">
+            <a:schemeClr val="accent1">
+              <a:shade val="50000"/>
+            </a:schemeClr>
+          </a:lnRef>
+          <a:fillRef idx="1">
+            <a:schemeClr val="accent1"/>
+          </a:fillRef>
+          <a:effectRef idx="0">
+            <a:schemeClr val="accent1"/>
+          </a:effectRef>
+          <a:fontRef idx="minor">
+            <a:schemeClr val="lt1"/>
+          </a:fontRef>
+        </p:style>
+        <p:txBody>
+          <a:bodyPr rtlCol="0" anchor="ctr"/>
+          <a:lstStyle/>
+          <a:p>
+            <a:pPr algn="ctr"/>
+            <a:r>
+              <a:rPr lang="ru-RU" dirty="0" smtClean="0">
+                <a:solidFill>
+                  <a:schemeClr val="tx1"/>
+                </a:solidFill>
+              </a:rPr>
+              <a:t>Форма клиентского приложения 2</a:t>
+            </a:r>
+            <a:br>
+              <a:rPr lang="ru-RU" dirty="0" smtClean="0">
+                <a:solidFill>
+                  <a:schemeClr val="tx1"/>
+                </a:solidFill>
+              </a:rPr>
+            </a:br>
+            <a:r>
+              <a:rPr lang="ru-RU" dirty="0" smtClean="0">
+                <a:solidFill>
+                  <a:schemeClr val="tx1"/>
+                </a:solidFill>
+              </a:rPr>
+              <a:t> (на сервере)</a:t>
+            </a:r>
+            <a:endParaRPr lang="ru-RU" dirty="0">
+              <a:solidFill>
+                <a:schemeClr val="tx1"/>
+              </a:solidFill>
+            </a:endParaRPr>
+          </a:p>
+        </p:txBody>
+      </p:sp>
+      <p:sp>
+        <p:nvSpPr>
+          <p:cNvPr id="28" name="Выноска 3 27"/>
+          <p:cNvSpPr/>
+          <p:nvPr/>
+        </p:nvSpPr>
+        <p:spPr>
+          <a:xfrm>
+            <a:off x="6532021" y="1802263"/>
+            <a:ext cx="1728192" cy="504000"/>
+          </a:xfrm>
+          <a:prstGeom prst="borderCallout3">
+            <a:avLst>
+              <a:gd name="adj1" fmla="val 18750"/>
+              <a:gd name="adj2" fmla="val -8333"/>
+              <a:gd name="adj3" fmla="val 18750"/>
+              <a:gd name="adj4" fmla="val -16667"/>
+              <a:gd name="adj5" fmla="val -47795"/>
+              <a:gd name="adj6" fmla="val -17677"/>
+              <a:gd name="adj7" fmla="val -72169"/>
+              <a:gd name="adj8" fmla="val 13874"/>
+            </a:avLst>
+          </a:prstGeom>
+          <a:solidFill>
+            <a:schemeClr val="accent6">
+              <a:lumMod val="20000"/>
+              <a:lumOff val="80000"/>
+            </a:schemeClr>
+          </a:solidFill>
+          <a:ln w="15875">
+            <a:prstDash val="sysDot"/>
+            <a:tailEnd type="stealth"/>
+          </a:ln>
+        </p:spPr>
+        <p:style>
+          <a:lnRef idx="2">
+            <a:schemeClr val="accent1">
+              <a:shade val="50000"/>
+            </a:schemeClr>
+          </a:lnRef>
+          <a:fillRef idx="1">
+            <a:schemeClr val="accent1"/>
+          </a:fillRef>
+          <a:effectRef idx="0">
+            <a:schemeClr val="accent1"/>
+          </a:effectRef>
+          <a:fontRef idx="minor">
+            <a:schemeClr val="lt1"/>
+          </a:fontRef>
+        </p:style>
+        <p:txBody>
+          <a:bodyPr rtlCol="0" anchor="ctr"/>
+          <a:lstStyle/>
+          <a:p>
+            <a:pPr algn="ctr"/>
+            <a:r>
+              <a:rPr lang="ru-RU" dirty="0">
+                <a:solidFill>
+                  <a:schemeClr val="tx1"/>
+                </a:solidFill>
+              </a:rPr>
+              <a:t>Модуль формы</a:t>
+            </a:r>
+            <a:br>
+              <a:rPr lang="ru-RU" dirty="0">
+                <a:solidFill>
+                  <a:schemeClr val="tx1"/>
+                </a:solidFill>
+              </a:rPr>
+            </a:br>
+            <a:r>
+              <a:rPr lang="ru-RU" dirty="0">
+                <a:solidFill>
+                  <a:schemeClr val="tx1"/>
+                </a:solidFill>
+              </a:rPr>
+              <a:t>&amp;На Клиенте</a:t>
+            </a:r>
+          </a:p>
+        </p:txBody>
+      </p:sp>
+      <p:sp>
+        <p:nvSpPr>
+          <p:cNvPr id="37" name="Выноска 3 36"/>
+          <p:cNvSpPr/>
+          <p:nvPr/>
+        </p:nvSpPr>
+        <p:spPr>
+          <a:xfrm>
+            <a:off x="6532021" y="4350084"/>
+            <a:ext cx="1728192" cy="504000"/>
+          </a:xfrm>
+          <a:prstGeom prst="borderCallout3">
+            <a:avLst>
+              <a:gd name="adj1" fmla="val 18750"/>
+              <a:gd name="adj2" fmla="val -8333"/>
+              <a:gd name="adj3" fmla="val 18750"/>
+              <a:gd name="adj4" fmla="val -16667"/>
+              <a:gd name="adj5" fmla="val -47795"/>
+              <a:gd name="adj6" fmla="val -17677"/>
+              <a:gd name="adj7" fmla="val -72169"/>
+              <a:gd name="adj8" fmla="val 13874"/>
+            </a:avLst>
+          </a:prstGeom>
+          <a:solidFill>
+            <a:schemeClr val="tx2">
+              <a:lumMod val="20000"/>
+              <a:lumOff val="80000"/>
+            </a:schemeClr>
+          </a:solidFill>
+          <a:ln w="15875">
+            <a:prstDash val="sysDot"/>
+            <a:tailEnd type="stealth"/>
+          </a:ln>
+        </p:spPr>
+        <p:style>
+          <a:lnRef idx="2">
+            <a:schemeClr val="accent1">
+              <a:shade val="50000"/>
+            </a:schemeClr>
+          </a:lnRef>
+          <a:fillRef idx="1">
+            <a:schemeClr val="accent1"/>
+          </a:fillRef>
+          <a:effectRef idx="0">
+            <a:schemeClr val="accent1"/>
+          </a:effectRef>
+          <a:fontRef idx="minor">
+            <a:schemeClr val="lt1"/>
+          </a:fontRef>
+        </p:style>
+        <p:txBody>
+          <a:bodyPr rtlCol="0" anchor="ctr"/>
+          <a:lstStyle/>
+          <a:p>
+            <a:pPr algn="ctr"/>
+            <a:r>
+              <a:rPr lang="ru-RU" dirty="0">
+                <a:solidFill>
+                  <a:schemeClr val="tx1"/>
+                </a:solidFill>
+              </a:rPr>
+              <a:t>Модуль формы</a:t>
+            </a:r>
+            <a:br>
+              <a:rPr lang="ru-RU" dirty="0">
+                <a:solidFill>
+                  <a:schemeClr val="tx1"/>
+                </a:solidFill>
+              </a:rPr>
+            </a:br>
+            <a:r>
+              <a:rPr lang="ru-RU" dirty="0">
+                <a:solidFill>
+                  <a:schemeClr val="tx1"/>
+                </a:solidFill>
+              </a:rPr>
+              <a:t>&amp;На </a:t>
+            </a:r>
+            <a:r>
+              <a:rPr lang="ru-RU" dirty="0" smtClean="0">
+                <a:solidFill>
+                  <a:schemeClr val="tx1"/>
+                </a:solidFill>
+              </a:rPr>
+              <a:t>Сервере</a:t>
+            </a:r>
+            <a:endParaRPr lang="ru-RU" dirty="0">
+              <a:solidFill>
+                <a:schemeClr val="tx1"/>
+              </a:solidFill>
+            </a:endParaRPr>
+          </a:p>
+        </p:txBody>
+      </p:sp>
+      <p:sp>
+        <p:nvSpPr>
+          <p:cNvPr id="19" name="Выноска 3 18"/>
+          <p:cNvSpPr/>
+          <p:nvPr/>
+        </p:nvSpPr>
+        <p:spPr>
+          <a:xfrm>
+            <a:off x="223059" y="4041096"/>
+            <a:ext cx="1649781" cy="504000"/>
+          </a:xfrm>
+          <a:prstGeom prst="borderCallout3">
+            <a:avLst>
+              <a:gd name="adj1" fmla="val -15732"/>
+              <a:gd name="adj2" fmla="val 65699"/>
+              <a:gd name="adj3" fmla="val -79711"/>
+              <a:gd name="adj4" fmla="val 66152"/>
+              <a:gd name="adj5" fmla="val -112288"/>
+              <a:gd name="adj6" fmla="val 85471"/>
+              <a:gd name="adj7" fmla="val -85613"/>
+              <a:gd name="adj8" fmla="val 110862"/>
+            </a:avLst>
+          </a:prstGeom>
+          <a:solidFill>
+            <a:schemeClr val="tx2">
+              <a:lumMod val="20000"/>
+              <a:lumOff val="80000"/>
+            </a:schemeClr>
+          </a:solidFill>
+          <a:ln w="15875">
+            <a:prstDash val="sysDot"/>
+            <a:tailEnd type="stealth"/>
+          </a:ln>
+        </p:spPr>
+        <p:style>
+          <a:lnRef idx="2">
+            <a:schemeClr val="accent1">
+              <a:shade val="50000"/>
+            </a:schemeClr>
+          </a:lnRef>
+          <a:fillRef idx="1">
+            <a:schemeClr val="accent1"/>
+          </a:fillRef>
+          <a:effectRef idx="0">
+            <a:schemeClr val="accent1"/>
+          </a:effectRef>
+          <a:fontRef idx="minor">
+            <a:schemeClr val="lt1"/>
+          </a:fontRef>
+        </p:style>
+        <p:txBody>
+          <a:bodyPr rtlCol="0" anchor="ctr"/>
+          <a:lstStyle/>
+          <a:p>
+            <a:pPr algn="ctr"/>
+            <a:r>
+              <a:rPr lang="ru-RU" dirty="0">
+                <a:solidFill>
+                  <a:schemeClr val="tx1"/>
+                </a:solidFill>
+              </a:rPr>
+              <a:t>Модуль </a:t>
+            </a:r>
+            <a:r>
+              <a:rPr lang="ru-RU" dirty="0" smtClean="0">
+                <a:solidFill>
+                  <a:schemeClr val="tx1"/>
+                </a:solidFill>
+              </a:rPr>
+              <a:t>объекта</a:t>
+            </a:r>
+            <a:endParaRPr lang="ru-RU" dirty="0">
+              <a:solidFill>
+                <a:schemeClr val="tx1"/>
+              </a:solidFill>
+            </a:endParaRPr>
+          </a:p>
+        </p:txBody>
+      </p:sp>
+      <p:cxnSp>
+        <p:nvCxnSpPr>
+          <p:cNvPr id="33" name="Прямая со стрелкой 32"/>
+          <p:cNvCxnSpPr/>
+          <p:nvPr/>
+        </p:nvCxnSpPr>
+        <p:spPr>
+          <a:xfrm>
+            <a:off x="8532440" y="1717207"/>
+            <a:ext cx="0" cy="1584176"/>
+          </a:xfrm>
+          <a:prstGeom prst="straightConnector1">
+            <a:avLst/>
+          </a:prstGeom>
+          <a:ln w="38100">
+            <a:solidFill>
+              <a:schemeClr val="tx2"/>
+            </a:solidFill>
+            <a:headEnd type="none" w="med" len="lg"/>
+            <a:tailEnd type="triangle" w="med" len="lg"/>
+          </a:ln>
+        </p:spPr>
+        <p:style>
+          <a:lnRef idx="1">
+            <a:schemeClr val="accent1"/>
+          </a:lnRef>
+          <a:fillRef idx="0">
+            <a:schemeClr val="accent1"/>
+          </a:fillRef>
+          <a:effectRef idx="0">
+            <a:schemeClr val="accent1"/>
+          </a:effectRef>
+          <a:fontRef idx="minor">
+            <a:schemeClr val="tx1"/>
+          </a:fontRef>
+        </p:style>
+      </p:cxnSp>
+      <p:cxnSp>
+        <p:nvCxnSpPr>
+          <p:cNvPr id="34" name="Прямая со стрелкой 33"/>
+          <p:cNvCxnSpPr/>
+          <p:nvPr/>
+        </p:nvCxnSpPr>
+        <p:spPr>
+          <a:xfrm>
+            <a:off x="5868144" y="3429000"/>
+            <a:ext cx="602505" cy="0"/>
+          </a:xfrm>
+          <a:prstGeom prst="straightConnector1">
+            <a:avLst/>
+          </a:prstGeom>
+          <a:ln w="38100">
+            <a:solidFill>
+              <a:schemeClr val="tx2"/>
+            </a:solidFill>
+            <a:headEnd type="triangle" w="med" len="lg"/>
+            <a:tailEnd type="none" w="med" len="lg"/>
+          </a:ln>
+        </p:spPr>
+        <p:style>
+          <a:lnRef idx="1">
+            <a:schemeClr val="accent1"/>
+          </a:lnRef>
+          <a:fillRef idx="0">
+            <a:schemeClr val="accent1"/>
+          </a:fillRef>
+          <a:effectRef idx="0">
+            <a:schemeClr val="accent1"/>
+          </a:effectRef>
+          <a:fontRef idx="minor">
+            <a:schemeClr val="tx1"/>
+          </a:fontRef>
+        </p:style>
+      </p:cxnSp>
+      <p:cxnSp>
+        <p:nvCxnSpPr>
+          <p:cNvPr id="35" name="Прямая со стрелкой 34"/>
+          <p:cNvCxnSpPr/>
+          <p:nvPr/>
+        </p:nvCxnSpPr>
+        <p:spPr>
+          <a:xfrm flipH="1">
+            <a:off x="5724128" y="4944245"/>
+            <a:ext cx="11679" cy="1286956"/>
+          </a:xfrm>
+          <a:prstGeom prst="straightConnector1">
+            <a:avLst/>
+          </a:prstGeom>
+          <a:ln w="38100">
+            <a:solidFill>
+              <a:schemeClr val="tx2"/>
+            </a:solidFill>
+            <a:headEnd type="none" w="med" len="lg"/>
+            <a:tailEnd type="triangle" w="med" len="lg"/>
+          </a:ln>
+        </p:spPr>
+        <p:style>
+          <a:lnRef idx="1">
+            <a:schemeClr val="accent1"/>
+          </a:lnRef>
+          <a:fillRef idx="0">
+            <a:schemeClr val="accent1"/>
+          </a:fillRef>
+          <a:effectRef idx="0">
+            <a:schemeClr val="accent1"/>
+          </a:effectRef>
+          <a:fontRef idx="minor">
+            <a:schemeClr val="tx1"/>
+          </a:fontRef>
+        </p:style>
+      </p:cxnSp>
+      <p:sp>
+        <p:nvSpPr>
+          <p:cNvPr id="15" name="Блок-схема: альтернативный процесс 14"/>
+          <p:cNvSpPr/>
+          <p:nvPr/>
+        </p:nvSpPr>
+        <p:spPr>
+          <a:xfrm>
+            <a:off x="2923614" y="4066449"/>
+            <a:ext cx="2304256" cy="1008112"/>
+          </a:xfrm>
+          <a:prstGeom prst="flowChartAlternateProcess">
+            <a:avLst/>
+          </a:prstGeom>
+          <a:noFill/>
+          <a:ln w="38100"/>
+        </p:spPr>
+        <p:style>
+          <a:lnRef idx="2">
+            <a:schemeClr val="accent1">
+              <a:shade val="50000"/>
+            </a:schemeClr>
+          </a:lnRef>
+          <a:fillRef idx="1">
+            <a:schemeClr val="accent1"/>
+          </a:fillRef>
+          <a:effectRef idx="0">
+            <a:schemeClr val="accent1"/>
+          </a:effectRef>
+          <a:fontRef idx="minor">
+            <a:schemeClr val="lt1"/>
+          </a:fontRef>
+        </p:style>
+        <p:txBody>
+          <a:bodyPr rtlCol="0" anchor="ctr"/>
+          <a:lstStyle/>
+          <a:p>
+            <a:pPr algn="ctr"/>
+            <a:r>
+              <a:rPr lang="ru-RU" dirty="0" smtClean="0">
+                <a:solidFill>
+                  <a:schemeClr val="tx1"/>
+                </a:solidFill>
+              </a:rPr>
+              <a:t>Регистр сведений набор записей Наши цены</a:t>
+            </a:r>
+            <a:endParaRPr lang="ru-RU" dirty="0">
+              <a:solidFill>
+                <a:schemeClr val="tx1"/>
+              </a:solidFill>
+            </a:endParaRPr>
+          </a:p>
+        </p:txBody>
+      </p:sp>
+      <p:sp>
+        <p:nvSpPr>
+          <p:cNvPr id="18" name="Выноска 3 17"/>
+          <p:cNvSpPr/>
+          <p:nvPr/>
+        </p:nvSpPr>
+        <p:spPr>
+          <a:xfrm>
+            <a:off x="238151" y="4877239"/>
+            <a:ext cx="1741561" cy="504000"/>
+          </a:xfrm>
+          <a:prstGeom prst="borderCallout3">
+            <a:avLst>
+              <a:gd name="adj1" fmla="val 49200"/>
+              <a:gd name="adj2" fmla="val 101189"/>
+              <a:gd name="adj3" fmla="val 76889"/>
+              <a:gd name="adj4" fmla="val 116566"/>
+              <a:gd name="adj5" fmla="val 71050"/>
+              <a:gd name="adj6" fmla="val 139356"/>
+              <a:gd name="adj7" fmla="val 4147"/>
+              <a:gd name="adj8" fmla="val 168003"/>
+            </a:avLst>
+          </a:prstGeom>
+          <a:solidFill>
+            <a:schemeClr val="tx2">
+              <a:lumMod val="20000"/>
+              <a:lumOff val="80000"/>
+            </a:schemeClr>
+          </a:solidFill>
+          <a:ln w="15875">
+            <a:prstDash val="sysDot"/>
+            <a:tailEnd type="stealth"/>
+          </a:ln>
+        </p:spPr>
+        <p:style>
+          <a:lnRef idx="2">
+            <a:schemeClr val="accent1">
+              <a:shade val="50000"/>
+            </a:schemeClr>
+          </a:lnRef>
+          <a:fillRef idx="1">
+            <a:schemeClr val="accent1"/>
+          </a:fillRef>
+          <a:effectRef idx="0">
+            <a:schemeClr val="accent1"/>
+          </a:effectRef>
+          <a:fontRef idx="minor">
+            <a:schemeClr val="lt1"/>
+          </a:fontRef>
+        </p:style>
+        <p:txBody>
+          <a:bodyPr rtlCol="0" anchor="ctr"/>
+          <a:lstStyle/>
+          <a:p>
+            <a:pPr algn="ctr"/>
+            <a:r>
+              <a:rPr lang="ru-RU" dirty="0">
+                <a:solidFill>
+                  <a:schemeClr val="tx1"/>
+                </a:solidFill>
+              </a:rPr>
+              <a:t>Модуль </a:t>
+            </a:r>
+            <a:r>
+              <a:rPr lang="ru-RU" dirty="0" smtClean="0">
+                <a:solidFill>
+                  <a:schemeClr val="tx1"/>
+                </a:solidFill>
+              </a:rPr>
+              <a:t>набора записей</a:t>
+            </a:r>
+            <a:endParaRPr lang="ru-RU" dirty="0">
+              <a:solidFill>
+                <a:schemeClr val="tx1"/>
+              </a:solidFill>
+            </a:endParaRPr>
+          </a:p>
+        </p:txBody>
+      </p:sp>
+      <p:sp>
+        <p:nvSpPr>
+          <p:cNvPr id="13" name="Блок-схема: альтернативный процесс 12"/>
+          <p:cNvSpPr/>
+          <p:nvPr/>
+        </p:nvSpPr>
+        <p:spPr>
+          <a:xfrm>
+            <a:off x="1916505" y="3303617"/>
+            <a:ext cx="4068844" cy="2103023"/>
+          </a:xfrm>
+          <a:prstGeom prst="flowChartAlternateProcess">
+            <a:avLst/>
+          </a:prstGeom>
+          <a:noFill/>
+          <a:ln w="38100"/>
+        </p:spPr>
+        <p:style>
+          <a:lnRef idx="2">
+            <a:schemeClr val="accent1">
+              <a:shade val="50000"/>
+            </a:schemeClr>
+          </a:lnRef>
+          <a:fillRef idx="1">
+            <a:schemeClr val="accent1"/>
+          </a:fillRef>
+          <a:effectRef idx="0">
+            <a:schemeClr val="accent1"/>
+          </a:effectRef>
+          <a:fontRef idx="minor">
+            <a:schemeClr val="lt1"/>
+          </a:fontRef>
+        </p:style>
+        <p:txBody>
+          <a:bodyPr rtlCol="0" anchor="t"/>
+          <a:lstStyle/>
+          <a:p>
+            <a:r>
+              <a:rPr lang="ru-RU" dirty="0" smtClean="0">
+                <a:solidFill>
+                  <a:schemeClr val="tx1"/>
+                </a:solidFill>
+              </a:rPr>
+              <a:t>Документ Объект Установка цен</a:t>
+            </a:r>
+            <a:endParaRPr lang="ru-RU" dirty="0">
+              <a:solidFill>
+                <a:schemeClr val="tx1"/>
+              </a:solidFill>
+            </a:endParaRPr>
+          </a:p>
+        </p:txBody>
+      </p:sp>
+      <p:cxnSp>
+        <p:nvCxnSpPr>
+          <p:cNvPr id="20" name="Прямая со стрелкой 19"/>
+          <p:cNvCxnSpPr/>
+          <p:nvPr/>
+        </p:nvCxnSpPr>
+        <p:spPr>
+          <a:xfrm flipH="1">
+            <a:off x="4867433" y="4836687"/>
+            <a:ext cx="11679" cy="1286956"/>
+          </a:xfrm>
+          <a:prstGeom prst="straightConnector1">
+            <a:avLst/>
+          </a:prstGeom>
+          <a:ln w="38100">
+            <a:solidFill>
+              <a:schemeClr val="tx2"/>
+            </a:solidFill>
+            <a:headEnd type="none" w="med" len="lg"/>
+            <a:tailEnd type="triangle" w="med" len="lg"/>
+          </a:ln>
+        </p:spPr>
+        <p:style>
+          <a:lnRef idx="1">
+            <a:schemeClr val="accent1"/>
+          </a:lnRef>
+          <a:fillRef idx="0">
+            <a:schemeClr val="accent1"/>
+          </a:fillRef>
+          <a:effectRef idx="0">
+            <a:schemeClr val="accent1"/>
+          </a:effectRef>
+          <a:fontRef idx="minor">
+            <a:schemeClr val="tx1"/>
+          </a:fontRef>
+        </p:style>
+      </p:cxnSp>
+    </p:spTree>
+    <p:extLst>
+      <p:ext uri="{BB962C8B-B14F-4D97-AF65-F5344CB8AC3E}">
+        <p14:creationId xmlns:p14="http://schemas.microsoft.com/office/powerpoint/2010/main" val="35034838"/>
+      </p:ext>
+    </p:extLst>
+  </p:cSld>
+  <p:clrMapOvr>
+    <a:masterClrMapping/>
+  </p:clrMapOvr>
+  <mc:AlternateContent xmlns:mc="http://schemas.openxmlformats.org/markup-compatibility/2006" xmlns:p14="http://schemas.microsoft.com/office/powerpoint/2010/main">
+    <mc:Choice Requires="p14">
+      <p:transition spd="med" p14:dur="700">
+        <p:fade/>
+      </p:transition>
+    </mc:Choice>
+    <mc:Fallback xmlns="">
+      <p:transition spd="med">
+        <p:fade/>
+      </p:transition>
+    </mc:Fallback>
+  </mc:AlternateContent>
+  <p:timing>
+    <p:tnLst>
+      <p:par>
+        <p:cTn id="1" dur="indefinite" restart="never" nodeType="tmRoot"/>
+      </p:par>
+    </p:tnLst>
+  </p:timing>
+</p:sld>
+</file>
+
+<file path=ppt/slides/slide45.xml><?xml version="1.0" encoding="utf-8"?>
 <p:sld xmlns:a="http://schemas.openxmlformats.org/drawingml/2006/main" xmlns:r="http://schemas.openxmlformats.org/officeDocument/2006/relationships" xmlns:p="http://schemas.openxmlformats.org/presentationml/2006/main">
   <p:cSld>
     <p:spTree>
@@ -34768,10 +35514,17 @@
   <p:clrMapOvr>
     <a:masterClrMapping/>
   </p:clrMapOvr>
+  <p:timing>
+    <p:tnLst>
+      <p:par>
+        <p:cTn id="1" dur="indefinite" restart="never" nodeType="tmRoot"/>
+      </p:par>
+    </p:tnLst>
+  </p:timing>
 </p:sld>
 </file>
 
-<file path=ppt/slides/slide45.xml><?xml version="1.0" encoding="utf-8"?>
+<file path=ppt/slides/slide46.xml><?xml version="1.0" encoding="utf-8"?>
 <p:sld xmlns:a="http://schemas.openxmlformats.org/drawingml/2006/main" xmlns:r="http://schemas.openxmlformats.org/officeDocument/2006/relationships" xmlns:p="http://schemas.openxmlformats.org/presentationml/2006/main">
   <p:cSld>
     <p:spTree>
@@ -34858,7 +35611,3965 @@
 </p:sld>
 </file>
 
-<file path=ppt/slides/slide46.xml><?xml version="1.0" encoding="utf-8"?>
+<file path=ppt/slides/slide47.xml><?xml version="1.0" encoding="utf-8"?>
+<p:sld xmlns:a="http://schemas.openxmlformats.org/drawingml/2006/main" xmlns:r="http://schemas.openxmlformats.org/officeDocument/2006/relationships" xmlns:p="http://schemas.openxmlformats.org/presentationml/2006/main">
+  <p:cSld>
+    <p:spTree>
+      <p:nvGrpSpPr>
+        <p:cNvPr id="1" name=""/>
+        <p:cNvGrpSpPr/>
+        <p:nvPr/>
+      </p:nvGrpSpPr>
+      <p:grpSpPr>
+        <a:xfrm>
+          <a:off x="0" y="0"/>
+          <a:ext cx="0" cy="0"/>
+          <a:chOff x="0" y="0"/>
+          <a:chExt cx="0" cy="0"/>
+        </a:xfrm>
+      </p:grpSpPr>
+      <p:sp>
+        <p:nvSpPr>
+          <p:cNvPr id="16" name="Цилиндр 15"/>
+          <p:cNvSpPr/>
+          <p:nvPr/>
+        </p:nvSpPr>
+        <p:spPr>
+          <a:xfrm>
+            <a:off x="1403648" y="5661248"/>
+            <a:ext cx="4857719" cy="864096"/>
+          </a:xfrm>
+          <a:prstGeom prst="can">
+            <a:avLst>
+              <a:gd name="adj" fmla="val 19215"/>
+            </a:avLst>
+          </a:prstGeom>
+          <a:solidFill>
+            <a:schemeClr val="accent3">
+              <a:lumMod val="40000"/>
+              <a:lumOff val="60000"/>
+              <a:alpha val="15000"/>
+            </a:schemeClr>
+          </a:solidFill>
+          <a:ln>
+            <a:solidFill>
+              <a:schemeClr val="accent3"/>
+            </a:solidFill>
+          </a:ln>
+        </p:spPr>
+        <p:style>
+          <a:lnRef idx="2">
+            <a:schemeClr val="accent1">
+              <a:shade val="50000"/>
+            </a:schemeClr>
+          </a:lnRef>
+          <a:fillRef idx="1">
+            <a:schemeClr val="accent1"/>
+          </a:fillRef>
+          <a:effectRef idx="0">
+            <a:schemeClr val="accent1"/>
+          </a:effectRef>
+          <a:fontRef idx="minor">
+            <a:schemeClr val="lt1"/>
+          </a:fontRef>
+        </p:style>
+        <p:txBody>
+          <a:bodyPr rtlCol="0" anchor="t" anchorCtr="0"/>
+          <a:lstStyle/>
+          <a:p>
+            <a:pPr algn="ctr"/>
+            <a:r>
+              <a:rPr lang="ru-RU" dirty="0" smtClean="0">
+                <a:solidFill>
+                  <a:schemeClr val="tx1"/>
+                </a:solidFill>
+              </a:rPr>
+              <a:t>База данных</a:t>
+            </a:r>
+            <a:endParaRPr lang="ru-RU" dirty="0">
+              <a:solidFill>
+                <a:schemeClr val="tx1"/>
+              </a:solidFill>
+            </a:endParaRPr>
+          </a:p>
+        </p:txBody>
+      </p:sp>
+      <p:sp>
+        <p:nvSpPr>
+          <p:cNvPr id="3" name="Прямоугольник 2"/>
+          <p:cNvSpPr/>
+          <p:nvPr/>
+        </p:nvSpPr>
+        <p:spPr>
+          <a:xfrm>
+            <a:off x="187018" y="3204953"/>
+            <a:ext cx="8810374" cy="2382770"/>
+          </a:xfrm>
+          <a:prstGeom prst="rect">
+            <a:avLst/>
+          </a:prstGeom>
+          <a:solidFill>
+            <a:srgbClr val="00B0F0">
+              <a:alpha val="5000"/>
+            </a:srgbClr>
+          </a:solidFill>
+          <a:ln>
+            <a:solidFill>
+              <a:srgbClr val="00B0F0"/>
+            </a:solidFill>
+            <a:prstDash val="dash"/>
+          </a:ln>
+        </p:spPr>
+        <p:style>
+          <a:lnRef idx="2">
+            <a:schemeClr val="accent1">
+              <a:shade val="50000"/>
+            </a:schemeClr>
+          </a:lnRef>
+          <a:fillRef idx="1">
+            <a:schemeClr val="accent1"/>
+          </a:fillRef>
+          <a:effectRef idx="0">
+            <a:schemeClr val="accent1"/>
+          </a:effectRef>
+          <a:fontRef idx="minor">
+            <a:schemeClr val="lt1"/>
+          </a:fontRef>
+        </p:style>
+        <p:txBody>
+          <a:bodyPr rtlCol="0" anchor="t" anchorCtr="0"/>
+          <a:lstStyle/>
+          <a:p>
+            <a:r>
+              <a:rPr lang="ru-RU" b="1" dirty="0" smtClean="0">
+                <a:solidFill>
+                  <a:srgbClr val="00B0F0"/>
+                </a:solidFill>
+              </a:rPr>
+              <a:t>Сервер</a:t>
+            </a:r>
+            <a:endParaRPr lang="ru-RU" b="1" dirty="0">
+              <a:solidFill>
+                <a:srgbClr val="00B0F0"/>
+              </a:solidFill>
+            </a:endParaRPr>
+          </a:p>
+        </p:txBody>
+      </p:sp>
+      <p:sp>
+        <p:nvSpPr>
+          <p:cNvPr id="12" name="Прямоугольник 11"/>
+          <p:cNvSpPr/>
+          <p:nvPr/>
+        </p:nvSpPr>
+        <p:spPr>
+          <a:xfrm>
+            <a:off x="187018" y="587357"/>
+            <a:ext cx="8812654" cy="2534859"/>
+          </a:xfrm>
+          <a:prstGeom prst="rect">
+            <a:avLst/>
+          </a:prstGeom>
+          <a:solidFill>
+            <a:srgbClr val="FF0000">
+              <a:alpha val="8000"/>
+            </a:srgbClr>
+          </a:solidFill>
+          <a:ln>
+            <a:solidFill>
+              <a:srgbClr val="FF0000"/>
+            </a:solidFill>
+            <a:prstDash val="dash"/>
+          </a:ln>
+        </p:spPr>
+        <p:style>
+          <a:lnRef idx="2">
+            <a:schemeClr val="accent1">
+              <a:shade val="50000"/>
+            </a:schemeClr>
+          </a:lnRef>
+          <a:fillRef idx="1">
+            <a:schemeClr val="accent1"/>
+          </a:fillRef>
+          <a:effectRef idx="0">
+            <a:schemeClr val="accent1"/>
+          </a:effectRef>
+          <a:fontRef idx="minor">
+            <a:schemeClr val="lt1"/>
+          </a:fontRef>
+        </p:style>
+        <p:txBody>
+          <a:bodyPr rtlCol="0" anchor="t" anchorCtr="0"/>
+          <a:lstStyle/>
+          <a:p>
+            <a:r>
+              <a:rPr lang="ru-RU" b="1" dirty="0" smtClean="0">
+                <a:solidFill>
+                  <a:srgbClr val="C00000"/>
+                </a:solidFill>
+              </a:rPr>
+              <a:t>Клиент</a:t>
+            </a:r>
+            <a:endParaRPr lang="ru-RU" b="1" dirty="0">
+              <a:solidFill>
+                <a:srgbClr val="C00000"/>
+              </a:solidFill>
+            </a:endParaRPr>
+          </a:p>
+        </p:txBody>
+      </p:sp>
+      <p:sp>
+        <p:nvSpPr>
+          <p:cNvPr id="24" name="Блок-схема: альтернативный процесс 23"/>
+          <p:cNvSpPr/>
+          <p:nvPr/>
+        </p:nvSpPr>
+        <p:spPr>
+          <a:xfrm>
+            <a:off x="6470649" y="709095"/>
+            <a:ext cx="2376000" cy="1008112"/>
+          </a:xfrm>
+          <a:prstGeom prst="flowChartAlternateProcess">
+            <a:avLst/>
+          </a:prstGeom>
+          <a:noFill/>
+          <a:ln w="38100">
+            <a:solidFill>
+              <a:srgbClr val="FF0000"/>
+            </a:solidFill>
+          </a:ln>
+        </p:spPr>
+        <p:style>
+          <a:lnRef idx="2">
+            <a:schemeClr val="accent1">
+              <a:shade val="50000"/>
+            </a:schemeClr>
+          </a:lnRef>
+          <a:fillRef idx="1">
+            <a:schemeClr val="accent1"/>
+          </a:fillRef>
+          <a:effectRef idx="0">
+            <a:schemeClr val="accent1"/>
+          </a:effectRef>
+          <a:fontRef idx="minor">
+            <a:schemeClr val="lt1"/>
+          </a:fontRef>
+        </p:style>
+        <p:txBody>
+          <a:bodyPr rtlCol="0" anchor="ctr"/>
+          <a:lstStyle/>
+          <a:p>
+            <a:pPr algn="ctr"/>
+            <a:r>
+              <a:rPr lang="ru-RU" dirty="0" smtClean="0">
+                <a:solidFill>
+                  <a:schemeClr val="tx1"/>
+                </a:solidFill>
+              </a:rPr>
+              <a:t>Форма 2 </a:t>
+            </a:r>
+            <a:r>
+              <a:rPr lang="ru-RU" dirty="0" smtClean="0">
+                <a:solidFill>
+                  <a:schemeClr val="tx1"/>
+                </a:solidFill>
+              </a:rPr>
+              <a:t>клиентского приложения</a:t>
+            </a:r>
+            <a:br>
+              <a:rPr lang="ru-RU" dirty="0" smtClean="0">
+                <a:solidFill>
+                  <a:schemeClr val="tx1"/>
+                </a:solidFill>
+              </a:rPr>
+            </a:br>
+            <a:r>
+              <a:rPr lang="ru-RU" dirty="0" smtClean="0">
+                <a:solidFill>
+                  <a:schemeClr val="tx1"/>
+                </a:solidFill>
+              </a:rPr>
+              <a:t> (на клиенте)</a:t>
+            </a:r>
+            <a:endParaRPr lang="ru-RU" dirty="0">
+              <a:solidFill>
+                <a:schemeClr val="tx1"/>
+              </a:solidFill>
+            </a:endParaRPr>
+          </a:p>
+        </p:txBody>
+      </p:sp>
+      <p:sp>
+        <p:nvSpPr>
+          <p:cNvPr id="26" name="Блок-схема: альтернативный процесс 25"/>
+          <p:cNvSpPr/>
+          <p:nvPr/>
+        </p:nvSpPr>
+        <p:spPr>
+          <a:xfrm>
+            <a:off x="6516216" y="3284984"/>
+            <a:ext cx="2304256" cy="1008112"/>
+          </a:xfrm>
+          <a:prstGeom prst="flowChartAlternateProcess">
+            <a:avLst/>
+          </a:prstGeom>
+          <a:noFill/>
+          <a:ln w="38100"/>
+        </p:spPr>
+        <p:style>
+          <a:lnRef idx="2">
+            <a:schemeClr val="accent1">
+              <a:shade val="50000"/>
+            </a:schemeClr>
+          </a:lnRef>
+          <a:fillRef idx="1">
+            <a:schemeClr val="accent1"/>
+          </a:fillRef>
+          <a:effectRef idx="0">
+            <a:schemeClr val="accent1"/>
+          </a:effectRef>
+          <a:fontRef idx="minor">
+            <a:schemeClr val="lt1"/>
+          </a:fontRef>
+        </p:style>
+        <p:txBody>
+          <a:bodyPr rtlCol="0" anchor="ctr"/>
+          <a:lstStyle/>
+          <a:p>
+            <a:pPr algn="ctr"/>
+            <a:r>
+              <a:rPr lang="ru-RU" dirty="0" smtClean="0">
+                <a:solidFill>
+                  <a:schemeClr val="tx1"/>
+                </a:solidFill>
+              </a:rPr>
+              <a:t>Форма клиентского приложения</a:t>
+            </a:r>
+            <a:br>
+              <a:rPr lang="ru-RU" dirty="0" smtClean="0">
+                <a:solidFill>
+                  <a:schemeClr val="tx1"/>
+                </a:solidFill>
+              </a:rPr>
+            </a:br>
+            <a:r>
+              <a:rPr lang="ru-RU" dirty="0" smtClean="0">
+                <a:solidFill>
+                  <a:schemeClr val="tx1"/>
+                </a:solidFill>
+              </a:rPr>
+              <a:t> (на сервере)</a:t>
+            </a:r>
+            <a:endParaRPr lang="ru-RU" dirty="0">
+              <a:solidFill>
+                <a:schemeClr val="tx1"/>
+              </a:solidFill>
+            </a:endParaRPr>
+          </a:p>
+        </p:txBody>
+      </p:sp>
+      <p:sp>
+        <p:nvSpPr>
+          <p:cNvPr id="28" name="Выноска 3 27"/>
+          <p:cNvSpPr/>
+          <p:nvPr/>
+        </p:nvSpPr>
+        <p:spPr>
+          <a:xfrm>
+            <a:off x="6532021" y="1802263"/>
+            <a:ext cx="1944000" cy="576000"/>
+          </a:xfrm>
+          <a:prstGeom prst="borderCallout3">
+            <a:avLst>
+              <a:gd name="adj1" fmla="val 18750"/>
+              <a:gd name="adj2" fmla="val -8333"/>
+              <a:gd name="adj3" fmla="val 18750"/>
+              <a:gd name="adj4" fmla="val -16667"/>
+              <a:gd name="adj5" fmla="val -47795"/>
+              <a:gd name="adj6" fmla="val -17677"/>
+              <a:gd name="adj7" fmla="val -72169"/>
+              <a:gd name="adj8" fmla="val 13874"/>
+            </a:avLst>
+          </a:prstGeom>
+          <a:solidFill>
+            <a:schemeClr val="accent6">
+              <a:lumMod val="20000"/>
+              <a:lumOff val="80000"/>
+            </a:schemeClr>
+          </a:solidFill>
+          <a:ln w="15875">
+            <a:prstDash val="sysDot"/>
+            <a:tailEnd type="stealth"/>
+          </a:ln>
+        </p:spPr>
+        <p:style>
+          <a:lnRef idx="2">
+            <a:schemeClr val="accent1">
+              <a:shade val="50000"/>
+            </a:schemeClr>
+          </a:lnRef>
+          <a:fillRef idx="1">
+            <a:schemeClr val="accent1"/>
+          </a:fillRef>
+          <a:effectRef idx="0">
+            <a:schemeClr val="accent1"/>
+          </a:effectRef>
+          <a:fontRef idx="minor">
+            <a:schemeClr val="lt1"/>
+          </a:fontRef>
+        </p:style>
+        <p:txBody>
+          <a:bodyPr rtlCol="0" anchor="ctr"/>
+          <a:lstStyle/>
+          <a:p>
+            <a:pPr algn="ctr"/>
+            <a:r>
+              <a:rPr lang="ru-RU" dirty="0">
+                <a:solidFill>
+                  <a:schemeClr val="tx1"/>
+                </a:solidFill>
+              </a:rPr>
+              <a:t>Модуль формы</a:t>
+            </a:r>
+            <a:br>
+              <a:rPr lang="ru-RU" dirty="0">
+                <a:solidFill>
+                  <a:schemeClr val="tx1"/>
+                </a:solidFill>
+              </a:rPr>
+            </a:br>
+            <a:r>
+              <a:rPr lang="ru-RU" dirty="0">
+                <a:solidFill>
+                  <a:schemeClr val="tx1"/>
+                </a:solidFill>
+              </a:rPr>
+              <a:t>&amp;На Клиенте</a:t>
+            </a:r>
+          </a:p>
+        </p:txBody>
+      </p:sp>
+      <p:sp>
+        <p:nvSpPr>
+          <p:cNvPr id="37" name="Выноска 3 36"/>
+          <p:cNvSpPr/>
+          <p:nvPr/>
+        </p:nvSpPr>
+        <p:spPr>
+          <a:xfrm>
+            <a:off x="6532021" y="4350084"/>
+            <a:ext cx="1944000" cy="576000"/>
+          </a:xfrm>
+          <a:prstGeom prst="borderCallout3">
+            <a:avLst>
+              <a:gd name="adj1" fmla="val 18750"/>
+              <a:gd name="adj2" fmla="val -8333"/>
+              <a:gd name="adj3" fmla="val 18750"/>
+              <a:gd name="adj4" fmla="val -16667"/>
+              <a:gd name="adj5" fmla="val -47795"/>
+              <a:gd name="adj6" fmla="val -17677"/>
+              <a:gd name="adj7" fmla="val -72169"/>
+              <a:gd name="adj8" fmla="val 13874"/>
+            </a:avLst>
+          </a:prstGeom>
+          <a:solidFill>
+            <a:schemeClr val="tx2">
+              <a:lumMod val="20000"/>
+              <a:lumOff val="80000"/>
+            </a:schemeClr>
+          </a:solidFill>
+          <a:ln w="15875">
+            <a:prstDash val="sysDot"/>
+            <a:tailEnd type="stealth"/>
+          </a:ln>
+        </p:spPr>
+        <p:style>
+          <a:lnRef idx="2">
+            <a:schemeClr val="accent1">
+              <a:shade val="50000"/>
+            </a:schemeClr>
+          </a:lnRef>
+          <a:fillRef idx="1">
+            <a:schemeClr val="accent1"/>
+          </a:fillRef>
+          <a:effectRef idx="0">
+            <a:schemeClr val="accent1"/>
+          </a:effectRef>
+          <a:fontRef idx="minor">
+            <a:schemeClr val="lt1"/>
+          </a:fontRef>
+        </p:style>
+        <p:txBody>
+          <a:bodyPr rtlCol="0" anchor="ctr"/>
+          <a:lstStyle/>
+          <a:p>
+            <a:pPr algn="ctr"/>
+            <a:r>
+              <a:rPr lang="ru-RU" dirty="0">
+                <a:solidFill>
+                  <a:schemeClr val="tx1"/>
+                </a:solidFill>
+              </a:rPr>
+              <a:t>Модуль формы</a:t>
+            </a:r>
+            <a:br>
+              <a:rPr lang="ru-RU" dirty="0">
+                <a:solidFill>
+                  <a:schemeClr val="tx1"/>
+                </a:solidFill>
+              </a:rPr>
+            </a:br>
+            <a:r>
+              <a:rPr lang="ru-RU" dirty="0">
+                <a:solidFill>
+                  <a:schemeClr val="tx1"/>
+                </a:solidFill>
+              </a:rPr>
+              <a:t>&amp;На </a:t>
+            </a:r>
+            <a:r>
+              <a:rPr lang="ru-RU" dirty="0" smtClean="0">
+                <a:solidFill>
+                  <a:schemeClr val="tx1"/>
+                </a:solidFill>
+              </a:rPr>
+              <a:t>Сервере</a:t>
+            </a:r>
+            <a:endParaRPr lang="ru-RU" dirty="0">
+              <a:solidFill>
+                <a:schemeClr val="tx1"/>
+              </a:solidFill>
+            </a:endParaRPr>
+          </a:p>
+        </p:txBody>
+      </p:sp>
+      <p:cxnSp>
+        <p:nvCxnSpPr>
+          <p:cNvPr id="33" name="Прямая со стрелкой 32"/>
+          <p:cNvCxnSpPr/>
+          <p:nvPr/>
+        </p:nvCxnSpPr>
+        <p:spPr>
+          <a:xfrm>
+            <a:off x="8532440" y="1717207"/>
+            <a:ext cx="0" cy="1584176"/>
+          </a:xfrm>
+          <a:prstGeom prst="straightConnector1">
+            <a:avLst/>
+          </a:prstGeom>
+          <a:ln w="38100">
+            <a:solidFill>
+              <a:schemeClr val="tx2"/>
+            </a:solidFill>
+            <a:headEnd type="triangle" w="med" len="lg"/>
+            <a:tailEnd type="triangle" w="med" len="lg"/>
+          </a:ln>
+        </p:spPr>
+        <p:style>
+          <a:lnRef idx="1">
+            <a:schemeClr val="accent1"/>
+          </a:lnRef>
+          <a:fillRef idx="0">
+            <a:schemeClr val="accent1"/>
+          </a:fillRef>
+          <a:effectRef idx="0">
+            <a:schemeClr val="accent1"/>
+          </a:effectRef>
+          <a:fontRef idx="minor">
+            <a:schemeClr val="tx1"/>
+          </a:fontRef>
+        </p:style>
+      </p:cxnSp>
+      <p:sp>
+        <p:nvSpPr>
+          <p:cNvPr id="14" name="Блок-схема: альтернативный процесс 13"/>
+          <p:cNvSpPr/>
+          <p:nvPr/>
+        </p:nvSpPr>
+        <p:spPr>
+          <a:xfrm>
+            <a:off x="3923440" y="708955"/>
+            <a:ext cx="2376000" cy="1008112"/>
+          </a:xfrm>
+          <a:prstGeom prst="flowChartAlternateProcess">
+            <a:avLst/>
+          </a:prstGeom>
+          <a:noFill/>
+          <a:ln w="38100">
+            <a:solidFill>
+              <a:srgbClr val="FF0000"/>
+            </a:solidFill>
+          </a:ln>
+        </p:spPr>
+        <p:style>
+          <a:lnRef idx="2">
+            <a:schemeClr val="accent1">
+              <a:shade val="50000"/>
+            </a:schemeClr>
+          </a:lnRef>
+          <a:fillRef idx="1">
+            <a:schemeClr val="accent1"/>
+          </a:fillRef>
+          <a:effectRef idx="0">
+            <a:schemeClr val="accent1"/>
+          </a:effectRef>
+          <a:fontRef idx="minor">
+            <a:schemeClr val="lt1"/>
+          </a:fontRef>
+        </p:style>
+        <p:txBody>
+          <a:bodyPr rtlCol="0" anchor="ctr"/>
+          <a:lstStyle/>
+          <a:p>
+            <a:pPr algn="ctr"/>
+            <a:r>
+              <a:rPr lang="ru-RU" dirty="0" smtClean="0">
+                <a:solidFill>
+                  <a:schemeClr val="tx1"/>
+                </a:solidFill>
+              </a:rPr>
+              <a:t>Форма 1 </a:t>
+            </a:r>
+            <a:r>
+              <a:rPr lang="ru-RU" dirty="0" smtClean="0">
+                <a:solidFill>
+                  <a:schemeClr val="tx1"/>
+                </a:solidFill>
+              </a:rPr>
+              <a:t>клиентского приложения</a:t>
+            </a:r>
+            <a:br>
+              <a:rPr lang="ru-RU" dirty="0" smtClean="0">
+                <a:solidFill>
+                  <a:schemeClr val="tx1"/>
+                </a:solidFill>
+              </a:rPr>
+            </a:br>
+            <a:r>
+              <a:rPr lang="ru-RU" dirty="0" smtClean="0">
+                <a:solidFill>
+                  <a:schemeClr val="tx1"/>
+                </a:solidFill>
+              </a:rPr>
+              <a:t> (на клиенте)</a:t>
+            </a:r>
+            <a:endParaRPr lang="ru-RU" dirty="0">
+              <a:solidFill>
+                <a:schemeClr val="tx1"/>
+              </a:solidFill>
+            </a:endParaRPr>
+          </a:p>
+        </p:txBody>
+      </p:sp>
+      <p:sp>
+        <p:nvSpPr>
+          <p:cNvPr id="15" name="Выноска 3 14"/>
+          <p:cNvSpPr/>
+          <p:nvPr/>
+        </p:nvSpPr>
+        <p:spPr>
+          <a:xfrm>
+            <a:off x="4153242" y="1802263"/>
+            <a:ext cx="1944000" cy="576000"/>
+          </a:xfrm>
+          <a:prstGeom prst="borderCallout3">
+            <a:avLst>
+              <a:gd name="adj1" fmla="val 18750"/>
+              <a:gd name="adj2" fmla="val -8333"/>
+              <a:gd name="adj3" fmla="val 18750"/>
+              <a:gd name="adj4" fmla="val -16667"/>
+              <a:gd name="adj5" fmla="val -47795"/>
+              <a:gd name="adj6" fmla="val -17677"/>
+              <a:gd name="adj7" fmla="val -72169"/>
+              <a:gd name="adj8" fmla="val 13874"/>
+            </a:avLst>
+          </a:prstGeom>
+          <a:solidFill>
+            <a:schemeClr val="accent6">
+              <a:lumMod val="20000"/>
+              <a:lumOff val="80000"/>
+            </a:schemeClr>
+          </a:solidFill>
+          <a:ln w="15875">
+            <a:prstDash val="sysDot"/>
+            <a:tailEnd type="stealth"/>
+          </a:ln>
+        </p:spPr>
+        <p:style>
+          <a:lnRef idx="2">
+            <a:schemeClr val="accent1">
+              <a:shade val="50000"/>
+            </a:schemeClr>
+          </a:lnRef>
+          <a:fillRef idx="1">
+            <a:schemeClr val="accent1"/>
+          </a:fillRef>
+          <a:effectRef idx="0">
+            <a:schemeClr val="accent1"/>
+          </a:effectRef>
+          <a:fontRef idx="minor">
+            <a:schemeClr val="lt1"/>
+          </a:fontRef>
+        </p:style>
+        <p:txBody>
+          <a:bodyPr rtlCol="0" anchor="ctr"/>
+          <a:lstStyle/>
+          <a:p>
+            <a:pPr algn="ctr"/>
+            <a:r>
+              <a:rPr lang="ru-RU" dirty="0">
+                <a:solidFill>
+                  <a:schemeClr val="tx1"/>
+                </a:solidFill>
+              </a:rPr>
+              <a:t>Модуль формы</a:t>
+            </a:r>
+            <a:br>
+              <a:rPr lang="ru-RU" dirty="0">
+                <a:solidFill>
+                  <a:schemeClr val="tx1"/>
+                </a:solidFill>
+              </a:rPr>
+            </a:br>
+            <a:r>
+              <a:rPr lang="ru-RU" dirty="0">
+                <a:solidFill>
+                  <a:schemeClr val="tx1"/>
+                </a:solidFill>
+              </a:rPr>
+              <a:t>&amp;На Клиенте</a:t>
+            </a:r>
+          </a:p>
+        </p:txBody>
+      </p:sp>
+      <p:sp>
+        <p:nvSpPr>
+          <p:cNvPr id="17" name="Блок-схема: альтернативный процесс 16"/>
+          <p:cNvSpPr/>
+          <p:nvPr/>
+        </p:nvSpPr>
+        <p:spPr>
+          <a:xfrm>
+            <a:off x="1286044" y="708955"/>
+            <a:ext cx="2376000" cy="1008112"/>
+          </a:xfrm>
+          <a:prstGeom prst="flowChartAlternateProcess">
+            <a:avLst/>
+          </a:prstGeom>
+          <a:noFill/>
+          <a:ln w="38100">
+            <a:solidFill>
+              <a:srgbClr val="FF0000"/>
+            </a:solidFill>
+          </a:ln>
+        </p:spPr>
+        <p:style>
+          <a:lnRef idx="2">
+            <a:schemeClr val="accent1">
+              <a:shade val="50000"/>
+            </a:schemeClr>
+          </a:lnRef>
+          <a:fillRef idx="1">
+            <a:schemeClr val="accent1"/>
+          </a:fillRef>
+          <a:effectRef idx="0">
+            <a:schemeClr val="accent1"/>
+          </a:effectRef>
+          <a:fontRef idx="minor">
+            <a:schemeClr val="lt1"/>
+          </a:fontRef>
+        </p:style>
+        <p:txBody>
+          <a:bodyPr rtlCol="0" anchor="ctr"/>
+          <a:lstStyle/>
+          <a:p>
+            <a:pPr algn="ctr"/>
+            <a:r>
+              <a:rPr lang="ru-RU" dirty="0" smtClean="0">
+                <a:solidFill>
+                  <a:schemeClr val="tx1"/>
+                </a:solidFill>
+              </a:rPr>
+              <a:t>Основное окно </a:t>
+            </a:r>
+            <a:r>
+              <a:rPr lang="ru-RU" dirty="0" smtClean="0">
+                <a:solidFill>
+                  <a:schemeClr val="tx1"/>
+                </a:solidFill>
+              </a:rPr>
+              <a:t>клиентского </a:t>
+            </a:r>
+            <a:r>
+              <a:rPr lang="ru-RU" dirty="0" smtClean="0">
+                <a:solidFill>
+                  <a:schemeClr val="tx1"/>
+                </a:solidFill>
+              </a:rPr>
+              <a:t>приложения</a:t>
+            </a:r>
+            <a:endParaRPr lang="ru-RU" dirty="0">
+              <a:solidFill>
+                <a:schemeClr val="tx1"/>
+              </a:solidFill>
+            </a:endParaRPr>
+          </a:p>
+        </p:txBody>
+      </p:sp>
+      <p:sp>
+        <p:nvSpPr>
+          <p:cNvPr id="18" name="Блок-схема: альтернативный процесс 17"/>
+          <p:cNvSpPr/>
+          <p:nvPr/>
+        </p:nvSpPr>
+        <p:spPr>
+          <a:xfrm>
+            <a:off x="3970050" y="3284984"/>
+            <a:ext cx="2304256" cy="1008112"/>
+          </a:xfrm>
+          <a:prstGeom prst="flowChartAlternateProcess">
+            <a:avLst/>
+          </a:prstGeom>
+          <a:noFill/>
+          <a:ln w="38100"/>
+        </p:spPr>
+        <p:style>
+          <a:lnRef idx="2">
+            <a:schemeClr val="accent1">
+              <a:shade val="50000"/>
+            </a:schemeClr>
+          </a:lnRef>
+          <a:fillRef idx="1">
+            <a:schemeClr val="accent1"/>
+          </a:fillRef>
+          <a:effectRef idx="0">
+            <a:schemeClr val="accent1"/>
+          </a:effectRef>
+          <a:fontRef idx="minor">
+            <a:schemeClr val="lt1"/>
+          </a:fontRef>
+        </p:style>
+        <p:txBody>
+          <a:bodyPr rtlCol="0" anchor="ctr"/>
+          <a:lstStyle/>
+          <a:p>
+            <a:pPr algn="ctr"/>
+            <a:r>
+              <a:rPr lang="ru-RU" dirty="0" smtClean="0">
+                <a:solidFill>
+                  <a:schemeClr val="tx1"/>
+                </a:solidFill>
+              </a:rPr>
+              <a:t>Форма клиентского приложения</a:t>
+            </a:r>
+            <a:br>
+              <a:rPr lang="ru-RU" dirty="0" smtClean="0">
+                <a:solidFill>
+                  <a:schemeClr val="tx1"/>
+                </a:solidFill>
+              </a:rPr>
+            </a:br>
+            <a:r>
+              <a:rPr lang="ru-RU" dirty="0" smtClean="0">
+                <a:solidFill>
+                  <a:schemeClr val="tx1"/>
+                </a:solidFill>
+              </a:rPr>
+              <a:t> (на сервере)</a:t>
+            </a:r>
+            <a:endParaRPr lang="ru-RU" dirty="0">
+              <a:solidFill>
+                <a:schemeClr val="tx1"/>
+              </a:solidFill>
+            </a:endParaRPr>
+          </a:p>
+        </p:txBody>
+      </p:sp>
+      <p:sp>
+        <p:nvSpPr>
+          <p:cNvPr id="19" name="Выноска 3 18"/>
+          <p:cNvSpPr/>
+          <p:nvPr/>
+        </p:nvSpPr>
+        <p:spPr>
+          <a:xfrm>
+            <a:off x="3985855" y="4350084"/>
+            <a:ext cx="1944000" cy="576000"/>
+          </a:xfrm>
+          <a:prstGeom prst="borderCallout3">
+            <a:avLst>
+              <a:gd name="adj1" fmla="val 18750"/>
+              <a:gd name="adj2" fmla="val -8333"/>
+              <a:gd name="adj3" fmla="val 18750"/>
+              <a:gd name="adj4" fmla="val -16667"/>
+              <a:gd name="adj5" fmla="val -47795"/>
+              <a:gd name="adj6" fmla="val -17677"/>
+              <a:gd name="adj7" fmla="val -72169"/>
+              <a:gd name="adj8" fmla="val 13874"/>
+            </a:avLst>
+          </a:prstGeom>
+          <a:solidFill>
+            <a:schemeClr val="tx2">
+              <a:lumMod val="20000"/>
+              <a:lumOff val="80000"/>
+            </a:schemeClr>
+          </a:solidFill>
+          <a:ln w="15875">
+            <a:prstDash val="sysDot"/>
+            <a:tailEnd type="stealth"/>
+          </a:ln>
+        </p:spPr>
+        <p:style>
+          <a:lnRef idx="2">
+            <a:schemeClr val="accent1">
+              <a:shade val="50000"/>
+            </a:schemeClr>
+          </a:lnRef>
+          <a:fillRef idx="1">
+            <a:schemeClr val="accent1"/>
+          </a:fillRef>
+          <a:effectRef idx="0">
+            <a:schemeClr val="accent1"/>
+          </a:effectRef>
+          <a:fontRef idx="minor">
+            <a:schemeClr val="lt1"/>
+          </a:fontRef>
+        </p:style>
+        <p:txBody>
+          <a:bodyPr rtlCol="0" anchor="ctr"/>
+          <a:lstStyle/>
+          <a:p>
+            <a:pPr algn="ctr"/>
+            <a:r>
+              <a:rPr lang="ru-RU" dirty="0">
+                <a:solidFill>
+                  <a:schemeClr val="tx1"/>
+                </a:solidFill>
+              </a:rPr>
+              <a:t>Модуль формы</a:t>
+            </a:r>
+            <a:br>
+              <a:rPr lang="ru-RU" dirty="0">
+                <a:solidFill>
+                  <a:schemeClr val="tx1"/>
+                </a:solidFill>
+              </a:rPr>
+            </a:br>
+            <a:r>
+              <a:rPr lang="ru-RU" dirty="0">
+                <a:solidFill>
+                  <a:schemeClr val="tx1"/>
+                </a:solidFill>
+              </a:rPr>
+              <a:t>&amp;На </a:t>
+            </a:r>
+            <a:r>
+              <a:rPr lang="ru-RU" dirty="0" smtClean="0">
+                <a:solidFill>
+                  <a:schemeClr val="tx1"/>
+                </a:solidFill>
+              </a:rPr>
+              <a:t>Сервере</a:t>
+            </a:r>
+            <a:endParaRPr lang="ru-RU" dirty="0">
+              <a:solidFill>
+                <a:schemeClr val="tx1"/>
+              </a:solidFill>
+            </a:endParaRPr>
+          </a:p>
+        </p:txBody>
+      </p:sp>
+      <p:cxnSp>
+        <p:nvCxnSpPr>
+          <p:cNvPr id="20" name="Прямая со стрелкой 19"/>
+          <p:cNvCxnSpPr/>
+          <p:nvPr/>
+        </p:nvCxnSpPr>
+        <p:spPr>
+          <a:xfrm>
+            <a:off x="5986274" y="1717207"/>
+            <a:ext cx="0" cy="1584176"/>
+          </a:xfrm>
+          <a:prstGeom prst="straightConnector1">
+            <a:avLst/>
+          </a:prstGeom>
+          <a:ln w="38100">
+            <a:solidFill>
+              <a:schemeClr val="tx2"/>
+            </a:solidFill>
+            <a:headEnd type="triangle" w="med" len="lg"/>
+            <a:tailEnd type="triangle" w="med" len="lg"/>
+          </a:ln>
+        </p:spPr>
+        <p:style>
+          <a:lnRef idx="1">
+            <a:schemeClr val="accent1"/>
+          </a:lnRef>
+          <a:fillRef idx="0">
+            <a:schemeClr val="accent1"/>
+          </a:fillRef>
+          <a:effectRef idx="0">
+            <a:schemeClr val="accent1"/>
+          </a:effectRef>
+          <a:fontRef idx="minor">
+            <a:schemeClr val="tx1"/>
+          </a:fontRef>
+        </p:style>
+      </p:cxnSp>
+    </p:spTree>
+    <p:extLst>
+      <p:ext uri="{BB962C8B-B14F-4D97-AF65-F5344CB8AC3E}">
+        <p14:creationId xmlns:p14="http://schemas.microsoft.com/office/powerpoint/2010/main" val="3579933301"/>
+      </p:ext>
+    </p:extLst>
+  </p:cSld>
+  <p:clrMapOvr>
+    <a:masterClrMapping/>
+  </p:clrMapOvr>
+  <mc:AlternateContent xmlns:mc="http://schemas.openxmlformats.org/markup-compatibility/2006" xmlns:p14="http://schemas.microsoft.com/office/powerpoint/2010/main">
+    <mc:Choice Requires="p14">
+      <p:transition spd="med" p14:dur="700">
+        <p:fade/>
+      </p:transition>
+    </mc:Choice>
+    <mc:Fallback xmlns="">
+      <p:transition spd="med">
+        <p:fade/>
+      </p:transition>
+    </mc:Fallback>
+  </mc:AlternateContent>
+  <p:timing>
+    <p:tnLst>
+      <p:par>
+        <p:cTn id="1" dur="indefinite" restart="never" nodeType="tmRoot"/>
+      </p:par>
+    </p:tnLst>
+  </p:timing>
+</p:sld>
+</file>
+
+<file path=ppt/slides/slide48.xml><?xml version="1.0" encoding="utf-8"?>
+<p:sld xmlns:a="http://schemas.openxmlformats.org/drawingml/2006/main" xmlns:r="http://schemas.openxmlformats.org/officeDocument/2006/relationships" xmlns:p="http://schemas.openxmlformats.org/presentationml/2006/main">
+  <p:cSld>
+    <p:spTree>
+      <p:nvGrpSpPr>
+        <p:cNvPr id="1" name=""/>
+        <p:cNvGrpSpPr/>
+        <p:nvPr/>
+      </p:nvGrpSpPr>
+      <p:grpSpPr>
+        <a:xfrm>
+          <a:off x="0" y="0"/>
+          <a:ext cx="0" cy="0"/>
+          <a:chOff x="0" y="0"/>
+          <a:chExt cx="0" cy="0"/>
+        </a:xfrm>
+      </p:grpSpPr>
+      <p:sp>
+        <p:nvSpPr>
+          <p:cNvPr id="16" name="Цилиндр 15"/>
+          <p:cNvSpPr/>
+          <p:nvPr/>
+        </p:nvSpPr>
+        <p:spPr>
+          <a:xfrm>
+            <a:off x="1403648" y="5661248"/>
+            <a:ext cx="4857719" cy="864096"/>
+          </a:xfrm>
+          <a:prstGeom prst="can">
+            <a:avLst>
+              <a:gd name="adj" fmla="val 19215"/>
+            </a:avLst>
+          </a:prstGeom>
+          <a:solidFill>
+            <a:schemeClr val="accent3">
+              <a:lumMod val="40000"/>
+              <a:lumOff val="60000"/>
+              <a:alpha val="15000"/>
+            </a:schemeClr>
+          </a:solidFill>
+          <a:ln>
+            <a:solidFill>
+              <a:schemeClr val="accent3"/>
+            </a:solidFill>
+          </a:ln>
+        </p:spPr>
+        <p:style>
+          <a:lnRef idx="2">
+            <a:schemeClr val="accent1">
+              <a:shade val="50000"/>
+            </a:schemeClr>
+          </a:lnRef>
+          <a:fillRef idx="1">
+            <a:schemeClr val="accent1"/>
+          </a:fillRef>
+          <a:effectRef idx="0">
+            <a:schemeClr val="accent1"/>
+          </a:effectRef>
+          <a:fontRef idx="minor">
+            <a:schemeClr val="lt1"/>
+          </a:fontRef>
+        </p:style>
+        <p:txBody>
+          <a:bodyPr rtlCol="0" anchor="t" anchorCtr="0"/>
+          <a:lstStyle/>
+          <a:p>
+            <a:pPr algn="ctr"/>
+            <a:r>
+              <a:rPr lang="ru-RU" dirty="0" smtClean="0">
+                <a:solidFill>
+                  <a:schemeClr val="tx1"/>
+                </a:solidFill>
+              </a:rPr>
+              <a:t>База данных</a:t>
+            </a:r>
+            <a:endParaRPr lang="ru-RU" dirty="0">
+              <a:solidFill>
+                <a:schemeClr val="tx1"/>
+              </a:solidFill>
+            </a:endParaRPr>
+          </a:p>
+        </p:txBody>
+      </p:sp>
+      <p:sp>
+        <p:nvSpPr>
+          <p:cNvPr id="3" name="Прямоугольник 2"/>
+          <p:cNvSpPr/>
+          <p:nvPr/>
+        </p:nvSpPr>
+        <p:spPr>
+          <a:xfrm>
+            <a:off x="187018" y="3204953"/>
+            <a:ext cx="8810374" cy="2382770"/>
+          </a:xfrm>
+          <a:prstGeom prst="rect">
+            <a:avLst/>
+          </a:prstGeom>
+          <a:solidFill>
+            <a:srgbClr val="00B0F0">
+              <a:alpha val="5000"/>
+            </a:srgbClr>
+          </a:solidFill>
+          <a:ln>
+            <a:solidFill>
+              <a:srgbClr val="00B0F0"/>
+            </a:solidFill>
+            <a:prstDash val="dash"/>
+          </a:ln>
+        </p:spPr>
+        <p:style>
+          <a:lnRef idx="2">
+            <a:schemeClr val="accent1">
+              <a:shade val="50000"/>
+            </a:schemeClr>
+          </a:lnRef>
+          <a:fillRef idx="1">
+            <a:schemeClr val="accent1"/>
+          </a:fillRef>
+          <a:effectRef idx="0">
+            <a:schemeClr val="accent1"/>
+          </a:effectRef>
+          <a:fontRef idx="minor">
+            <a:schemeClr val="lt1"/>
+          </a:fontRef>
+        </p:style>
+        <p:txBody>
+          <a:bodyPr rtlCol="0" anchor="t" anchorCtr="0"/>
+          <a:lstStyle/>
+          <a:p>
+            <a:r>
+              <a:rPr lang="ru-RU" b="1" dirty="0" smtClean="0">
+                <a:solidFill>
+                  <a:srgbClr val="00B0F0"/>
+                </a:solidFill>
+              </a:rPr>
+              <a:t>Сервер</a:t>
+            </a:r>
+            <a:endParaRPr lang="ru-RU" b="1" dirty="0">
+              <a:solidFill>
+                <a:srgbClr val="00B0F0"/>
+              </a:solidFill>
+            </a:endParaRPr>
+          </a:p>
+        </p:txBody>
+      </p:sp>
+      <p:sp>
+        <p:nvSpPr>
+          <p:cNvPr id="12" name="Прямоугольник 11"/>
+          <p:cNvSpPr/>
+          <p:nvPr/>
+        </p:nvSpPr>
+        <p:spPr>
+          <a:xfrm>
+            <a:off x="187018" y="587357"/>
+            <a:ext cx="8812654" cy="2534859"/>
+          </a:xfrm>
+          <a:prstGeom prst="rect">
+            <a:avLst/>
+          </a:prstGeom>
+          <a:solidFill>
+            <a:srgbClr val="FF0000">
+              <a:alpha val="8000"/>
+            </a:srgbClr>
+          </a:solidFill>
+          <a:ln>
+            <a:solidFill>
+              <a:srgbClr val="FF0000"/>
+            </a:solidFill>
+            <a:prstDash val="dash"/>
+          </a:ln>
+        </p:spPr>
+        <p:style>
+          <a:lnRef idx="2">
+            <a:schemeClr val="accent1">
+              <a:shade val="50000"/>
+            </a:schemeClr>
+          </a:lnRef>
+          <a:fillRef idx="1">
+            <a:schemeClr val="accent1"/>
+          </a:fillRef>
+          <a:effectRef idx="0">
+            <a:schemeClr val="accent1"/>
+          </a:effectRef>
+          <a:fontRef idx="minor">
+            <a:schemeClr val="lt1"/>
+          </a:fontRef>
+        </p:style>
+        <p:txBody>
+          <a:bodyPr rtlCol="0" anchor="t" anchorCtr="0"/>
+          <a:lstStyle/>
+          <a:p>
+            <a:r>
+              <a:rPr lang="ru-RU" b="1" dirty="0" smtClean="0">
+                <a:solidFill>
+                  <a:srgbClr val="C00000"/>
+                </a:solidFill>
+              </a:rPr>
+              <a:t>Клиент</a:t>
+            </a:r>
+            <a:endParaRPr lang="ru-RU" b="1" dirty="0">
+              <a:solidFill>
+                <a:srgbClr val="C00000"/>
+              </a:solidFill>
+            </a:endParaRPr>
+          </a:p>
+        </p:txBody>
+      </p:sp>
+      <p:sp>
+        <p:nvSpPr>
+          <p:cNvPr id="24" name="Блок-схема: альтернативный процесс 23"/>
+          <p:cNvSpPr/>
+          <p:nvPr/>
+        </p:nvSpPr>
+        <p:spPr>
+          <a:xfrm>
+            <a:off x="6470649" y="709095"/>
+            <a:ext cx="2376000" cy="1008112"/>
+          </a:xfrm>
+          <a:prstGeom prst="flowChartAlternateProcess">
+            <a:avLst/>
+          </a:prstGeom>
+          <a:noFill/>
+          <a:ln w="38100">
+            <a:solidFill>
+              <a:srgbClr val="FF0000"/>
+            </a:solidFill>
+          </a:ln>
+        </p:spPr>
+        <p:style>
+          <a:lnRef idx="2">
+            <a:schemeClr val="accent1">
+              <a:shade val="50000"/>
+            </a:schemeClr>
+          </a:lnRef>
+          <a:fillRef idx="1">
+            <a:schemeClr val="accent1"/>
+          </a:fillRef>
+          <a:effectRef idx="0">
+            <a:schemeClr val="accent1"/>
+          </a:effectRef>
+          <a:fontRef idx="minor">
+            <a:schemeClr val="lt1"/>
+          </a:fontRef>
+        </p:style>
+        <p:txBody>
+          <a:bodyPr rtlCol="0" anchor="ctr"/>
+          <a:lstStyle/>
+          <a:p>
+            <a:pPr algn="ctr"/>
+            <a:r>
+              <a:rPr lang="ru-RU" dirty="0" smtClean="0">
+                <a:solidFill>
+                  <a:schemeClr val="tx1"/>
+                </a:solidFill>
+              </a:rPr>
+              <a:t>Форма 2 </a:t>
+            </a:r>
+            <a:r>
+              <a:rPr lang="ru-RU" dirty="0" smtClean="0">
+                <a:solidFill>
+                  <a:schemeClr val="tx1"/>
+                </a:solidFill>
+              </a:rPr>
+              <a:t>клиентского приложения</a:t>
+            </a:r>
+            <a:br>
+              <a:rPr lang="ru-RU" dirty="0" smtClean="0">
+                <a:solidFill>
+                  <a:schemeClr val="tx1"/>
+                </a:solidFill>
+              </a:rPr>
+            </a:br>
+            <a:r>
+              <a:rPr lang="ru-RU" dirty="0" smtClean="0">
+                <a:solidFill>
+                  <a:schemeClr val="tx1"/>
+                </a:solidFill>
+              </a:rPr>
+              <a:t> (на клиенте)</a:t>
+            </a:r>
+            <a:endParaRPr lang="ru-RU" dirty="0">
+              <a:solidFill>
+                <a:schemeClr val="tx1"/>
+              </a:solidFill>
+            </a:endParaRPr>
+          </a:p>
+        </p:txBody>
+      </p:sp>
+      <p:sp>
+        <p:nvSpPr>
+          <p:cNvPr id="26" name="Блок-схема: альтернативный процесс 25"/>
+          <p:cNvSpPr/>
+          <p:nvPr/>
+        </p:nvSpPr>
+        <p:spPr>
+          <a:xfrm>
+            <a:off x="6516216" y="3284984"/>
+            <a:ext cx="2304256" cy="1008112"/>
+          </a:xfrm>
+          <a:prstGeom prst="flowChartAlternateProcess">
+            <a:avLst/>
+          </a:prstGeom>
+          <a:noFill/>
+          <a:ln w="38100"/>
+        </p:spPr>
+        <p:style>
+          <a:lnRef idx="2">
+            <a:schemeClr val="accent1">
+              <a:shade val="50000"/>
+            </a:schemeClr>
+          </a:lnRef>
+          <a:fillRef idx="1">
+            <a:schemeClr val="accent1"/>
+          </a:fillRef>
+          <a:effectRef idx="0">
+            <a:schemeClr val="accent1"/>
+          </a:effectRef>
+          <a:fontRef idx="minor">
+            <a:schemeClr val="lt1"/>
+          </a:fontRef>
+        </p:style>
+        <p:txBody>
+          <a:bodyPr rtlCol="0" anchor="ctr"/>
+          <a:lstStyle/>
+          <a:p>
+            <a:pPr algn="ctr"/>
+            <a:r>
+              <a:rPr lang="ru-RU" dirty="0" smtClean="0">
+                <a:solidFill>
+                  <a:schemeClr val="tx1"/>
+                </a:solidFill>
+              </a:rPr>
+              <a:t>Форма клиентского приложения</a:t>
+            </a:r>
+            <a:br>
+              <a:rPr lang="ru-RU" dirty="0" smtClean="0">
+                <a:solidFill>
+                  <a:schemeClr val="tx1"/>
+                </a:solidFill>
+              </a:rPr>
+            </a:br>
+            <a:r>
+              <a:rPr lang="ru-RU" dirty="0" smtClean="0">
+                <a:solidFill>
+                  <a:schemeClr val="tx1"/>
+                </a:solidFill>
+              </a:rPr>
+              <a:t> (на сервере)</a:t>
+            </a:r>
+            <a:endParaRPr lang="ru-RU" dirty="0">
+              <a:solidFill>
+                <a:schemeClr val="tx1"/>
+              </a:solidFill>
+            </a:endParaRPr>
+          </a:p>
+        </p:txBody>
+      </p:sp>
+      <p:sp>
+        <p:nvSpPr>
+          <p:cNvPr id="28" name="Выноска 3 27"/>
+          <p:cNvSpPr/>
+          <p:nvPr/>
+        </p:nvSpPr>
+        <p:spPr>
+          <a:xfrm>
+            <a:off x="6532021" y="1802263"/>
+            <a:ext cx="1944000" cy="576000"/>
+          </a:xfrm>
+          <a:prstGeom prst="borderCallout3">
+            <a:avLst>
+              <a:gd name="adj1" fmla="val 18750"/>
+              <a:gd name="adj2" fmla="val -8333"/>
+              <a:gd name="adj3" fmla="val 18750"/>
+              <a:gd name="adj4" fmla="val -16667"/>
+              <a:gd name="adj5" fmla="val -47795"/>
+              <a:gd name="adj6" fmla="val -17677"/>
+              <a:gd name="adj7" fmla="val -72169"/>
+              <a:gd name="adj8" fmla="val 13874"/>
+            </a:avLst>
+          </a:prstGeom>
+          <a:solidFill>
+            <a:schemeClr val="accent6">
+              <a:lumMod val="20000"/>
+              <a:lumOff val="80000"/>
+            </a:schemeClr>
+          </a:solidFill>
+          <a:ln w="15875">
+            <a:prstDash val="sysDot"/>
+            <a:tailEnd type="stealth"/>
+          </a:ln>
+        </p:spPr>
+        <p:style>
+          <a:lnRef idx="2">
+            <a:schemeClr val="accent1">
+              <a:shade val="50000"/>
+            </a:schemeClr>
+          </a:lnRef>
+          <a:fillRef idx="1">
+            <a:schemeClr val="accent1"/>
+          </a:fillRef>
+          <a:effectRef idx="0">
+            <a:schemeClr val="accent1"/>
+          </a:effectRef>
+          <a:fontRef idx="minor">
+            <a:schemeClr val="lt1"/>
+          </a:fontRef>
+        </p:style>
+        <p:txBody>
+          <a:bodyPr rtlCol="0" anchor="ctr"/>
+          <a:lstStyle/>
+          <a:p>
+            <a:pPr algn="ctr"/>
+            <a:r>
+              <a:rPr lang="ru-RU" dirty="0">
+                <a:solidFill>
+                  <a:schemeClr val="tx1"/>
+                </a:solidFill>
+              </a:rPr>
+              <a:t>Модуль формы</a:t>
+            </a:r>
+            <a:br>
+              <a:rPr lang="ru-RU" dirty="0">
+                <a:solidFill>
+                  <a:schemeClr val="tx1"/>
+                </a:solidFill>
+              </a:rPr>
+            </a:br>
+            <a:r>
+              <a:rPr lang="ru-RU" dirty="0">
+                <a:solidFill>
+                  <a:schemeClr val="tx1"/>
+                </a:solidFill>
+              </a:rPr>
+              <a:t>&amp;На Клиенте</a:t>
+            </a:r>
+          </a:p>
+        </p:txBody>
+      </p:sp>
+      <p:sp>
+        <p:nvSpPr>
+          <p:cNvPr id="37" name="Выноска 3 36"/>
+          <p:cNvSpPr/>
+          <p:nvPr/>
+        </p:nvSpPr>
+        <p:spPr>
+          <a:xfrm>
+            <a:off x="6532021" y="4350084"/>
+            <a:ext cx="1944000" cy="576000"/>
+          </a:xfrm>
+          <a:prstGeom prst="borderCallout3">
+            <a:avLst>
+              <a:gd name="adj1" fmla="val 18750"/>
+              <a:gd name="adj2" fmla="val -8333"/>
+              <a:gd name="adj3" fmla="val 18750"/>
+              <a:gd name="adj4" fmla="val -16667"/>
+              <a:gd name="adj5" fmla="val -47795"/>
+              <a:gd name="adj6" fmla="val -17677"/>
+              <a:gd name="adj7" fmla="val -72169"/>
+              <a:gd name="adj8" fmla="val 13874"/>
+            </a:avLst>
+          </a:prstGeom>
+          <a:solidFill>
+            <a:schemeClr val="tx2">
+              <a:lumMod val="20000"/>
+              <a:lumOff val="80000"/>
+            </a:schemeClr>
+          </a:solidFill>
+          <a:ln w="15875">
+            <a:prstDash val="sysDot"/>
+            <a:tailEnd type="stealth"/>
+          </a:ln>
+        </p:spPr>
+        <p:style>
+          <a:lnRef idx="2">
+            <a:schemeClr val="accent1">
+              <a:shade val="50000"/>
+            </a:schemeClr>
+          </a:lnRef>
+          <a:fillRef idx="1">
+            <a:schemeClr val="accent1"/>
+          </a:fillRef>
+          <a:effectRef idx="0">
+            <a:schemeClr val="accent1"/>
+          </a:effectRef>
+          <a:fontRef idx="minor">
+            <a:schemeClr val="lt1"/>
+          </a:fontRef>
+        </p:style>
+        <p:txBody>
+          <a:bodyPr rtlCol="0" anchor="ctr"/>
+          <a:lstStyle/>
+          <a:p>
+            <a:pPr algn="ctr"/>
+            <a:r>
+              <a:rPr lang="ru-RU" dirty="0">
+                <a:solidFill>
+                  <a:schemeClr val="tx1"/>
+                </a:solidFill>
+              </a:rPr>
+              <a:t>Модуль формы</a:t>
+            </a:r>
+            <a:br>
+              <a:rPr lang="ru-RU" dirty="0">
+                <a:solidFill>
+                  <a:schemeClr val="tx1"/>
+                </a:solidFill>
+              </a:rPr>
+            </a:br>
+            <a:r>
+              <a:rPr lang="ru-RU" dirty="0">
+                <a:solidFill>
+                  <a:schemeClr val="tx1"/>
+                </a:solidFill>
+              </a:rPr>
+              <a:t>&amp;На </a:t>
+            </a:r>
+            <a:r>
+              <a:rPr lang="ru-RU" dirty="0" smtClean="0">
+                <a:solidFill>
+                  <a:schemeClr val="tx1"/>
+                </a:solidFill>
+              </a:rPr>
+              <a:t>Сервере</a:t>
+            </a:r>
+            <a:endParaRPr lang="ru-RU" dirty="0">
+              <a:solidFill>
+                <a:schemeClr val="tx1"/>
+              </a:solidFill>
+            </a:endParaRPr>
+          </a:p>
+        </p:txBody>
+      </p:sp>
+      <p:cxnSp>
+        <p:nvCxnSpPr>
+          <p:cNvPr id="33" name="Прямая со стрелкой 32"/>
+          <p:cNvCxnSpPr/>
+          <p:nvPr/>
+        </p:nvCxnSpPr>
+        <p:spPr>
+          <a:xfrm>
+            <a:off x="8532440" y="1717207"/>
+            <a:ext cx="0" cy="1584176"/>
+          </a:xfrm>
+          <a:prstGeom prst="straightConnector1">
+            <a:avLst/>
+          </a:prstGeom>
+          <a:ln w="38100">
+            <a:solidFill>
+              <a:schemeClr val="tx2"/>
+            </a:solidFill>
+            <a:headEnd type="triangle" w="med" len="lg"/>
+            <a:tailEnd type="triangle" w="med" len="lg"/>
+          </a:ln>
+        </p:spPr>
+        <p:style>
+          <a:lnRef idx="1">
+            <a:schemeClr val="accent1"/>
+          </a:lnRef>
+          <a:fillRef idx="0">
+            <a:schemeClr val="accent1"/>
+          </a:fillRef>
+          <a:effectRef idx="0">
+            <a:schemeClr val="accent1"/>
+          </a:effectRef>
+          <a:fontRef idx="minor">
+            <a:schemeClr val="tx1"/>
+          </a:fontRef>
+        </p:style>
+      </p:cxnSp>
+      <p:sp>
+        <p:nvSpPr>
+          <p:cNvPr id="2" name="Прямоугольник 1"/>
+          <p:cNvSpPr/>
+          <p:nvPr/>
+        </p:nvSpPr>
+        <p:spPr>
+          <a:xfrm>
+            <a:off x="683568" y="2409310"/>
+            <a:ext cx="1944000" cy="576000"/>
+          </a:xfrm>
+          <a:prstGeom prst="rect">
+            <a:avLst/>
+          </a:prstGeom>
+          <a:solidFill>
+            <a:schemeClr val="accent6">
+              <a:lumMod val="20000"/>
+              <a:lumOff val="80000"/>
+            </a:schemeClr>
+          </a:solidFill>
+          <a:ln w="15875">
+            <a:prstDash val="sysDot"/>
+            <a:tailEnd type="stealth"/>
+          </a:ln>
+        </p:spPr>
+        <p:style>
+          <a:lnRef idx="2">
+            <a:schemeClr val="accent1">
+              <a:shade val="50000"/>
+            </a:schemeClr>
+          </a:lnRef>
+          <a:fillRef idx="1">
+            <a:schemeClr val="accent1"/>
+          </a:fillRef>
+          <a:effectRef idx="0">
+            <a:schemeClr val="accent1"/>
+          </a:effectRef>
+          <a:fontRef idx="minor">
+            <a:schemeClr val="lt1"/>
+          </a:fontRef>
+        </p:style>
+        <p:txBody>
+          <a:bodyPr rtlCol="0" anchor="ctr"/>
+          <a:lstStyle/>
+          <a:p>
+            <a:pPr algn="ctr"/>
+            <a:r>
+              <a:rPr lang="ru-RU" dirty="0">
+                <a:solidFill>
+                  <a:schemeClr val="tx1"/>
+                </a:solidFill>
+              </a:rPr>
+              <a:t>Модуль </a:t>
+            </a:r>
+            <a:r>
+              <a:rPr lang="ru-RU" dirty="0" smtClean="0">
+                <a:solidFill>
+                  <a:schemeClr val="tx1"/>
+                </a:solidFill>
+              </a:rPr>
+              <a:t>команды</a:t>
+            </a:r>
+            <a:r>
+              <a:rPr lang="ru-RU" dirty="0">
+                <a:solidFill>
+                  <a:schemeClr val="tx1"/>
+                </a:solidFill>
+              </a:rPr>
+              <a:t/>
+            </a:r>
+            <a:br>
+              <a:rPr lang="ru-RU" dirty="0">
+                <a:solidFill>
+                  <a:schemeClr val="tx1"/>
+                </a:solidFill>
+              </a:rPr>
+            </a:br>
+            <a:r>
+              <a:rPr lang="ru-RU" dirty="0">
+                <a:solidFill>
+                  <a:schemeClr val="tx1"/>
+                </a:solidFill>
+              </a:rPr>
+              <a:t>&amp;На Клиенте</a:t>
+            </a:r>
+            <a:endParaRPr lang="ru-RU" dirty="0">
+              <a:solidFill>
+                <a:schemeClr val="tx1"/>
+              </a:solidFill>
+            </a:endParaRPr>
+          </a:p>
+        </p:txBody>
+      </p:sp>
+      <p:sp>
+        <p:nvSpPr>
+          <p:cNvPr id="11" name="Прямоугольник 10"/>
+          <p:cNvSpPr/>
+          <p:nvPr/>
+        </p:nvSpPr>
+        <p:spPr>
+          <a:xfrm>
+            <a:off x="683568" y="4727638"/>
+            <a:ext cx="1944000" cy="576000"/>
+          </a:xfrm>
+          <a:prstGeom prst="rect">
+            <a:avLst/>
+          </a:prstGeom>
+          <a:solidFill>
+            <a:schemeClr val="tx2">
+              <a:lumMod val="20000"/>
+              <a:lumOff val="80000"/>
+            </a:schemeClr>
+          </a:solidFill>
+          <a:ln w="15875">
+            <a:prstDash val="sysDot"/>
+            <a:tailEnd type="stealth"/>
+          </a:ln>
+        </p:spPr>
+        <p:style>
+          <a:lnRef idx="2">
+            <a:schemeClr val="accent1">
+              <a:shade val="50000"/>
+            </a:schemeClr>
+          </a:lnRef>
+          <a:fillRef idx="1">
+            <a:schemeClr val="accent1"/>
+          </a:fillRef>
+          <a:effectRef idx="0">
+            <a:schemeClr val="accent1"/>
+          </a:effectRef>
+          <a:fontRef idx="minor">
+            <a:schemeClr val="lt1"/>
+          </a:fontRef>
+        </p:style>
+        <p:txBody>
+          <a:bodyPr rtlCol="0" anchor="ctr"/>
+          <a:lstStyle/>
+          <a:p>
+            <a:pPr algn="ctr"/>
+            <a:r>
+              <a:rPr lang="ru-RU" dirty="0">
+                <a:solidFill>
+                  <a:schemeClr val="tx1"/>
+                </a:solidFill>
+              </a:rPr>
+              <a:t>Модуль команды</a:t>
+            </a:r>
+            <a:br>
+              <a:rPr lang="ru-RU" dirty="0">
+                <a:solidFill>
+                  <a:schemeClr val="tx1"/>
+                </a:solidFill>
+              </a:rPr>
+            </a:br>
+            <a:r>
+              <a:rPr lang="ru-RU" dirty="0">
+                <a:solidFill>
+                  <a:schemeClr val="tx1"/>
+                </a:solidFill>
+              </a:rPr>
+              <a:t>&amp;На </a:t>
+            </a:r>
+            <a:r>
+              <a:rPr lang="ru-RU" dirty="0" smtClean="0">
+                <a:solidFill>
+                  <a:schemeClr val="tx1"/>
+                </a:solidFill>
+              </a:rPr>
+              <a:t>Сервере</a:t>
+            </a:r>
+            <a:endParaRPr lang="ru-RU" dirty="0">
+              <a:solidFill>
+                <a:schemeClr val="tx1"/>
+              </a:solidFill>
+            </a:endParaRPr>
+          </a:p>
+        </p:txBody>
+      </p:sp>
+      <p:cxnSp>
+        <p:nvCxnSpPr>
+          <p:cNvPr id="13" name="Прямая со стрелкой 12"/>
+          <p:cNvCxnSpPr/>
+          <p:nvPr/>
+        </p:nvCxnSpPr>
+        <p:spPr>
+          <a:xfrm>
+            <a:off x="2387257" y="2841326"/>
+            <a:ext cx="0" cy="1886312"/>
+          </a:xfrm>
+          <a:prstGeom prst="straightConnector1">
+            <a:avLst/>
+          </a:prstGeom>
+          <a:ln w="38100">
+            <a:solidFill>
+              <a:schemeClr val="tx2"/>
+            </a:solidFill>
+            <a:headEnd type="triangle" w="med" len="lg"/>
+            <a:tailEnd type="triangle" w="med" len="lg"/>
+          </a:ln>
+        </p:spPr>
+        <p:style>
+          <a:lnRef idx="1">
+            <a:schemeClr val="accent1"/>
+          </a:lnRef>
+          <a:fillRef idx="0">
+            <a:schemeClr val="accent1"/>
+          </a:fillRef>
+          <a:effectRef idx="0">
+            <a:schemeClr val="accent1"/>
+          </a:effectRef>
+          <a:fontRef idx="minor">
+            <a:schemeClr val="tx1"/>
+          </a:fontRef>
+        </p:style>
+      </p:cxnSp>
+      <p:sp>
+        <p:nvSpPr>
+          <p:cNvPr id="14" name="Блок-схема: альтернативный процесс 13"/>
+          <p:cNvSpPr/>
+          <p:nvPr/>
+        </p:nvSpPr>
+        <p:spPr>
+          <a:xfrm>
+            <a:off x="3923440" y="708955"/>
+            <a:ext cx="2376000" cy="1008112"/>
+          </a:xfrm>
+          <a:prstGeom prst="flowChartAlternateProcess">
+            <a:avLst/>
+          </a:prstGeom>
+          <a:noFill/>
+          <a:ln w="38100">
+            <a:solidFill>
+              <a:srgbClr val="FF0000"/>
+            </a:solidFill>
+          </a:ln>
+        </p:spPr>
+        <p:style>
+          <a:lnRef idx="2">
+            <a:schemeClr val="accent1">
+              <a:shade val="50000"/>
+            </a:schemeClr>
+          </a:lnRef>
+          <a:fillRef idx="1">
+            <a:schemeClr val="accent1"/>
+          </a:fillRef>
+          <a:effectRef idx="0">
+            <a:schemeClr val="accent1"/>
+          </a:effectRef>
+          <a:fontRef idx="minor">
+            <a:schemeClr val="lt1"/>
+          </a:fontRef>
+        </p:style>
+        <p:txBody>
+          <a:bodyPr rtlCol="0" anchor="ctr"/>
+          <a:lstStyle/>
+          <a:p>
+            <a:pPr algn="ctr"/>
+            <a:r>
+              <a:rPr lang="ru-RU" dirty="0" smtClean="0">
+                <a:solidFill>
+                  <a:schemeClr val="tx1"/>
+                </a:solidFill>
+              </a:rPr>
+              <a:t>Форма 1 </a:t>
+            </a:r>
+            <a:r>
+              <a:rPr lang="ru-RU" dirty="0" smtClean="0">
+                <a:solidFill>
+                  <a:schemeClr val="tx1"/>
+                </a:solidFill>
+              </a:rPr>
+              <a:t>клиентского приложения</a:t>
+            </a:r>
+            <a:br>
+              <a:rPr lang="ru-RU" dirty="0" smtClean="0">
+                <a:solidFill>
+                  <a:schemeClr val="tx1"/>
+                </a:solidFill>
+              </a:rPr>
+            </a:br>
+            <a:r>
+              <a:rPr lang="ru-RU" dirty="0" smtClean="0">
+                <a:solidFill>
+                  <a:schemeClr val="tx1"/>
+                </a:solidFill>
+              </a:rPr>
+              <a:t> (на клиенте)</a:t>
+            </a:r>
+            <a:endParaRPr lang="ru-RU" dirty="0">
+              <a:solidFill>
+                <a:schemeClr val="tx1"/>
+              </a:solidFill>
+            </a:endParaRPr>
+          </a:p>
+        </p:txBody>
+      </p:sp>
+      <p:sp>
+        <p:nvSpPr>
+          <p:cNvPr id="15" name="Выноска 3 14"/>
+          <p:cNvSpPr/>
+          <p:nvPr/>
+        </p:nvSpPr>
+        <p:spPr>
+          <a:xfrm>
+            <a:off x="4153242" y="1802263"/>
+            <a:ext cx="1944000" cy="576000"/>
+          </a:xfrm>
+          <a:prstGeom prst="borderCallout3">
+            <a:avLst>
+              <a:gd name="adj1" fmla="val 18750"/>
+              <a:gd name="adj2" fmla="val -8333"/>
+              <a:gd name="adj3" fmla="val 18750"/>
+              <a:gd name="adj4" fmla="val -16667"/>
+              <a:gd name="adj5" fmla="val -47795"/>
+              <a:gd name="adj6" fmla="val -17677"/>
+              <a:gd name="adj7" fmla="val -72169"/>
+              <a:gd name="adj8" fmla="val 13874"/>
+            </a:avLst>
+          </a:prstGeom>
+          <a:solidFill>
+            <a:schemeClr val="accent6">
+              <a:lumMod val="20000"/>
+              <a:lumOff val="80000"/>
+            </a:schemeClr>
+          </a:solidFill>
+          <a:ln w="15875">
+            <a:prstDash val="sysDot"/>
+            <a:tailEnd type="stealth"/>
+          </a:ln>
+        </p:spPr>
+        <p:style>
+          <a:lnRef idx="2">
+            <a:schemeClr val="accent1">
+              <a:shade val="50000"/>
+            </a:schemeClr>
+          </a:lnRef>
+          <a:fillRef idx="1">
+            <a:schemeClr val="accent1"/>
+          </a:fillRef>
+          <a:effectRef idx="0">
+            <a:schemeClr val="accent1"/>
+          </a:effectRef>
+          <a:fontRef idx="minor">
+            <a:schemeClr val="lt1"/>
+          </a:fontRef>
+        </p:style>
+        <p:txBody>
+          <a:bodyPr rtlCol="0" anchor="ctr"/>
+          <a:lstStyle/>
+          <a:p>
+            <a:pPr algn="ctr"/>
+            <a:r>
+              <a:rPr lang="ru-RU" dirty="0">
+                <a:solidFill>
+                  <a:schemeClr val="tx1"/>
+                </a:solidFill>
+              </a:rPr>
+              <a:t>Модуль формы</a:t>
+            </a:r>
+            <a:br>
+              <a:rPr lang="ru-RU" dirty="0">
+                <a:solidFill>
+                  <a:schemeClr val="tx1"/>
+                </a:solidFill>
+              </a:rPr>
+            </a:br>
+            <a:r>
+              <a:rPr lang="ru-RU" dirty="0">
+                <a:solidFill>
+                  <a:schemeClr val="tx1"/>
+                </a:solidFill>
+              </a:rPr>
+              <a:t>&amp;На Клиенте</a:t>
+            </a:r>
+          </a:p>
+        </p:txBody>
+      </p:sp>
+      <p:sp>
+        <p:nvSpPr>
+          <p:cNvPr id="17" name="Блок-схема: альтернативный процесс 16"/>
+          <p:cNvSpPr/>
+          <p:nvPr/>
+        </p:nvSpPr>
+        <p:spPr>
+          <a:xfrm>
+            <a:off x="1286044" y="708955"/>
+            <a:ext cx="2376000" cy="1008112"/>
+          </a:xfrm>
+          <a:prstGeom prst="flowChartAlternateProcess">
+            <a:avLst/>
+          </a:prstGeom>
+          <a:noFill/>
+          <a:ln w="38100">
+            <a:solidFill>
+              <a:srgbClr val="FF0000"/>
+            </a:solidFill>
+          </a:ln>
+        </p:spPr>
+        <p:style>
+          <a:lnRef idx="2">
+            <a:schemeClr val="accent1">
+              <a:shade val="50000"/>
+            </a:schemeClr>
+          </a:lnRef>
+          <a:fillRef idx="1">
+            <a:schemeClr val="accent1"/>
+          </a:fillRef>
+          <a:effectRef idx="0">
+            <a:schemeClr val="accent1"/>
+          </a:effectRef>
+          <a:fontRef idx="minor">
+            <a:schemeClr val="lt1"/>
+          </a:fontRef>
+        </p:style>
+        <p:txBody>
+          <a:bodyPr rtlCol="0" anchor="ctr"/>
+          <a:lstStyle/>
+          <a:p>
+            <a:pPr algn="ctr"/>
+            <a:r>
+              <a:rPr lang="ru-RU" dirty="0" smtClean="0">
+                <a:solidFill>
+                  <a:schemeClr val="tx1"/>
+                </a:solidFill>
+              </a:rPr>
+              <a:t>Основное окно </a:t>
+            </a:r>
+            <a:r>
+              <a:rPr lang="ru-RU" dirty="0" smtClean="0">
+                <a:solidFill>
+                  <a:schemeClr val="tx1"/>
+                </a:solidFill>
+              </a:rPr>
+              <a:t>клиентского </a:t>
+            </a:r>
+            <a:r>
+              <a:rPr lang="ru-RU" dirty="0" smtClean="0">
+                <a:solidFill>
+                  <a:schemeClr val="tx1"/>
+                </a:solidFill>
+              </a:rPr>
+              <a:t>приложения</a:t>
+            </a:r>
+            <a:endParaRPr lang="ru-RU" dirty="0">
+              <a:solidFill>
+                <a:schemeClr val="tx1"/>
+              </a:solidFill>
+            </a:endParaRPr>
+          </a:p>
+        </p:txBody>
+      </p:sp>
+      <p:sp>
+        <p:nvSpPr>
+          <p:cNvPr id="18" name="Блок-схема: альтернативный процесс 17"/>
+          <p:cNvSpPr/>
+          <p:nvPr/>
+        </p:nvSpPr>
+        <p:spPr>
+          <a:xfrm>
+            <a:off x="3970050" y="3284984"/>
+            <a:ext cx="2304256" cy="1008112"/>
+          </a:xfrm>
+          <a:prstGeom prst="flowChartAlternateProcess">
+            <a:avLst/>
+          </a:prstGeom>
+          <a:noFill/>
+          <a:ln w="38100"/>
+        </p:spPr>
+        <p:style>
+          <a:lnRef idx="2">
+            <a:schemeClr val="accent1">
+              <a:shade val="50000"/>
+            </a:schemeClr>
+          </a:lnRef>
+          <a:fillRef idx="1">
+            <a:schemeClr val="accent1"/>
+          </a:fillRef>
+          <a:effectRef idx="0">
+            <a:schemeClr val="accent1"/>
+          </a:effectRef>
+          <a:fontRef idx="minor">
+            <a:schemeClr val="lt1"/>
+          </a:fontRef>
+        </p:style>
+        <p:txBody>
+          <a:bodyPr rtlCol="0" anchor="ctr"/>
+          <a:lstStyle/>
+          <a:p>
+            <a:pPr algn="ctr"/>
+            <a:r>
+              <a:rPr lang="ru-RU" dirty="0" smtClean="0">
+                <a:solidFill>
+                  <a:schemeClr val="tx1"/>
+                </a:solidFill>
+              </a:rPr>
+              <a:t>Форма клиентского приложения</a:t>
+            </a:r>
+            <a:br>
+              <a:rPr lang="ru-RU" dirty="0" smtClean="0">
+                <a:solidFill>
+                  <a:schemeClr val="tx1"/>
+                </a:solidFill>
+              </a:rPr>
+            </a:br>
+            <a:r>
+              <a:rPr lang="ru-RU" dirty="0" smtClean="0">
+                <a:solidFill>
+                  <a:schemeClr val="tx1"/>
+                </a:solidFill>
+              </a:rPr>
+              <a:t> (на сервере)</a:t>
+            </a:r>
+            <a:endParaRPr lang="ru-RU" dirty="0">
+              <a:solidFill>
+                <a:schemeClr val="tx1"/>
+              </a:solidFill>
+            </a:endParaRPr>
+          </a:p>
+        </p:txBody>
+      </p:sp>
+      <p:sp>
+        <p:nvSpPr>
+          <p:cNvPr id="19" name="Выноска 3 18"/>
+          <p:cNvSpPr/>
+          <p:nvPr/>
+        </p:nvSpPr>
+        <p:spPr>
+          <a:xfrm>
+            <a:off x="3985855" y="4350084"/>
+            <a:ext cx="1944000" cy="576000"/>
+          </a:xfrm>
+          <a:prstGeom prst="borderCallout3">
+            <a:avLst>
+              <a:gd name="adj1" fmla="val 18750"/>
+              <a:gd name="adj2" fmla="val -8333"/>
+              <a:gd name="adj3" fmla="val 18750"/>
+              <a:gd name="adj4" fmla="val -16667"/>
+              <a:gd name="adj5" fmla="val -47795"/>
+              <a:gd name="adj6" fmla="val -17677"/>
+              <a:gd name="adj7" fmla="val -72169"/>
+              <a:gd name="adj8" fmla="val 13874"/>
+            </a:avLst>
+          </a:prstGeom>
+          <a:solidFill>
+            <a:schemeClr val="tx2">
+              <a:lumMod val="20000"/>
+              <a:lumOff val="80000"/>
+            </a:schemeClr>
+          </a:solidFill>
+          <a:ln w="15875">
+            <a:prstDash val="sysDot"/>
+            <a:tailEnd type="stealth"/>
+          </a:ln>
+        </p:spPr>
+        <p:style>
+          <a:lnRef idx="2">
+            <a:schemeClr val="accent1">
+              <a:shade val="50000"/>
+            </a:schemeClr>
+          </a:lnRef>
+          <a:fillRef idx="1">
+            <a:schemeClr val="accent1"/>
+          </a:fillRef>
+          <a:effectRef idx="0">
+            <a:schemeClr val="accent1"/>
+          </a:effectRef>
+          <a:fontRef idx="minor">
+            <a:schemeClr val="lt1"/>
+          </a:fontRef>
+        </p:style>
+        <p:txBody>
+          <a:bodyPr rtlCol="0" anchor="ctr"/>
+          <a:lstStyle/>
+          <a:p>
+            <a:pPr algn="ctr"/>
+            <a:r>
+              <a:rPr lang="ru-RU" dirty="0">
+                <a:solidFill>
+                  <a:schemeClr val="tx1"/>
+                </a:solidFill>
+              </a:rPr>
+              <a:t>Модуль формы</a:t>
+            </a:r>
+            <a:br>
+              <a:rPr lang="ru-RU" dirty="0">
+                <a:solidFill>
+                  <a:schemeClr val="tx1"/>
+                </a:solidFill>
+              </a:rPr>
+            </a:br>
+            <a:r>
+              <a:rPr lang="ru-RU" dirty="0">
+                <a:solidFill>
+                  <a:schemeClr val="tx1"/>
+                </a:solidFill>
+              </a:rPr>
+              <a:t>&amp;На </a:t>
+            </a:r>
+            <a:r>
+              <a:rPr lang="ru-RU" dirty="0" smtClean="0">
+                <a:solidFill>
+                  <a:schemeClr val="tx1"/>
+                </a:solidFill>
+              </a:rPr>
+              <a:t>Сервере</a:t>
+            </a:r>
+            <a:endParaRPr lang="ru-RU" dirty="0">
+              <a:solidFill>
+                <a:schemeClr val="tx1"/>
+              </a:solidFill>
+            </a:endParaRPr>
+          </a:p>
+        </p:txBody>
+      </p:sp>
+      <p:cxnSp>
+        <p:nvCxnSpPr>
+          <p:cNvPr id="20" name="Прямая со стрелкой 19"/>
+          <p:cNvCxnSpPr/>
+          <p:nvPr/>
+        </p:nvCxnSpPr>
+        <p:spPr>
+          <a:xfrm>
+            <a:off x="5986274" y="1717207"/>
+            <a:ext cx="0" cy="1584176"/>
+          </a:xfrm>
+          <a:prstGeom prst="straightConnector1">
+            <a:avLst/>
+          </a:prstGeom>
+          <a:ln w="38100">
+            <a:solidFill>
+              <a:schemeClr val="tx2"/>
+            </a:solidFill>
+            <a:headEnd type="triangle" w="med" len="lg"/>
+            <a:tailEnd type="triangle" w="med" len="lg"/>
+          </a:ln>
+        </p:spPr>
+        <p:style>
+          <a:lnRef idx="1">
+            <a:schemeClr val="accent1"/>
+          </a:lnRef>
+          <a:fillRef idx="0">
+            <a:schemeClr val="accent1"/>
+          </a:fillRef>
+          <a:effectRef idx="0">
+            <a:schemeClr val="accent1"/>
+          </a:effectRef>
+          <a:fontRef idx="minor">
+            <a:schemeClr val="tx1"/>
+          </a:fontRef>
+        </p:style>
+      </p:cxnSp>
+    </p:spTree>
+    <p:extLst>
+      <p:ext uri="{BB962C8B-B14F-4D97-AF65-F5344CB8AC3E}">
+        <p14:creationId xmlns:p14="http://schemas.microsoft.com/office/powerpoint/2010/main" val="2274821476"/>
+      </p:ext>
+    </p:extLst>
+  </p:cSld>
+  <p:clrMapOvr>
+    <a:masterClrMapping/>
+  </p:clrMapOvr>
+  <mc:AlternateContent xmlns:mc="http://schemas.openxmlformats.org/markup-compatibility/2006" xmlns:p14="http://schemas.microsoft.com/office/powerpoint/2010/main">
+    <mc:Choice Requires="p14">
+      <p:transition spd="med" p14:dur="700">
+        <p:fade/>
+      </p:transition>
+    </mc:Choice>
+    <mc:Fallback xmlns="">
+      <p:transition spd="med">
+        <p:fade/>
+      </p:transition>
+    </mc:Fallback>
+  </mc:AlternateContent>
+  <p:timing>
+    <p:tnLst>
+      <p:par>
+        <p:cTn id="1" dur="indefinite" restart="never" nodeType="tmRoot"/>
+      </p:par>
+    </p:tnLst>
+  </p:timing>
+</p:sld>
+</file>
+
+<file path=ppt/slides/slide49.xml><?xml version="1.0" encoding="utf-8"?>
+<p:sld xmlns:a="http://schemas.openxmlformats.org/drawingml/2006/main" xmlns:r="http://schemas.openxmlformats.org/officeDocument/2006/relationships" xmlns:p="http://schemas.openxmlformats.org/presentationml/2006/main">
+  <p:cSld>
+    <p:spTree>
+      <p:nvGrpSpPr>
+        <p:cNvPr id="1" name=""/>
+        <p:cNvGrpSpPr/>
+        <p:nvPr/>
+      </p:nvGrpSpPr>
+      <p:grpSpPr>
+        <a:xfrm>
+          <a:off x="0" y="0"/>
+          <a:ext cx="0" cy="0"/>
+          <a:chOff x="0" y="0"/>
+          <a:chExt cx="0" cy="0"/>
+        </a:xfrm>
+      </p:grpSpPr>
+      <p:sp>
+        <p:nvSpPr>
+          <p:cNvPr id="16" name="Цилиндр 15"/>
+          <p:cNvSpPr/>
+          <p:nvPr/>
+        </p:nvSpPr>
+        <p:spPr>
+          <a:xfrm>
+            <a:off x="1403648" y="5661248"/>
+            <a:ext cx="4857719" cy="864096"/>
+          </a:xfrm>
+          <a:prstGeom prst="can">
+            <a:avLst>
+              <a:gd name="adj" fmla="val 19215"/>
+            </a:avLst>
+          </a:prstGeom>
+          <a:solidFill>
+            <a:schemeClr val="accent3">
+              <a:lumMod val="40000"/>
+              <a:lumOff val="60000"/>
+              <a:alpha val="15000"/>
+            </a:schemeClr>
+          </a:solidFill>
+          <a:ln>
+            <a:solidFill>
+              <a:schemeClr val="accent3"/>
+            </a:solidFill>
+          </a:ln>
+        </p:spPr>
+        <p:style>
+          <a:lnRef idx="2">
+            <a:schemeClr val="accent1">
+              <a:shade val="50000"/>
+            </a:schemeClr>
+          </a:lnRef>
+          <a:fillRef idx="1">
+            <a:schemeClr val="accent1"/>
+          </a:fillRef>
+          <a:effectRef idx="0">
+            <a:schemeClr val="accent1"/>
+          </a:effectRef>
+          <a:fontRef idx="minor">
+            <a:schemeClr val="lt1"/>
+          </a:fontRef>
+        </p:style>
+        <p:txBody>
+          <a:bodyPr rtlCol="0" anchor="t" anchorCtr="0"/>
+          <a:lstStyle/>
+          <a:p>
+            <a:pPr algn="ctr"/>
+            <a:r>
+              <a:rPr lang="ru-RU" dirty="0" smtClean="0">
+                <a:solidFill>
+                  <a:schemeClr val="tx1"/>
+                </a:solidFill>
+                <a:hlinkClick r:id="rId2" action="ppaction://hlinksldjump"/>
+              </a:rPr>
+              <a:t>База данных</a:t>
+            </a:r>
+            <a:endParaRPr lang="ru-RU" dirty="0">
+              <a:solidFill>
+                <a:schemeClr val="tx1"/>
+              </a:solidFill>
+            </a:endParaRPr>
+          </a:p>
+        </p:txBody>
+      </p:sp>
+      <p:sp>
+        <p:nvSpPr>
+          <p:cNvPr id="3" name="Прямоугольник 2"/>
+          <p:cNvSpPr/>
+          <p:nvPr/>
+        </p:nvSpPr>
+        <p:spPr>
+          <a:xfrm>
+            <a:off x="187018" y="4200215"/>
+            <a:ext cx="8810374" cy="1387507"/>
+          </a:xfrm>
+          <a:prstGeom prst="rect">
+            <a:avLst/>
+          </a:prstGeom>
+          <a:solidFill>
+            <a:srgbClr val="00B0F0">
+              <a:alpha val="5000"/>
+            </a:srgbClr>
+          </a:solidFill>
+          <a:ln>
+            <a:solidFill>
+              <a:srgbClr val="00B0F0"/>
+            </a:solidFill>
+            <a:prstDash val="dash"/>
+          </a:ln>
+        </p:spPr>
+        <p:style>
+          <a:lnRef idx="2">
+            <a:schemeClr val="accent1">
+              <a:shade val="50000"/>
+            </a:schemeClr>
+          </a:lnRef>
+          <a:fillRef idx="1">
+            <a:schemeClr val="accent1"/>
+          </a:fillRef>
+          <a:effectRef idx="0">
+            <a:schemeClr val="accent1"/>
+          </a:effectRef>
+          <a:fontRef idx="minor">
+            <a:schemeClr val="lt1"/>
+          </a:fontRef>
+        </p:style>
+        <p:txBody>
+          <a:bodyPr rtlCol="0" anchor="t" anchorCtr="0"/>
+          <a:lstStyle/>
+          <a:p>
+            <a:r>
+              <a:rPr lang="ru-RU" b="1" dirty="0" smtClean="0">
+                <a:solidFill>
+                  <a:srgbClr val="00B0F0"/>
+                </a:solidFill>
+              </a:rPr>
+              <a:t>Сервер</a:t>
+            </a:r>
+            <a:endParaRPr lang="ru-RU" b="1" dirty="0">
+              <a:solidFill>
+                <a:srgbClr val="00B0F0"/>
+              </a:solidFill>
+            </a:endParaRPr>
+          </a:p>
+        </p:txBody>
+      </p:sp>
+      <p:sp>
+        <p:nvSpPr>
+          <p:cNvPr id="12" name="Прямоугольник 11"/>
+          <p:cNvSpPr/>
+          <p:nvPr/>
+        </p:nvSpPr>
+        <p:spPr>
+          <a:xfrm>
+            <a:off x="187018" y="587357"/>
+            <a:ext cx="8820000" cy="3564000"/>
+          </a:xfrm>
+          <a:prstGeom prst="rect">
+            <a:avLst/>
+          </a:prstGeom>
+          <a:solidFill>
+            <a:srgbClr val="FF0000">
+              <a:alpha val="8000"/>
+            </a:srgbClr>
+          </a:solidFill>
+          <a:ln>
+            <a:solidFill>
+              <a:srgbClr val="FF0000"/>
+            </a:solidFill>
+            <a:prstDash val="dash"/>
+          </a:ln>
+        </p:spPr>
+        <p:style>
+          <a:lnRef idx="2">
+            <a:schemeClr val="accent1">
+              <a:shade val="50000"/>
+            </a:schemeClr>
+          </a:lnRef>
+          <a:fillRef idx="1">
+            <a:schemeClr val="accent1"/>
+          </a:fillRef>
+          <a:effectRef idx="0">
+            <a:schemeClr val="accent1"/>
+          </a:effectRef>
+          <a:fontRef idx="minor">
+            <a:schemeClr val="lt1"/>
+          </a:fontRef>
+        </p:style>
+        <p:txBody>
+          <a:bodyPr rtlCol="0" anchor="t" anchorCtr="0"/>
+          <a:lstStyle/>
+          <a:p>
+            <a:r>
+              <a:rPr lang="ru-RU" b="1" dirty="0" smtClean="0">
+                <a:solidFill>
+                  <a:srgbClr val="C00000"/>
+                </a:solidFill>
+              </a:rPr>
+              <a:t>Клиент</a:t>
+            </a:r>
+            <a:endParaRPr lang="ru-RU" b="1" dirty="0">
+              <a:solidFill>
+                <a:srgbClr val="C00000"/>
+              </a:solidFill>
+            </a:endParaRPr>
+          </a:p>
+        </p:txBody>
+      </p:sp>
+      <p:sp>
+        <p:nvSpPr>
+          <p:cNvPr id="24" name="Блок-схема: альтернативный процесс 23"/>
+          <p:cNvSpPr/>
+          <p:nvPr/>
+        </p:nvSpPr>
+        <p:spPr>
+          <a:xfrm>
+            <a:off x="6470649" y="709095"/>
+            <a:ext cx="2376000" cy="1999824"/>
+          </a:xfrm>
+          <a:prstGeom prst="flowChartAlternateProcess">
+            <a:avLst/>
+          </a:prstGeom>
+          <a:noFill/>
+          <a:ln w="38100">
+            <a:solidFill>
+              <a:srgbClr val="FF0000"/>
+            </a:solidFill>
+          </a:ln>
+        </p:spPr>
+        <p:style>
+          <a:lnRef idx="2">
+            <a:schemeClr val="accent1">
+              <a:shade val="50000"/>
+            </a:schemeClr>
+          </a:lnRef>
+          <a:fillRef idx="1">
+            <a:schemeClr val="accent1"/>
+          </a:fillRef>
+          <a:effectRef idx="0">
+            <a:schemeClr val="accent1"/>
+          </a:effectRef>
+          <a:fontRef idx="minor">
+            <a:schemeClr val="lt1"/>
+          </a:fontRef>
+        </p:style>
+        <p:txBody>
+          <a:bodyPr rtlCol="0" anchor="t"/>
+          <a:lstStyle/>
+          <a:p>
+            <a:pPr algn="ctr"/>
+            <a:r>
+              <a:rPr lang="ru-RU" dirty="0" smtClean="0">
+                <a:solidFill>
+                  <a:schemeClr val="tx1"/>
+                </a:solidFill>
+              </a:rPr>
+              <a:t>Форма 2 </a:t>
+            </a:r>
+            <a:r>
+              <a:rPr lang="ru-RU" dirty="0" smtClean="0">
+                <a:solidFill>
+                  <a:schemeClr val="tx1"/>
+                </a:solidFill>
+              </a:rPr>
+              <a:t>клиентского приложения</a:t>
+            </a:r>
+            <a:br>
+              <a:rPr lang="ru-RU" dirty="0" smtClean="0">
+                <a:solidFill>
+                  <a:schemeClr val="tx1"/>
+                </a:solidFill>
+              </a:rPr>
+            </a:br>
+            <a:r>
+              <a:rPr lang="ru-RU" dirty="0" smtClean="0">
+                <a:solidFill>
+                  <a:schemeClr val="tx1"/>
+                </a:solidFill>
+              </a:rPr>
+              <a:t> (на клиенте)</a:t>
+            </a:r>
+            <a:endParaRPr lang="ru-RU" dirty="0">
+              <a:solidFill>
+                <a:schemeClr val="tx1"/>
+              </a:solidFill>
+            </a:endParaRPr>
+          </a:p>
+        </p:txBody>
+      </p:sp>
+      <p:sp>
+        <p:nvSpPr>
+          <p:cNvPr id="28" name="Выноска 3 27"/>
+          <p:cNvSpPr/>
+          <p:nvPr/>
+        </p:nvSpPr>
+        <p:spPr>
+          <a:xfrm>
+            <a:off x="6496621" y="3278306"/>
+            <a:ext cx="1944000" cy="576000"/>
+          </a:xfrm>
+          <a:prstGeom prst="borderCallout3">
+            <a:avLst>
+              <a:gd name="adj1" fmla="val 18750"/>
+              <a:gd name="adj2" fmla="val -8333"/>
+              <a:gd name="adj3" fmla="val 18750"/>
+              <a:gd name="adj4" fmla="val -16667"/>
+              <a:gd name="adj5" fmla="val -47795"/>
+              <a:gd name="adj6" fmla="val -17677"/>
+              <a:gd name="adj7" fmla="val -323901"/>
+              <a:gd name="adj8" fmla="val 7826"/>
+            </a:avLst>
+          </a:prstGeom>
+          <a:solidFill>
+            <a:schemeClr val="accent6">
+              <a:lumMod val="20000"/>
+              <a:lumOff val="80000"/>
+            </a:schemeClr>
+          </a:solidFill>
+          <a:ln w="15875">
+            <a:prstDash val="sysDot"/>
+            <a:tailEnd type="stealth"/>
+          </a:ln>
+        </p:spPr>
+        <p:style>
+          <a:lnRef idx="2">
+            <a:schemeClr val="accent1">
+              <a:shade val="50000"/>
+            </a:schemeClr>
+          </a:lnRef>
+          <a:fillRef idx="1">
+            <a:schemeClr val="accent1"/>
+          </a:fillRef>
+          <a:effectRef idx="0">
+            <a:schemeClr val="accent1"/>
+          </a:effectRef>
+          <a:fontRef idx="minor">
+            <a:schemeClr val="lt1"/>
+          </a:fontRef>
+        </p:style>
+        <p:txBody>
+          <a:bodyPr rtlCol="0" anchor="ctr"/>
+          <a:lstStyle/>
+          <a:p>
+            <a:pPr algn="ctr"/>
+            <a:r>
+              <a:rPr lang="ru-RU" dirty="0">
+                <a:solidFill>
+                  <a:schemeClr val="tx1"/>
+                </a:solidFill>
+              </a:rPr>
+              <a:t>Модуль формы</a:t>
+            </a:r>
+            <a:br>
+              <a:rPr lang="ru-RU" dirty="0">
+                <a:solidFill>
+                  <a:schemeClr val="tx1"/>
+                </a:solidFill>
+              </a:rPr>
+            </a:br>
+            <a:r>
+              <a:rPr lang="ru-RU" dirty="0">
+                <a:solidFill>
+                  <a:schemeClr val="tx1"/>
+                </a:solidFill>
+              </a:rPr>
+              <a:t>&amp;На Клиенте</a:t>
+            </a:r>
+          </a:p>
+        </p:txBody>
+      </p:sp>
+      <p:sp>
+        <p:nvSpPr>
+          <p:cNvPr id="2" name="Прямоугольник 1"/>
+          <p:cNvSpPr/>
+          <p:nvPr/>
+        </p:nvSpPr>
+        <p:spPr>
+          <a:xfrm>
+            <a:off x="664663" y="3299452"/>
+            <a:ext cx="1944000" cy="576000"/>
+          </a:xfrm>
+          <a:prstGeom prst="rect">
+            <a:avLst/>
+          </a:prstGeom>
+          <a:solidFill>
+            <a:schemeClr val="accent6">
+              <a:lumMod val="20000"/>
+              <a:lumOff val="80000"/>
+            </a:schemeClr>
+          </a:solidFill>
+          <a:ln w="15875">
+            <a:prstDash val="sysDot"/>
+            <a:tailEnd type="stealth"/>
+          </a:ln>
+        </p:spPr>
+        <p:style>
+          <a:lnRef idx="2">
+            <a:schemeClr val="accent1">
+              <a:shade val="50000"/>
+            </a:schemeClr>
+          </a:lnRef>
+          <a:fillRef idx="1">
+            <a:schemeClr val="accent1"/>
+          </a:fillRef>
+          <a:effectRef idx="0">
+            <a:schemeClr val="accent1"/>
+          </a:effectRef>
+          <a:fontRef idx="minor">
+            <a:schemeClr val="lt1"/>
+          </a:fontRef>
+        </p:style>
+        <p:txBody>
+          <a:bodyPr rtlCol="0" anchor="ctr"/>
+          <a:lstStyle/>
+          <a:p>
+            <a:pPr algn="ctr"/>
+            <a:r>
+              <a:rPr lang="ru-RU" dirty="0">
+                <a:solidFill>
+                  <a:schemeClr val="tx1"/>
+                </a:solidFill>
+              </a:rPr>
+              <a:t>Модуль </a:t>
+            </a:r>
+            <a:r>
+              <a:rPr lang="ru-RU" dirty="0" smtClean="0">
+                <a:solidFill>
+                  <a:schemeClr val="tx1"/>
+                </a:solidFill>
+              </a:rPr>
+              <a:t>команды</a:t>
+            </a:r>
+            <a:r>
+              <a:rPr lang="ru-RU" dirty="0">
+                <a:solidFill>
+                  <a:schemeClr val="tx1"/>
+                </a:solidFill>
+              </a:rPr>
+              <a:t/>
+            </a:r>
+            <a:br>
+              <a:rPr lang="ru-RU" dirty="0">
+                <a:solidFill>
+                  <a:schemeClr val="tx1"/>
+                </a:solidFill>
+              </a:rPr>
+            </a:br>
+            <a:r>
+              <a:rPr lang="ru-RU" dirty="0">
+                <a:solidFill>
+                  <a:schemeClr val="tx1"/>
+                </a:solidFill>
+              </a:rPr>
+              <a:t>&amp;На Клиенте</a:t>
+            </a:r>
+            <a:endParaRPr lang="ru-RU" dirty="0">
+              <a:solidFill>
+                <a:schemeClr val="tx1"/>
+              </a:solidFill>
+            </a:endParaRPr>
+          </a:p>
+        </p:txBody>
+      </p:sp>
+      <p:sp>
+        <p:nvSpPr>
+          <p:cNvPr id="11" name="Прямоугольник 10"/>
+          <p:cNvSpPr/>
+          <p:nvPr/>
+        </p:nvSpPr>
+        <p:spPr>
+          <a:xfrm>
+            <a:off x="683568" y="4727638"/>
+            <a:ext cx="1944000" cy="576000"/>
+          </a:xfrm>
+          <a:prstGeom prst="rect">
+            <a:avLst/>
+          </a:prstGeom>
+          <a:solidFill>
+            <a:schemeClr val="tx2">
+              <a:lumMod val="20000"/>
+              <a:lumOff val="80000"/>
+            </a:schemeClr>
+          </a:solidFill>
+          <a:ln w="15875">
+            <a:prstDash val="sysDot"/>
+            <a:tailEnd type="stealth"/>
+          </a:ln>
+        </p:spPr>
+        <p:style>
+          <a:lnRef idx="2">
+            <a:schemeClr val="accent1">
+              <a:shade val="50000"/>
+            </a:schemeClr>
+          </a:lnRef>
+          <a:fillRef idx="1">
+            <a:schemeClr val="accent1"/>
+          </a:fillRef>
+          <a:effectRef idx="0">
+            <a:schemeClr val="accent1"/>
+          </a:effectRef>
+          <a:fontRef idx="minor">
+            <a:schemeClr val="lt1"/>
+          </a:fontRef>
+        </p:style>
+        <p:txBody>
+          <a:bodyPr rtlCol="0" anchor="ctr"/>
+          <a:lstStyle/>
+          <a:p>
+            <a:pPr algn="ctr"/>
+            <a:r>
+              <a:rPr lang="ru-RU" dirty="0">
+                <a:solidFill>
+                  <a:schemeClr val="tx1"/>
+                </a:solidFill>
+              </a:rPr>
+              <a:t>Модуль команды</a:t>
+            </a:r>
+            <a:br>
+              <a:rPr lang="ru-RU" dirty="0">
+                <a:solidFill>
+                  <a:schemeClr val="tx1"/>
+                </a:solidFill>
+              </a:rPr>
+            </a:br>
+            <a:r>
+              <a:rPr lang="ru-RU" dirty="0">
+                <a:solidFill>
+                  <a:schemeClr val="tx1"/>
+                </a:solidFill>
+              </a:rPr>
+              <a:t>&amp;На </a:t>
+            </a:r>
+            <a:r>
+              <a:rPr lang="ru-RU" dirty="0" smtClean="0">
+                <a:solidFill>
+                  <a:schemeClr val="tx1"/>
+                </a:solidFill>
+              </a:rPr>
+              <a:t>Сервере</a:t>
+            </a:r>
+            <a:endParaRPr lang="ru-RU" dirty="0">
+              <a:solidFill>
+                <a:schemeClr val="tx1"/>
+              </a:solidFill>
+            </a:endParaRPr>
+          </a:p>
+        </p:txBody>
+      </p:sp>
+      <p:cxnSp>
+        <p:nvCxnSpPr>
+          <p:cNvPr id="13" name="Прямая со стрелкой 12"/>
+          <p:cNvCxnSpPr/>
+          <p:nvPr/>
+        </p:nvCxnSpPr>
+        <p:spPr>
+          <a:xfrm flipH="1">
+            <a:off x="2387256" y="3587451"/>
+            <a:ext cx="0" cy="1152128"/>
+          </a:xfrm>
+          <a:prstGeom prst="straightConnector1">
+            <a:avLst/>
+          </a:prstGeom>
+          <a:ln w="38100">
+            <a:solidFill>
+              <a:schemeClr val="tx2"/>
+            </a:solidFill>
+            <a:headEnd type="triangle" w="med" len="lg"/>
+            <a:tailEnd type="triangle" w="med" len="lg"/>
+          </a:ln>
+        </p:spPr>
+        <p:style>
+          <a:lnRef idx="1">
+            <a:schemeClr val="accent1"/>
+          </a:lnRef>
+          <a:fillRef idx="0">
+            <a:schemeClr val="accent1"/>
+          </a:fillRef>
+          <a:effectRef idx="0">
+            <a:schemeClr val="accent1"/>
+          </a:effectRef>
+          <a:fontRef idx="minor">
+            <a:schemeClr val="tx1"/>
+          </a:fontRef>
+        </p:style>
+      </p:cxnSp>
+      <p:sp>
+        <p:nvSpPr>
+          <p:cNvPr id="14" name="Блок-схема: альтернативный процесс 13"/>
+          <p:cNvSpPr/>
+          <p:nvPr/>
+        </p:nvSpPr>
+        <p:spPr>
+          <a:xfrm>
+            <a:off x="3923440" y="708954"/>
+            <a:ext cx="2376000" cy="1999965"/>
+          </a:xfrm>
+          <a:prstGeom prst="flowChartAlternateProcess">
+            <a:avLst/>
+          </a:prstGeom>
+          <a:noFill/>
+          <a:ln w="38100">
+            <a:solidFill>
+              <a:srgbClr val="FF0000"/>
+            </a:solidFill>
+          </a:ln>
+        </p:spPr>
+        <p:style>
+          <a:lnRef idx="2">
+            <a:schemeClr val="accent1">
+              <a:shade val="50000"/>
+            </a:schemeClr>
+          </a:lnRef>
+          <a:fillRef idx="1">
+            <a:schemeClr val="accent1"/>
+          </a:fillRef>
+          <a:effectRef idx="0">
+            <a:schemeClr val="accent1"/>
+          </a:effectRef>
+          <a:fontRef idx="minor">
+            <a:schemeClr val="lt1"/>
+          </a:fontRef>
+        </p:style>
+        <p:txBody>
+          <a:bodyPr rtlCol="0" anchor="t"/>
+          <a:lstStyle/>
+          <a:p>
+            <a:pPr algn="ctr"/>
+            <a:r>
+              <a:rPr lang="ru-RU" dirty="0" smtClean="0">
+                <a:solidFill>
+                  <a:schemeClr val="tx1"/>
+                </a:solidFill>
+              </a:rPr>
+              <a:t>Форма 1 </a:t>
+            </a:r>
+            <a:r>
+              <a:rPr lang="ru-RU" dirty="0" smtClean="0">
+                <a:solidFill>
+                  <a:schemeClr val="tx1"/>
+                </a:solidFill>
+              </a:rPr>
+              <a:t>клиентского приложения</a:t>
+            </a:r>
+            <a:br>
+              <a:rPr lang="ru-RU" dirty="0" smtClean="0">
+                <a:solidFill>
+                  <a:schemeClr val="tx1"/>
+                </a:solidFill>
+              </a:rPr>
+            </a:br>
+            <a:r>
+              <a:rPr lang="ru-RU" dirty="0" smtClean="0">
+                <a:solidFill>
+                  <a:schemeClr val="tx1"/>
+                </a:solidFill>
+              </a:rPr>
+              <a:t> (на клиенте)</a:t>
+            </a:r>
+            <a:endParaRPr lang="ru-RU" dirty="0">
+              <a:solidFill>
+                <a:schemeClr val="tx1"/>
+              </a:solidFill>
+            </a:endParaRPr>
+          </a:p>
+        </p:txBody>
+      </p:sp>
+      <p:sp>
+        <p:nvSpPr>
+          <p:cNvPr id="15" name="Выноска 3 14"/>
+          <p:cNvSpPr/>
+          <p:nvPr/>
+        </p:nvSpPr>
+        <p:spPr>
+          <a:xfrm>
+            <a:off x="4117842" y="3278306"/>
+            <a:ext cx="1944000" cy="576000"/>
+          </a:xfrm>
+          <a:prstGeom prst="borderCallout3">
+            <a:avLst>
+              <a:gd name="adj1" fmla="val 18750"/>
+              <a:gd name="adj2" fmla="val -8333"/>
+              <a:gd name="adj3" fmla="val 18750"/>
+              <a:gd name="adj4" fmla="val -16667"/>
+              <a:gd name="adj5" fmla="val -47795"/>
+              <a:gd name="adj6" fmla="val -17677"/>
+              <a:gd name="adj7" fmla="val -314830"/>
+              <a:gd name="adj8" fmla="val 5139"/>
+            </a:avLst>
+          </a:prstGeom>
+          <a:solidFill>
+            <a:schemeClr val="accent6">
+              <a:lumMod val="20000"/>
+              <a:lumOff val="80000"/>
+            </a:schemeClr>
+          </a:solidFill>
+          <a:ln w="15875">
+            <a:prstDash val="sysDot"/>
+            <a:tailEnd type="stealth"/>
+          </a:ln>
+        </p:spPr>
+        <p:style>
+          <a:lnRef idx="2">
+            <a:schemeClr val="accent1">
+              <a:shade val="50000"/>
+            </a:schemeClr>
+          </a:lnRef>
+          <a:fillRef idx="1">
+            <a:schemeClr val="accent1"/>
+          </a:fillRef>
+          <a:effectRef idx="0">
+            <a:schemeClr val="accent1"/>
+          </a:effectRef>
+          <a:fontRef idx="minor">
+            <a:schemeClr val="lt1"/>
+          </a:fontRef>
+        </p:style>
+        <p:txBody>
+          <a:bodyPr rtlCol="0" anchor="ctr"/>
+          <a:lstStyle/>
+          <a:p>
+            <a:pPr algn="ctr"/>
+            <a:r>
+              <a:rPr lang="ru-RU" dirty="0">
+                <a:solidFill>
+                  <a:schemeClr val="tx1"/>
+                </a:solidFill>
+              </a:rPr>
+              <a:t>Модуль формы</a:t>
+            </a:r>
+            <a:br>
+              <a:rPr lang="ru-RU" dirty="0">
+                <a:solidFill>
+                  <a:schemeClr val="tx1"/>
+                </a:solidFill>
+              </a:rPr>
+            </a:br>
+            <a:r>
+              <a:rPr lang="ru-RU" dirty="0">
+                <a:solidFill>
+                  <a:schemeClr val="tx1"/>
+                </a:solidFill>
+              </a:rPr>
+              <a:t>&amp;На Клиенте</a:t>
+            </a:r>
+          </a:p>
+        </p:txBody>
+      </p:sp>
+      <p:sp>
+        <p:nvSpPr>
+          <p:cNvPr id="17" name="Блок-схема: альтернативный процесс 16"/>
+          <p:cNvSpPr/>
+          <p:nvPr/>
+        </p:nvSpPr>
+        <p:spPr>
+          <a:xfrm>
+            <a:off x="1286044" y="708955"/>
+            <a:ext cx="2376000" cy="1999964"/>
+          </a:xfrm>
+          <a:prstGeom prst="flowChartAlternateProcess">
+            <a:avLst/>
+          </a:prstGeom>
+          <a:noFill/>
+          <a:ln w="38100">
+            <a:solidFill>
+              <a:srgbClr val="FF0000"/>
+            </a:solidFill>
+          </a:ln>
+        </p:spPr>
+        <p:style>
+          <a:lnRef idx="2">
+            <a:schemeClr val="accent1">
+              <a:shade val="50000"/>
+            </a:schemeClr>
+          </a:lnRef>
+          <a:fillRef idx="1">
+            <a:schemeClr val="accent1"/>
+          </a:fillRef>
+          <a:effectRef idx="0">
+            <a:schemeClr val="accent1"/>
+          </a:effectRef>
+          <a:fontRef idx="minor">
+            <a:schemeClr val="lt1"/>
+          </a:fontRef>
+        </p:style>
+        <p:txBody>
+          <a:bodyPr rtlCol="0" anchor="t"/>
+          <a:lstStyle/>
+          <a:p>
+            <a:pPr algn="ctr"/>
+            <a:r>
+              <a:rPr lang="ru-RU" dirty="0" smtClean="0">
+                <a:solidFill>
+                  <a:schemeClr val="tx1"/>
+                </a:solidFill>
+              </a:rPr>
+              <a:t>Основное окно </a:t>
+            </a:r>
+            <a:r>
+              <a:rPr lang="ru-RU" dirty="0" smtClean="0">
+                <a:solidFill>
+                  <a:schemeClr val="tx1"/>
+                </a:solidFill>
+              </a:rPr>
+              <a:t>клиентского </a:t>
+            </a:r>
+            <a:r>
+              <a:rPr lang="ru-RU" dirty="0" smtClean="0">
+                <a:solidFill>
+                  <a:schemeClr val="tx1"/>
+                </a:solidFill>
+              </a:rPr>
+              <a:t>приложения</a:t>
+            </a:r>
+            <a:endParaRPr lang="ru-RU" dirty="0">
+              <a:solidFill>
+                <a:schemeClr val="tx1"/>
+              </a:solidFill>
+            </a:endParaRPr>
+          </a:p>
+        </p:txBody>
+      </p:sp>
+      <p:pic>
+        <p:nvPicPr>
+          <p:cNvPr id="5" name="Рисунок 4"/>
+          <p:cNvPicPr>
+            <a:picLocks noChangeAspect="1"/>
+          </p:cNvPicPr>
+          <p:nvPr/>
+        </p:nvPicPr>
+        <p:blipFill>
+          <a:blip r:embed="rId3"/>
+          <a:stretch>
+            <a:fillRect/>
+          </a:stretch>
+        </p:blipFill>
+        <p:spPr>
+          <a:xfrm>
+            <a:off x="1550234" y="1965529"/>
+            <a:ext cx="923810" cy="400000"/>
+          </a:xfrm>
+          <a:prstGeom prst="rect">
+            <a:avLst/>
+          </a:prstGeom>
+        </p:spPr>
+      </p:pic>
+      <p:pic>
+        <p:nvPicPr>
+          <p:cNvPr id="6" name="Рисунок 5"/>
+          <p:cNvPicPr>
+            <a:picLocks noChangeAspect="1"/>
+          </p:cNvPicPr>
+          <p:nvPr/>
+        </p:nvPicPr>
+        <p:blipFill>
+          <a:blip r:embed="rId4"/>
+          <a:stretch>
+            <a:fillRect/>
+          </a:stretch>
+        </p:blipFill>
+        <p:spPr>
+          <a:xfrm>
+            <a:off x="4346784" y="2023507"/>
+            <a:ext cx="828571" cy="352381"/>
+          </a:xfrm>
+          <a:prstGeom prst="rect">
+            <a:avLst/>
+          </a:prstGeom>
+        </p:spPr>
+      </p:pic>
+      <p:pic>
+        <p:nvPicPr>
+          <p:cNvPr id="7" name="Рисунок 6"/>
+          <p:cNvPicPr>
+            <a:picLocks noChangeAspect="1"/>
+          </p:cNvPicPr>
+          <p:nvPr/>
+        </p:nvPicPr>
+        <p:blipFill>
+          <a:blip r:embed="rId4"/>
+          <a:stretch>
+            <a:fillRect/>
+          </a:stretch>
+        </p:blipFill>
+        <p:spPr>
+          <a:xfrm>
+            <a:off x="6888518" y="2043101"/>
+            <a:ext cx="828571" cy="352381"/>
+          </a:xfrm>
+          <a:prstGeom prst="rect">
+            <a:avLst/>
+          </a:prstGeom>
+        </p:spPr>
+      </p:pic>
+      <p:cxnSp>
+        <p:nvCxnSpPr>
+          <p:cNvPr id="9" name="Прямая со стрелкой 8"/>
+          <p:cNvCxnSpPr/>
+          <p:nvPr/>
+        </p:nvCxnSpPr>
+        <p:spPr>
+          <a:xfrm flipH="1">
+            <a:off x="1702355" y="2395482"/>
+            <a:ext cx="127025" cy="844127"/>
+          </a:xfrm>
+          <a:prstGeom prst="straightConnector1">
+            <a:avLst/>
+          </a:prstGeom>
+          <a:ln w="12700">
+            <a:prstDash val="sysDash"/>
+            <a:tailEnd type="triangle"/>
+          </a:ln>
+        </p:spPr>
+        <p:style>
+          <a:lnRef idx="1">
+            <a:schemeClr val="accent1"/>
+          </a:lnRef>
+          <a:fillRef idx="0">
+            <a:schemeClr val="accent1"/>
+          </a:fillRef>
+          <a:effectRef idx="0">
+            <a:schemeClr val="accent1"/>
+          </a:effectRef>
+          <a:fontRef idx="minor">
+            <a:schemeClr val="tx1"/>
+          </a:fontRef>
+        </p:style>
+      </p:cxnSp>
+      <p:cxnSp>
+        <p:nvCxnSpPr>
+          <p:cNvPr id="25" name="Прямая со стрелкой 24"/>
+          <p:cNvCxnSpPr/>
+          <p:nvPr/>
+        </p:nvCxnSpPr>
+        <p:spPr>
+          <a:xfrm flipH="1">
+            <a:off x="1864693" y="2311285"/>
+            <a:ext cx="2482091" cy="951404"/>
+          </a:xfrm>
+          <a:prstGeom prst="straightConnector1">
+            <a:avLst/>
+          </a:prstGeom>
+          <a:ln w="12700">
+            <a:prstDash val="sysDash"/>
+            <a:tailEnd type="triangle"/>
+          </a:ln>
+        </p:spPr>
+        <p:style>
+          <a:lnRef idx="1">
+            <a:schemeClr val="accent1"/>
+          </a:lnRef>
+          <a:fillRef idx="0">
+            <a:schemeClr val="accent1"/>
+          </a:fillRef>
+          <a:effectRef idx="0">
+            <a:schemeClr val="accent1"/>
+          </a:effectRef>
+          <a:fontRef idx="minor">
+            <a:schemeClr val="tx1"/>
+          </a:fontRef>
+        </p:style>
+      </p:cxnSp>
+      <p:cxnSp>
+        <p:nvCxnSpPr>
+          <p:cNvPr id="27" name="Прямая со стрелкой 26"/>
+          <p:cNvCxnSpPr/>
+          <p:nvPr/>
+        </p:nvCxnSpPr>
+        <p:spPr>
+          <a:xfrm flipH="1">
+            <a:off x="2154197" y="2414387"/>
+            <a:ext cx="4734321" cy="848302"/>
+          </a:xfrm>
+          <a:prstGeom prst="straightConnector1">
+            <a:avLst/>
+          </a:prstGeom>
+          <a:ln w="12700">
+            <a:prstDash val="sysDash"/>
+            <a:tailEnd type="triangle"/>
+          </a:ln>
+        </p:spPr>
+        <p:style>
+          <a:lnRef idx="1">
+            <a:schemeClr val="accent1"/>
+          </a:lnRef>
+          <a:fillRef idx="0">
+            <a:schemeClr val="accent1"/>
+          </a:fillRef>
+          <a:effectRef idx="0">
+            <a:schemeClr val="accent1"/>
+          </a:effectRef>
+          <a:fontRef idx="minor">
+            <a:schemeClr val="tx1"/>
+          </a:fontRef>
+        </p:style>
+      </p:cxnSp>
+    </p:spTree>
+    <p:extLst>
+      <p:ext uri="{BB962C8B-B14F-4D97-AF65-F5344CB8AC3E}">
+        <p14:creationId xmlns:p14="http://schemas.microsoft.com/office/powerpoint/2010/main" val="118666344"/>
+      </p:ext>
+    </p:extLst>
+  </p:cSld>
+  <p:clrMapOvr>
+    <a:masterClrMapping/>
+  </p:clrMapOvr>
+  <mc:AlternateContent xmlns:mc="http://schemas.openxmlformats.org/markup-compatibility/2006" xmlns:p14="http://schemas.microsoft.com/office/powerpoint/2010/main">
+    <mc:Choice Requires="p14">
+      <p:transition spd="med" p14:dur="700">
+        <p:fade/>
+      </p:transition>
+    </mc:Choice>
+    <mc:Fallback xmlns="">
+      <p:transition spd="med">
+        <p:fade/>
+      </p:transition>
+    </mc:Fallback>
+  </mc:AlternateContent>
+  <p:timing>
+    <p:tnLst>
+      <p:par>
+        <p:cTn id="1" dur="indefinite" restart="never" nodeType="tmRoot">
+          <p:childTnLst>
+            <p:seq concurrent="1" nextAc="seek">
+              <p:cTn id="2" dur="indefinite" nodeType="mainSeq">
+                <p:childTnLst>
+                  <p:par>
+                    <p:cTn id="3" fill="hold">
+                      <p:stCondLst>
+                        <p:cond delay="indefinite"/>
+                      </p:stCondLst>
+                      <p:childTnLst>
+                        <p:par>
+                          <p:cTn id="4" fill="hold">
+                            <p:stCondLst>
+                              <p:cond delay="0"/>
+                            </p:stCondLst>
+                            <p:childTnLst>
+                              <p:par>
+                                <p:cTn id="5" presetID="10" presetClass="entr" presetSubtype="0" fill="hold" nodeType="clickEffect">
+                                  <p:stCondLst>
+                                    <p:cond delay="0"/>
+                                  </p:stCondLst>
+                                  <p:childTnLst>
+                                    <p:set>
+                                      <p:cBhvr>
+                                        <p:cTn id="6" dur="1" fill="hold">
+                                          <p:stCondLst>
+                                            <p:cond delay="0"/>
+                                          </p:stCondLst>
+                                        </p:cTn>
+                                        <p:tgtEl>
+                                          <p:spTgt spid="9"/>
+                                        </p:tgtEl>
+                                        <p:attrNameLst>
+                                          <p:attrName>style.visibility</p:attrName>
+                                        </p:attrNameLst>
+                                      </p:cBhvr>
+                                      <p:to>
+                                        <p:strVal val="visible"/>
+                                      </p:to>
+                                    </p:set>
+                                    <p:animEffect transition="in" filter="fade">
+                                      <p:cBhvr>
+                                        <p:cTn id="7" dur="750"/>
+                                        <p:tgtEl>
+                                          <p:spTgt spid="9"/>
+                                        </p:tgtEl>
+                                      </p:cBhvr>
+                                    </p:animEffect>
+                                  </p:childTnLst>
+                                </p:cTn>
+                              </p:par>
+                              <p:par>
+                                <p:cTn id="8" presetID="10" presetClass="entr" presetSubtype="0" fill="hold" nodeType="withEffect">
+                                  <p:stCondLst>
+                                    <p:cond delay="0"/>
+                                  </p:stCondLst>
+                                  <p:childTnLst>
+                                    <p:set>
+                                      <p:cBhvr>
+                                        <p:cTn id="9" dur="1" fill="hold">
+                                          <p:stCondLst>
+                                            <p:cond delay="0"/>
+                                          </p:stCondLst>
+                                        </p:cTn>
+                                        <p:tgtEl>
+                                          <p:spTgt spid="25"/>
+                                        </p:tgtEl>
+                                        <p:attrNameLst>
+                                          <p:attrName>style.visibility</p:attrName>
+                                        </p:attrNameLst>
+                                      </p:cBhvr>
+                                      <p:to>
+                                        <p:strVal val="visible"/>
+                                      </p:to>
+                                    </p:set>
+                                    <p:animEffect transition="in" filter="fade">
+                                      <p:cBhvr>
+                                        <p:cTn id="10" dur="750"/>
+                                        <p:tgtEl>
+                                          <p:spTgt spid="25"/>
+                                        </p:tgtEl>
+                                      </p:cBhvr>
+                                    </p:animEffect>
+                                  </p:childTnLst>
+                                </p:cTn>
+                              </p:par>
+                              <p:par>
+                                <p:cTn id="11" presetID="10" presetClass="entr" presetSubtype="0" fill="hold" nodeType="withEffect">
+                                  <p:stCondLst>
+                                    <p:cond delay="0"/>
+                                  </p:stCondLst>
+                                  <p:childTnLst>
+                                    <p:set>
+                                      <p:cBhvr>
+                                        <p:cTn id="12" dur="1" fill="hold">
+                                          <p:stCondLst>
+                                            <p:cond delay="0"/>
+                                          </p:stCondLst>
+                                        </p:cTn>
+                                        <p:tgtEl>
+                                          <p:spTgt spid="27"/>
+                                        </p:tgtEl>
+                                        <p:attrNameLst>
+                                          <p:attrName>style.visibility</p:attrName>
+                                        </p:attrNameLst>
+                                      </p:cBhvr>
+                                      <p:to>
+                                        <p:strVal val="visible"/>
+                                      </p:to>
+                                    </p:set>
+                                    <p:animEffect transition="in" filter="fade">
+                                      <p:cBhvr>
+                                        <p:cTn id="13" dur="750"/>
+                                        <p:tgtEl>
+                                          <p:spTgt spid="27"/>
+                                        </p:tgtEl>
+                                      </p:cBhvr>
+                                    </p:animEffect>
+                                  </p:childTnLst>
+                                </p:cTn>
+                              </p:par>
+                            </p:childTnLst>
+                          </p:cTn>
+                        </p:par>
+                        <p:par>
+                          <p:cTn id="14" fill="hold">
+                            <p:stCondLst>
+                              <p:cond delay="750"/>
+                            </p:stCondLst>
+                            <p:childTnLst>
+                              <p:par>
+                                <p:cTn id="15" presetID="26" presetClass="emph" presetSubtype="0" repeatCount="2000" fill="hold" nodeType="afterEffect">
+                                  <p:stCondLst>
+                                    <p:cond delay="0"/>
+                                  </p:stCondLst>
+                                  <p:childTnLst>
+                                    <p:animEffect transition="out" filter="fade">
+                                      <p:cBhvr>
+                                        <p:cTn id="16" dur="750" tmFilter="0, 0; .2, .5; .8, .5; 1, 0"/>
+                                        <p:tgtEl>
+                                          <p:spTgt spid="9"/>
+                                        </p:tgtEl>
+                                      </p:cBhvr>
+                                    </p:animEffect>
+                                    <p:animScale>
+                                      <p:cBhvr>
+                                        <p:cTn id="17" dur="375" autoRev="1" fill="hold"/>
+                                        <p:tgtEl>
+                                          <p:spTgt spid="9"/>
+                                        </p:tgtEl>
+                                      </p:cBhvr>
+                                      <p:by x="105000" y="105000"/>
+                                    </p:animScale>
+                                  </p:childTnLst>
+                                </p:cTn>
+                              </p:par>
+                              <p:par>
+                                <p:cTn id="18" presetID="26" presetClass="emph" presetSubtype="0" repeatCount="2000" fill="hold" nodeType="withEffect">
+                                  <p:stCondLst>
+                                    <p:cond delay="0"/>
+                                  </p:stCondLst>
+                                  <p:childTnLst>
+                                    <p:animEffect transition="out" filter="fade">
+                                      <p:cBhvr>
+                                        <p:cTn id="19" dur="750" tmFilter="0, 0; .2, .5; .8, .5; 1, 0"/>
+                                        <p:tgtEl>
+                                          <p:spTgt spid="25"/>
+                                        </p:tgtEl>
+                                      </p:cBhvr>
+                                    </p:animEffect>
+                                    <p:animScale>
+                                      <p:cBhvr>
+                                        <p:cTn id="20" dur="375" autoRev="1" fill="hold"/>
+                                        <p:tgtEl>
+                                          <p:spTgt spid="25"/>
+                                        </p:tgtEl>
+                                      </p:cBhvr>
+                                      <p:by x="105000" y="105000"/>
+                                    </p:animScale>
+                                  </p:childTnLst>
+                                </p:cTn>
+                              </p:par>
+                              <p:par>
+                                <p:cTn id="21" presetID="26" presetClass="emph" presetSubtype="0" repeatCount="2000" fill="hold" nodeType="withEffect">
+                                  <p:stCondLst>
+                                    <p:cond delay="0"/>
+                                  </p:stCondLst>
+                                  <p:childTnLst>
+                                    <p:animEffect transition="out" filter="fade">
+                                      <p:cBhvr>
+                                        <p:cTn id="22" dur="750" tmFilter="0, 0; .2, .5; .8, .5; 1, 0"/>
+                                        <p:tgtEl>
+                                          <p:spTgt spid="27"/>
+                                        </p:tgtEl>
+                                      </p:cBhvr>
+                                    </p:animEffect>
+                                    <p:animScale>
+                                      <p:cBhvr>
+                                        <p:cTn id="23" dur="375" autoRev="1" fill="hold"/>
+                                        <p:tgtEl>
+                                          <p:spTgt spid="27"/>
+                                        </p:tgtEl>
+                                      </p:cBhvr>
+                                      <p:by x="105000" y="105000"/>
+                                    </p:animScale>
+                                  </p:childTnLst>
+                                </p:cTn>
+                              </p:par>
+                            </p:childTnLst>
+                          </p:cTn>
+                        </p:par>
+                      </p:childTnLst>
+                    </p:cTn>
+                  </p:par>
+                </p:childTnLst>
+              </p:cTn>
+              <p:prevCondLst>
+                <p:cond evt="onPrev" delay="0">
+                  <p:tgtEl>
+                    <p:sldTgt/>
+                  </p:tgtEl>
+                </p:cond>
+              </p:prevCondLst>
+              <p:nextCondLst>
+                <p:cond evt="onNext" delay="0">
+                  <p:tgtEl>
+                    <p:sldTgt/>
+                  </p:tgtEl>
+                </p:cond>
+              </p:nextCondLst>
+            </p:seq>
+          </p:childTnLst>
+        </p:cTn>
+      </p:par>
+    </p:tnLst>
+  </p:timing>
+</p:sld>
+</file>
+
+<file path=ppt/slides/slide5.xml><?xml version="1.0" encoding="utf-8"?>
+<p:sld xmlns:a="http://schemas.openxmlformats.org/drawingml/2006/main" xmlns:r="http://schemas.openxmlformats.org/officeDocument/2006/relationships" xmlns:p="http://schemas.openxmlformats.org/presentationml/2006/main">
+  <p:cSld>
+    <p:spTree>
+      <p:nvGrpSpPr>
+        <p:cNvPr id="1" name=""/>
+        <p:cNvGrpSpPr/>
+        <p:nvPr/>
+      </p:nvGrpSpPr>
+      <p:grpSpPr>
+        <a:xfrm>
+          <a:off x="0" y="0"/>
+          <a:ext cx="0" cy="0"/>
+          <a:chOff x="0" y="0"/>
+          <a:chExt cx="0" cy="0"/>
+        </a:xfrm>
+      </p:grpSpPr>
+      <p:sp>
+        <p:nvSpPr>
+          <p:cNvPr id="16" name="Цилиндр 15"/>
+          <p:cNvSpPr/>
+          <p:nvPr/>
+        </p:nvSpPr>
+        <p:spPr>
+          <a:xfrm>
+            <a:off x="1403648" y="5661248"/>
+            <a:ext cx="4857719" cy="864096"/>
+          </a:xfrm>
+          <a:prstGeom prst="can">
+            <a:avLst>
+              <a:gd name="adj" fmla="val 19215"/>
+            </a:avLst>
+          </a:prstGeom>
+          <a:solidFill>
+            <a:schemeClr val="accent3">
+              <a:lumMod val="40000"/>
+              <a:lumOff val="60000"/>
+              <a:alpha val="15000"/>
+            </a:schemeClr>
+          </a:solidFill>
+          <a:ln>
+            <a:solidFill>
+              <a:schemeClr val="accent3"/>
+            </a:solidFill>
+          </a:ln>
+        </p:spPr>
+        <p:style>
+          <a:lnRef idx="2">
+            <a:schemeClr val="accent1">
+              <a:shade val="50000"/>
+            </a:schemeClr>
+          </a:lnRef>
+          <a:fillRef idx="1">
+            <a:schemeClr val="accent1"/>
+          </a:fillRef>
+          <a:effectRef idx="0">
+            <a:schemeClr val="accent1"/>
+          </a:effectRef>
+          <a:fontRef idx="minor">
+            <a:schemeClr val="lt1"/>
+          </a:fontRef>
+        </p:style>
+        <p:txBody>
+          <a:bodyPr rtlCol="0" anchor="t" anchorCtr="0"/>
+          <a:lstStyle/>
+          <a:p>
+            <a:pPr algn="ctr"/>
+            <a:r>
+              <a:rPr lang="ru-RU" dirty="0" smtClean="0">
+                <a:solidFill>
+                  <a:schemeClr val="tx1"/>
+                </a:solidFill>
+              </a:rPr>
+              <a:t>База данных</a:t>
+            </a:r>
+            <a:endParaRPr lang="ru-RU" dirty="0">
+              <a:solidFill>
+                <a:schemeClr val="tx1"/>
+              </a:solidFill>
+            </a:endParaRPr>
+          </a:p>
+        </p:txBody>
+      </p:sp>
+      <p:sp>
+        <p:nvSpPr>
+          <p:cNvPr id="3" name="Прямоугольник 2"/>
+          <p:cNvSpPr/>
+          <p:nvPr/>
+        </p:nvSpPr>
+        <p:spPr>
+          <a:xfrm>
+            <a:off x="187018" y="3204953"/>
+            <a:ext cx="8810374" cy="2382770"/>
+          </a:xfrm>
+          <a:prstGeom prst="rect">
+            <a:avLst/>
+          </a:prstGeom>
+          <a:solidFill>
+            <a:srgbClr val="00B0F0">
+              <a:alpha val="5000"/>
+            </a:srgbClr>
+          </a:solidFill>
+          <a:ln>
+            <a:solidFill>
+              <a:srgbClr val="00B0F0"/>
+            </a:solidFill>
+            <a:prstDash val="dash"/>
+          </a:ln>
+        </p:spPr>
+        <p:style>
+          <a:lnRef idx="2">
+            <a:schemeClr val="accent1">
+              <a:shade val="50000"/>
+            </a:schemeClr>
+          </a:lnRef>
+          <a:fillRef idx="1">
+            <a:schemeClr val="accent1"/>
+          </a:fillRef>
+          <a:effectRef idx="0">
+            <a:schemeClr val="accent1"/>
+          </a:effectRef>
+          <a:fontRef idx="minor">
+            <a:schemeClr val="lt1"/>
+          </a:fontRef>
+        </p:style>
+        <p:txBody>
+          <a:bodyPr rtlCol="0" anchor="t" anchorCtr="0"/>
+          <a:lstStyle/>
+          <a:p>
+            <a:r>
+              <a:rPr lang="ru-RU" b="1" dirty="0" smtClean="0">
+                <a:solidFill>
+                  <a:srgbClr val="00B0F0"/>
+                </a:solidFill>
+              </a:rPr>
+              <a:t>Сервер</a:t>
+            </a:r>
+            <a:endParaRPr lang="ru-RU" b="1" dirty="0">
+              <a:solidFill>
+                <a:srgbClr val="00B0F0"/>
+              </a:solidFill>
+            </a:endParaRPr>
+          </a:p>
+        </p:txBody>
+      </p:sp>
+      <p:sp>
+        <p:nvSpPr>
+          <p:cNvPr id="12" name="Прямоугольник 11"/>
+          <p:cNvSpPr/>
+          <p:nvPr/>
+        </p:nvSpPr>
+        <p:spPr>
+          <a:xfrm>
+            <a:off x="187018" y="587357"/>
+            <a:ext cx="8812654" cy="2534859"/>
+          </a:xfrm>
+          <a:prstGeom prst="rect">
+            <a:avLst/>
+          </a:prstGeom>
+          <a:solidFill>
+            <a:srgbClr val="FF0000">
+              <a:alpha val="8000"/>
+            </a:srgbClr>
+          </a:solidFill>
+          <a:ln>
+            <a:solidFill>
+              <a:srgbClr val="FF0000"/>
+            </a:solidFill>
+            <a:prstDash val="dash"/>
+          </a:ln>
+        </p:spPr>
+        <p:style>
+          <a:lnRef idx="2">
+            <a:schemeClr val="accent1">
+              <a:shade val="50000"/>
+            </a:schemeClr>
+          </a:lnRef>
+          <a:fillRef idx="1">
+            <a:schemeClr val="accent1"/>
+          </a:fillRef>
+          <a:effectRef idx="0">
+            <a:schemeClr val="accent1"/>
+          </a:effectRef>
+          <a:fontRef idx="minor">
+            <a:schemeClr val="lt1"/>
+          </a:fontRef>
+        </p:style>
+        <p:txBody>
+          <a:bodyPr rtlCol="0" anchor="t" anchorCtr="0"/>
+          <a:lstStyle/>
+          <a:p>
+            <a:r>
+              <a:rPr lang="ru-RU" b="1" dirty="0" smtClean="0">
+                <a:solidFill>
+                  <a:srgbClr val="C00000"/>
+                </a:solidFill>
+              </a:rPr>
+              <a:t>Клиент</a:t>
+            </a:r>
+            <a:endParaRPr lang="ru-RU" b="1" dirty="0">
+              <a:solidFill>
+                <a:srgbClr val="C00000"/>
+              </a:solidFill>
+            </a:endParaRPr>
+          </a:p>
+        </p:txBody>
+      </p:sp>
+      <p:sp>
+        <p:nvSpPr>
+          <p:cNvPr id="13" name="Блок-схема: альтернативный процесс 12"/>
+          <p:cNvSpPr/>
+          <p:nvPr/>
+        </p:nvSpPr>
+        <p:spPr>
+          <a:xfrm>
+            <a:off x="3518321" y="3301383"/>
+            <a:ext cx="2304256" cy="1008112"/>
+          </a:xfrm>
+          <a:prstGeom prst="flowChartAlternateProcess">
+            <a:avLst/>
+          </a:prstGeom>
+          <a:noFill/>
+          <a:ln w="38100"/>
+        </p:spPr>
+        <p:style>
+          <a:lnRef idx="2">
+            <a:schemeClr val="accent1">
+              <a:shade val="50000"/>
+            </a:schemeClr>
+          </a:lnRef>
+          <a:fillRef idx="1">
+            <a:schemeClr val="accent1"/>
+          </a:fillRef>
+          <a:effectRef idx="0">
+            <a:schemeClr val="accent1"/>
+          </a:effectRef>
+          <a:fontRef idx="minor">
+            <a:schemeClr val="lt1"/>
+          </a:fontRef>
+        </p:style>
+        <p:txBody>
+          <a:bodyPr rtlCol="0" anchor="ctr"/>
+          <a:lstStyle/>
+          <a:p>
+            <a:pPr algn="ctr"/>
+            <a:r>
+              <a:rPr lang="ru-RU" dirty="0" smtClean="0">
+                <a:solidFill>
+                  <a:schemeClr val="tx1"/>
+                </a:solidFill>
+              </a:rPr>
+              <a:t>Документ Объект</a:t>
+            </a:r>
+            <a:endParaRPr lang="ru-RU" dirty="0">
+              <a:solidFill>
+                <a:schemeClr val="tx1"/>
+              </a:solidFill>
+            </a:endParaRPr>
+          </a:p>
+        </p:txBody>
+      </p:sp>
+      <p:sp>
+        <p:nvSpPr>
+          <p:cNvPr id="19" name="Выноска 3 18"/>
+          <p:cNvSpPr/>
+          <p:nvPr/>
+        </p:nvSpPr>
+        <p:spPr>
+          <a:xfrm>
+            <a:off x="2942424" y="4444609"/>
+            <a:ext cx="1649781" cy="504000"/>
+          </a:xfrm>
+          <a:prstGeom prst="borderCallout3">
+            <a:avLst>
+              <a:gd name="adj1" fmla="val -11912"/>
+              <a:gd name="adj2" fmla="val 14468"/>
+              <a:gd name="adj3" fmla="val -82112"/>
+              <a:gd name="adj4" fmla="val -541"/>
+              <a:gd name="adj5" fmla="val -198615"/>
+              <a:gd name="adj6" fmla="val 16744"/>
+              <a:gd name="adj7" fmla="val -176688"/>
+              <a:gd name="adj8" fmla="val 54143"/>
+            </a:avLst>
+          </a:prstGeom>
+          <a:solidFill>
+            <a:schemeClr val="tx2">
+              <a:lumMod val="20000"/>
+              <a:lumOff val="80000"/>
+            </a:schemeClr>
+          </a:solidFill>
+          <a:ln w="15875">
+            <a:prstDash val="sysDot"/>
+            <a:tailEnd type="stealth"/>
+          </a:ln>
+        </p:spPr>
+        <p:style>
+          <a:lnRef idx="2">
+            <a:schemeClr val="accent1">
+              <a:shade val="50000"/>
+            </a:schemeClr>
+          </a:lnRef>
+          <a:fillRef idx="1">
+            <a:schemeClr val="accent1"/>
+          </a:fillRef>
+          <a:effectRef idx="0">
+            <a:schemeClr val="accent1"/>
+          </a:effectRef>
+          <a:fontRef idx="minor">
+            <a:schemeClr val="lt1"/>
+          </a:fontRef>
+        </p:style>
+        <p:txBody>
+          <a:bodyPr rtlCol="0" anchor="ctr"/>
+          <a:lstStyle/>
+          <a:p>
+            <a:pPr algn="ctr"/>
+            <a:r>
+              <a:rPr lang="ru-RU" dirty="0">
+                <a:solidFill>
+                  <a:schemeClr val="tx1"/>
+                </a:solidFill>
+              </a:rPr>
+              <a:t>Модуль </a:t>
+            </a:r>
+            <a:r>
+              <a:rPr lang="ru-RU" dirty="0" smtClean="0">
+                <a:solidFill>
+                  <a:schemeClr val="tx1"/>
+                </a:solidFill>
+              </a:rPr>
+              <a:t>объекта</a:t>
+            </a:r>
+            <a:endParaRPr lang="ru-RU" dirty="0">
+              <a:solidFill>
+                <a:schemeClr val="tx1"/>
+              </a:solidFill>
+            </a:endParaRPr>
+          </a:p>
+        </p:txBody>
+      </p:sp>
+      <p:cxnSp>
+        <p:nvCxnSpPr>
+          <p:cNvPr id="35" name="Прямая со стрелкой 34"/>
+          <p:cNvCxnSpPr/>
+          <p:nvPr/>
+        </p:nvCxnSpPr>
+        <p:spPr>
+          <a:xfrm flipH="1">
+            <a:off x="5364088" y="4338962"/>
+            <a:ext cx="11679" cy="1286956"/>
+          </a:xfrm>
+          <a:prstGeom prst="straightConnector1">
+            <a:avLst/>
+          </a:prstGeom>
+          <a:ln w="38100">
+            <a:solidFill>
+              <a:schemeClr val="tx2"/>
+            </a:solidFill>
+            <a:headEnd type="triangle" w="med" len="lg"/>
+            <a:tailEnd type="triangle" w="med" len="lg"/>
+          </a:ln>
+        </p:spPr>
+        <p:style>
+          <a:lnRef idx="1">
+            <a:schemeClr val="accent1"/>
+          </a:lnRef>
+          <a:fillRef idx="0">
+            <a:schemeClr val="accent1"/>
+          </a:fillRef>
+          <a:effectRef idx="0">
+            <a:schemeClr val="accent1"/>
+          </a:effectRef>
+          <a:fontRef idx="minor">
+            <a:schemeClr val="tx1"/>
+          </a:fontRef>
+        </p:style>
+      </p:cxnSp>
+    </p:spTree>
+    <p:extLst>
+      <p:ext uri="{BB962C8B-B14F-4D97-AF65-F5344CB8AC3E}">
+        <p14:creationId xmlns:p14="http://schemas.microsoft.com/office/powerpoint/2010/main" val="1335679440"/>
+      </p:ext>
+    </p:extLst>
+  </p:cSld>
+  <p:clrMapOvr>
+    <a:masterClrMapping/>
+  </p:clrMapOvr>
+  <mc:AlternateContent xmlns:mc="http://schemas.openxmlformats.org/markup-compatibility/2006" xmlns:p14="http://schemas.microsoft.com/office/powerpoint/2010/main">
+    <mc:Choice Requires="p14">
+      <p:transition spd="med" p14:dur="700">
+        <p:fade/>
+      </p:transition>
+    </mc:Choice>
+    <mc:Fallback xmlns="">
+      <p:transition spd="med">
+        <p:fade/>
+      </p:transition>
+    </mc:Fallback>
+  </mc:AlternateContent>
+  <p:timing>
+    <p:tnLst>
+      <p:par>
+        <p:cTn id="1" dur="indefinite" restart="never" nodeType="tmRoot"/>
+      </p:par>
+    </p:tnLst>
+  </p:timing>
+</p:sld>
+</file>
+
+<file path=ppt/slides/slide50.xml><?xml version="1.0" encoding="utf-8"?>
 <p:sld xmlns:a="http://schemas.openxmlformats.org/drawingml/2006/main" xmlns:r="http://schemas.openxmlformats.org/officeDocument/2006/relationships" xmlns:p="http://schemas.openxmlformats.org/presentationml/2006/main">
   <p:cSld>
     <p:spTree>
@@ -35045,7 +39756,7 @@
 </p:sld>
 </file>
 
-<file path=ppt/slides/slide47.xml><?xml version="1.0" encoding="utf-8"?>
+<file path=ppt/slides/slide51.xml><?xml version="1.0" encoding="utf-8"?>
 <p:sld xmlns:a="http://schemas.openxmlformats.org/drawingml/2006/main" xmlns:r="http://schemas.openxmlformats.org/officeDocument/2006/relationships" xmlns:p="http://schemas.openxmlformats.org/presentationml/2006/main">
   <p:cSld>
     <p:spTree>
@@ -35179,7 +39890,7 @@
 </p:sld>
 </file>
 
-<file path=ppt/slides/slide48.xml><?xml version="1.0" encoding="utf-8"?>
+<file path=ppt/slides/slide52.xml><?xml version="1.0" encoding="utf-8"?>
 <p:sld xmlns:a="http://schemas.openxmlformats.org/drawingml/2006/main" xmlns:r="http://schemas.openxmlformats.org/officeDocument/2006/relationships" xmlns:p="http://schemas.openxmlformats.org/presentationml/2006/main">
   <p:cSld>
     <p:spTree>
@@ -35316,7 +40027,7 @@
 </p:sld>
 </file>
 
-<file path=ppt/slides/slide49.xml><?xml version="1.0" encoding="utf-8"?>
+<file path=ppt/slides/slide53.xml><?xml version="1.0" encoding="utf-8"?>
 <p:sld xmlns:a="http://schemas.openxmlformats.org/drawingml/2006/main" xmlns:r="http://schemas.openxmlformats.org/officeDocument/2006/relationships" xmlns:p="http://schemas.openxmlformats.org/presentationml/2006/main">
   <p:cSld>
     <p:spTree>
@@ -35910,416 +40621,7 @@
 </p:sld>
 </file>
 
-<file path=ppt/slides/slide5.xml><?xml version="1.0" encoding="utf-8"?>
-<p:sld xmlns:a="http://schemas.openxmlformats.org/drawingml/2006/main" xmlns:r="http://schemas.openxmlformats.org/officeDocument/2006/relationships" xmlns:p="http://schemas.openxmlformats.org/presentationml/2006/main">
-  <p:cSld>
-    <p:spTree>
-      <p:nvGrpSpPr>
-        <p:cNvPr id="1" name=""/>
-        <p:cNvGrpSpPr/>
-        <p:nvPr/>
-      </p:nvGrpSpPr>
-      <p:grpSpPr>
-        <a:xfrm>
-          <a:off x="0" y="0"/>
-          <a:ext cx="0" cy="0"/>
-          <a:chOff x="0" y="0"/>
-          <a:chExt cx="0" cy="0"/>
-        </a:xfrm>
-      </p:grpSpPr>
-      <p:sp>
-        <p:nvSpPr>
-          <p:cNvPr id="16" name="Цилиндр 15"/>
-          <p:cNvSpPr/>
-          <p:nvPr/>
-        </p:nvSpPr>
-        <p:spPr>
-          <a:xfrm>
-            <a:off x="1403648" y="5661248"/>
-            <a:ext cx="4857719" cy="864096"/>
-          </a:xfrm>
-          <a:prstGeom prst="can">
-            <a:avLst>
-              <a:gd name="adj" fmla="val 19215"/>
-            </a:avLst>
-          </a:prstGeom>
-          <a:solidFill>
-            <a:schemeClr val="accent3">
-              <a:lumMod val="40000"/>
-              <a:lumOff val="60000"/>
-              <a:alpha val="15000"/>
-            </a:schemeClr>
-          </a:solidFill>
-          <a:ln>
-            <a:solidFill>
-              <a:schemeClr val="accent3"/>
-            </a:solidFill>
-          </a:ln>
-        </p:spPr>
-        <p:style>
-          <a:lnRef idx="2">
-            <a:schemeClr val="accent1">
-              <a:shade val="50000"/>
-            </a:schemeClr>
-          </a:lnRef>
-          <a:fillRef idx="1">
-            <a:schemeClr val="accent1"/>
-          </a:fillRef>
-          <a:effectRef idx="0">
-            <a:schemeClr val="accent1"/>
-          </a:effectRef>
-          <a:fontRef idx="minor">
-            <a:schemeClr val="lt1"/>
-          </a:fontRef>
-        </p:style>
-        <p:txBody>
-          <a:bodyPr rtlCol="0" anchor="t" anchorCtr="0"/>
-          <a:lstStyle/>
-          <a:p>
-            <a:pPr algn="ctr"/>
-            <a:r>
-              <a:rPr lang="ru-RU" dirty="0" smtClean="0">
-                <a:solidFill>
-                  <a:schemeClr val="tx1"/>
-                </a:solidFill>
-              </a:rPr>
-              <a:t>База данных</a:t>
-            </a:r>
-            <a:endParaRPr lang="ru-RU" dirty="0">
-              <a:solidFill>
-                <a:schemeClr val="tx1"/>
-              </a:solidFill>
-            </a:endParaRPr>
-          </a:p>
-        </p:txBody>
-      </p:sp>
-      <p:sp>
-        <p:nvSpPr>
-          <p:cNvPr id="3" name="Прямоугольник 2"/>
-          <p:cNvSpPr/>
-          <p:nvPr/>
-        </p:nvSpPr>
-        <p:spPr>
-          <a:xfrm>
-            <a:off x="187018" y="3204953"/>
-            <a:ext cx="8810374" cy="2382770"/>
-          </a:xfrm>
-          <a:prstGeom prst="rect">
-            <a:avLst/>
-          </a:prstGeom>
-          <a:solidFill>
-            <a:srgbClr val="00B0F0">
-              <a:alpha val="5000"/>
-            </a:srgbClr>
-          </a:solidFill>
-          <a:ln>
-            <a:solidFill>
-              <a:srgbClr val="00B0F0"/>
-            </a:solidFill>
-            <a:prstDash val="dash"/>
-          </a:ln>
-        </p:spPr>
-        <p:style>
-          <a:lnRef idx="2">
-            <a:schemeClr val="accent1">
-              <a:shade val="50000"/>
-            </a:schemeClr>
-          </a:lnRef>
-          <a:fillRef idx="1">
-            <a:schemeClr val="accent1"/>
-          </a:fillRef>
-          <a:effectRef idx="0">
-            <a:schemeClr val="accent1"/>
-          </a:effectRef>
-          <a:fontRef idx="minor">
-            <a:schemeClr val="lt1"/>
-          </a:fontRef>
-        </p:style>
-        <p:txBody>
-          <a:bodyPr rtlCol="0" anchor="t" anchorCtr="0"/>
-          <a:lstStyle/>
-          <a:p>
-            <a:r>
-              <a:rPr lang="ru-RU" b="1" dirty="0" smtClean="0">
-                <a:solidFill>
-                  <a:srgbClr val="00B0F0"/>
-                </a:solidFill>
-              </a:rPr>
-              <a:t>Сервер</a:t>
-            </a:r>
-            <a:endParaRPr lang="ru-RU" b="1" dirty="0">
-              <a:solidFill>
-                <a:srgbClr val="00B0F0"/>
-              </a:solidFill>
-            </a:endParaRPr>
-          </a:p>
-        </p:txBody>
-      </p:sp>
-      <p:sp>
-        <p:nvSpPr>
-          <p:cNvPr id="12" name="Прямоугольник 11"/>
-          <p:cNvSpPr/>
-          <p:nvPr/>
-        </p:nvSpPr>
-        <p:spPr>
-          <a:xfrm>
-            <a:off x="187018" y="587357"/>
-            <a:ext cx="8812654" cy="2534859"/>
-          </a:xfrm>
-          <a:prstGeom prst="rect">
-            <a:avLst/>
-          </a:prstGeom>
-          <a:solidFill>
-            <a:srgbClr val="FF0000">
-              <a:alpha val="8000"/>
-            </a:srgbClr>
-          </a:solidFill>
-          <a:ln>
-            <a:solidFill>
-              <a:srgbClr val="FF0000"/>
-            </a:solidFill>
-            <a:prstDash val="dash"/>
-          </a:ln>
-        </p:spPr>
-        <p:style>
-          <a:lnRef idx="2">
-            <a:schemeClr val="accent1">
-              <a:shade val="50000"/>
-            </a:schemeClr>
-          </a:lnRef>
-          <a:fillRef idx="1">
-            <a:schemeClr val="accent1"/>
-          </a:fillRef>
-          <a:effectRef idx="0">
-            <a:schemeClr val="accent1"/>
-          </a:effectRef>
-          <a:fontRef idx="minor">
-            <a:schemeClr val="lt1"/>
-          </a:fontRef>
-        </p:style>
-        <p:txBody>
-          <a:bodyPr rtlCol="0" anchor="t" anchorCtr="0"/>
-          <a:lstStyle/>
-          <a:p>
-            <a:r>
-              <a:rPr lang="ru-RU" b="1" dirty="0" smtClean="0">
-                <a:solidFill>
-                  <a:srgbClr val="C00000"/>
-                </a:solidFill>
-              </a:rPr>
-              <a:t>Клиент</a:t>
-            </a:r>
-            <a:endParaRPr lang="ru-RU" b="1" dirty="0">
-              <a:solidFill>
-                <a:srgbClr val="C00000"/>
-              </a:solidFill>
-            </a:endParaRPr>
-          </a:p>
-        </p:txBody>
-      </p:sp>
-      <p:sp>
-        <p:nvSpPr>
-          <p:cNvPr id="13" name="Блок-схема: альтернативный процесс 12"/>
-          <p:cNvSpPr/>
-          <p:nvPr/>
-        </p:nvSpPr>
-        <p:spPr>
-          <a:xfrm>
-            <a:off x="3518321" y="3301383"/>
-            <a:ext cx="2304256" cy="1008112"/>
-          </a:xfrm>
-          <a:prstGeom prst="flowChartAlternateProcess">
-            <a:avLst/>
-          </a:prstGeom>
-          <a:noFill/>
-          <a:ln w="38100"/>
-        </p:spPr>
-        <p:style>
-          <a:lnRef idx="2">
-            <a:schemeClr val="accent1">
-              <a:shade val="50000"/>
-            </a:schemeClr>
-          </a:lnRef>
-          <a:fillRef idx="1">
-            <a:schemeClr val="accent1"/>
-          </a:fillRef>
-          <a:effectRef idx="0">
-            <a:schemeClr val="accent1"/>
-          </a:effectRef>
-          <a:fontRef idx="minor">
-            <a:schemeClr val="lt1"/>
-          </a:fontRef>
-        </p:style>
-        <p:txBody>
-          <a:bodyPr rtlCol="0" anchor="ctr"/>
-          <a:lstStyle/>
-          <a:p>
-            <a:pPr algn="ctr"/>
-            <a:r>
-              <a:rPr lang="ru-RU" dirty="0" smtClean="0">
-                <a:solidFill>
-                  <a:schemeClr val="tx1"/>
-                </a:solidFill>
-              </a:rPr>
-              <a:t>Документ Объект</a:t>
-            </a:r>
-            <a:endParaRPr lang="ru-RU" dirty="0">
-              <a:solidFill>
-                <a:schemeClr val="tx1"/>
-              </a:solidFill>
-            </a:endParaRPr>
-          </a:p>
-        </p:txBody>
-      </p:sp>
-      <p:sp>
-        <p:nvSpPr>
-          <p:cNvPr id="19" name="Выноска 3 18"/>
-          <p:cNvSpPr/>
-          <p:nvPr/>
-        </p:nvSpPr>
-        <p:spPr>
-          <a:xfrm>
-            <a:off x="2942424" y="4444609"/>
-            <a:ext cx="1649781" cy="504000"/>
-          </a:xfrm>
-          <a:prstGeom prst="borderCallout3">
-            <a:avLst>
-              <a:gd name="adj1" fmla="val -11912"/>
-              <a:gd name="adj2" fmla="val 14468"/>
-              <a:gd name="adj3" fmla="val -82112"/>
-              <a:gd name="adj4" fmla="val -541"/>
-              <a:gd name="adj5" fmla="val -198615"/>
-              <a:gd name="adj6" fmla="val 16744"/>
-              <a:gd name="adj7" fmla="val -176688"/>
-              <a:gd name="adj8" fmla="val 54143"/>
-            </a:avLst>
-          </a:prstGeom>
-          <a:solidFill>
-            <a:schemeClr val="tx2">
-              <a:lumMod val="20000"/>
-              <a:lumOff val="80000"/>
-            </a:schemeClr>
-          </a:solidFill>
-          <a:ln w="15875">
-            <a:prstDash val="sysDot"/>
-            <a:tailEnd type="stealth"/>
-          </a:ln>
-        </p:spPr>
-        <p:style>
-          <a:lnRef idx="2">
-            <a:schemeClr val="accent1">
-              <a:shade val="50000"/>
-            </a:schemeClr>
-          </a:lnRef>
-          <a:fillRef idx="1">
-            <a:schemeClr val="accent1"/>
-          </a:fillRef>
-          <a:effectRef idx="0">
-            <a:schemeClr val="accent1"/>
-          </a:effectRef>
-          <a:fontRef idx="minor">
-            <a:schemeClr val="lt1"/>
-          </a:fontRef>
-        </p:style>
-        <p:txBody>
-          <a:bodyPr rtlCol="0" anchor="ctr"/>
-          <a:lstStyle/>
-          <a:p>
-            <a:pPr algn="ctr"/>
-            <a:r>
-              <a:rPr lang="ru-RU" dirty="0">
-                <a:solidFill>
-                  <a:schemeClr val="tx1"/>
-                </a:solidFill>
-              </a:rPr>
-              <a:t>Модуль </a:t>
-            </a:r>
-            <a:r>
-              <a:rPr lang="ru-RU" dirty="0" smtClean="0">
-                <a:solidFill>
-                  <a:schemeClr val="tx1"/>
-                </a:solidFill>
-              </a:rPr>
-              <a:t>объекта</a:t>
-            </a:r>
-            <a:endParaRPr lang="ru-RU" dirty="0">
-              <a:solidFill>
-                <a:schemeClr val="tx1"/>
-              </a:solidFill>
-            </a:endParaRPr>
-          </a:p>
-        </p:txBody>
-      </p:sp>
-      <p:cxnSp>
-        <p:nvCxnSpPr>
-          <p:cNvPr id="35" name="Прямая со стрелкой 34"/>
-          <p:cNvCxnSpPr/>
-          <p:nvPr/>
-        </p:nvCxnSpPr>
-        <p:spPr>
-          <a:xfrm flipH="1">
-            <a:off x="5364088" y="4338962"/>
-            <a:ext cx="11679" cy="1286956"/>
-          </a:xfrm>
-          <a:prstGeom prst="straightConnector1">
-            <a:avLst/>
-          </a:prstGeom>
-          <a:ln w="38100">
-            <a:solidFill>
-              <a:schemeClr val="tx2"/>
-            </a:solidFill>
-            <a:headEnd type="triangle" w="med" len="lg"/>
-            <a:tailEnd type="triangle" w="med" len="lg"/>
-          </a:ln>
-        </p:spPr>
-        <p:style>
-          <a:lnRef idx="1">
-            <a:schemeClr val="accent1"/>
-          </a:lnRef>
-          <a:fillRef idx="0">
-            <a:schemeClr val="accent1"/>
-          </a:fillRef>
-          <a:effectRef idx="0">
-            <a:schemeClr val="accent1"/>
-          </a:effectRef>
-          <a:fontRef idx="minor">
-            <a:schemeClr val="tx1"/>
-          </a:fontRef>
-        </p:style>
-      </p:cxnSp>
-    </p:spTree>
-    <p:extLst>
-      <p:ext uri="{BB962C8B-B14F-4D97-AF65-F5344CB8AC3E}">
-        <p14:creationId xmlns:p14="http://schemas.microsoft.com/office/powerpoint/2010/main" val="1335679440"/>
-      </p:ext>
-    </p:extLst>
-  </p:cSld>
-  <p:clrMapOvr>
-    <a:masterClrMapping/>
-  </p:clrMapOvr>
-  <mc:AlternateContent xmlns:mc="http://schemas.openxmlformats.org/markup-compatibility/2006" xmlns:p14="http://schemas.microsoft.com/office/powerpoint/2010/main">
-    <mc:Choice Requires="p14">
-      <p:transition spd="med" p14:dur="700">
-        <p:fade/>
-      </p:transition>
-    </mc:Choice>
-    <mc:Fallback xmlns="">
-      <p:transition spd="med">
-        <p:fade/>
-      </p:transition>
-    </mc:Fallback>
-  </mc:AlternateContent>
-  <p:timing>
-    <p:tnLst>
-      <p:par>
-        <p:cTn id="1" dur="indefinite" restart="never" nodeType="tmRoot"/>
-      </p:par>
-    </p:tnLst>
-  </p:timing>
-</p:sld>
-</file>
-
-<file path=ppt/slides/slide50.xml><?xml version="1.0" encoding="utf-8"?>
+<file path=ppt/slides/slide54.xml><?xml version="1.0" encoding="utf-8"?>
 <p:sld xmlns:a="http://schemas.openxmlformats.org/drawingml/2006/main" xmlns:r="http://schemas.openxmlformats.org/officeDocument/2006/relationships" xmlns:p="http://schemas.openxmlformats.org/presentationml/2006/main">
   <p:cSld>
     <p:spTree>
@@ -36480,7 +40782,7 @@
 </p:sld>
 </file>
 
-<file path=ppt/slides/slide51.xml><?xml version="1.0" encoding="utf-8"?>
+<file path=ppt/slides/slide55.xml><?xml version="1.0" encoding="utf-8"?>
 <p:sld xmlns:a="http://schemas.openxmlformats.org/drawingml/2006/main" xmlns:r="http://schemas.openxmlformats.org/officeDocument/2006/relationships" xmlns:p="http://schemas.openxmlformats.org/presentationml/2006/main">
   <p:cSld>
     <p:spTree>
@@ -37033,7 +41335,7 @@
 </p:sld>
 </file>
 
-<file path=ppt/slides/slide52.xml><?xml version="1.0" encoding="utf-8"?>
+<file path=ppt/slides/slide56.xml><?xml version="1.0" encoding="utf-8"?>
 <p:sld xmlns:a="http://schemas.openxmlformats.org/drawingml/2006/main" xmlns:r="http://schemas.openxmlformats.org/officeDocument/2006/relationships" xmlns:p="http://schemas.openxmlformats.org/presentationml/2006/main">
   <p:cSld>
     <p:spTree>
@@ -37586,7 +41888,7 @@
 </p:sld>
 </file>
 
-<file path=ppt/slides/slide53.xml><?xml version="1.0" encoding="utf-8"?>
+<file path=ppt/slides/slide57.xml><?xml version="1.0" encoding="utf-8"?>
 <p:sld xmlns:a="http://schemas.openxmlformats.org/drawingml/2006/main" xmlns:r="http://schemas.openxmlformats.org/officeDocument/2006/relationships" xmlns:p="http://schemas.openxmlformats.org/presentationml/2006/main">
   <p:cSld>
     <p:spTree>
@@ -37708,10 +42010,17 @@
   <p:clrMapOvr>
     <a:masterClrMapping/>
   </p:clrMapOvr>
+  <p:timing>
+    <p:tnLst>
+      <p:par>
+        <p:cTn id="1" dur="indefinite" restart="never" nodeType="tmRoot"/>
+      </p:par>
+    </p:tnLst>
+  </p:timing>
 </p:sld>
 </file>
 
-<file path=ppt/slides/slide54.xml><?xml version="1.0" encoding="utf-8"?>
+<file path=ppt/slides/slide58.xml><?xml version="1.0" encoding="utf-8"?>
 <p:sld xmlns:a="http://schemas.openxmlformats.org/drawingml/2006/main" xmlns:r="http://schemas.openxmlformats.org/officeDocument/2006/relationships" xmlns:p="http://schemas.openxmlformats.org/presentationml/2006/main">
   <p:cSld>
     <p:spTree>
@@ -38264,7 +42573,7 @@
 </p:sld>
 </file>
 
-<file path=ppt/slides/slide55.xml><?xml version="1.0" encoding="utf-8"?>
+<file path=ppt/slides/slide59.xml><?xml version="1.0" encoding="utf-8"?>
 <p:sld xmlns:a="http://schemas.openxmlformats.org/drawingml/2006/main" xmlns:r="http://schemas.openxmlformats.org/officeDocument/2006/relationships" xmlns:p="http://schemas.openxmlformats.org/presentationml/2006/main">
   <p:cSld>
     <p:spTree>
@@ -38795,7 +43104,579 @@
 </p:sld>
 </file>
 
-<file path=ppt/slides/slide56.xml><?xml version="1.0" encoding="utf-8"?>
+<file path=ppt/slides/slide6.xml><?xml version="1.0" encoding="utf-8"?>
+<p:sld xmlns:a="http://schemas.openxmlformats.org/drawingml/2006/main" xmlns:r="http://schemas.openxmlformats.org/officeDocument/2006/relationships" xmlns:p="http://schemas.openxmlformats.org/presentationml/2006/main">
+  <p:cSld>
+    <p:spTree>
+      <p:nvGrpSpPr>
+        <p:cNvPr id="1" name=""/>
+        <p:cNvGrpSpPr/>
+        <p:nvPr/>
+      </p:nvGrpSpPr>
+      <p:grpSpPr>
+        <a:xfrm>
+          <a:off x="0" y="0"/>
+          <a:ext cx="0" cy="0"/>
+          <a:chOff x="0" y="0"/>
+          <a:chExt cx="0" cy="0"/>
+        </a:xfrm>
+      </p:grpSpPr>
+      <p:sp>
+        <p:nvSpPr>
+          <p:cNvPr id="16" name="Цилиндр 15"/>
+          <p:cNvSpPr/>
+          <p:nvPr/>
+        </p:nvSpPr>
+        <p:spPr>
+          <a:xfrm>
+            <a:off x="1403648" y="5661248"/>
+            <a:ext cx="4857719" cy="864096"/>
+          </a:xfrm>
+          <a:prstGeom prst="can">
+            <a:avLst>
+              <a:gd name="adj" fmla="val 19215"/>
+            </a:avLst>
+          </a:prstGeom>
+          <a:solidFill>
+            <a:schemeClr val="accent3">
+              <a:lumMod val="40000"/>
+              <a:lumOff val="60000"/>
+              <a:alpha val="15000"/>
+            </a:schemeClr>
+          </a:solidFill>
+          <a:ln>
+            <a:solidFill>
+              <a:schemeClr val="accent3"/>
+            </a:solidFill>
+          </a:ln>
+        </p:spPr>
+        <p:style>
+          <a:lnRef idx="2">
+            <a:schemeClr val="accent1">
+              <a:shade val="50000"/>
+            </a:schemeClr>
+          </a:lnRef>
+          <a:fillRef idx="1">
+            <a:schemeClr val="accent1"/>
+          </a:fillRef>
+          <a:effectRef idx="0">
+            <a:schemeClr val="accent1"/>
+          </a:effectRef>
+          <a:fontRef idx="minor">
+            <a:schemeClr val="lt1"/>
+          </a:fontRef>
+        </p:style>
+        <p:txBody>
+          <a:bodyPr rtlCol="0" anchor="t" anchorCtr="0"/>
+          <a:lstStyle/>
+          <a:p>
+            <a:pPr algn="ctr"/>
+            <a:r>
+              <a:rPr lang="ru-RU" dirty="0" smtClean="0">
+                <a:solidFill>
+                  <a:schemeClr val="tx1"/>
+                </a:solidFill>
+              </a:rPr>
+              <a:t>База данных</a:t>
+            </a:r>
+            <a:endParaRPr lang="ru-RU" dirty="0">
+              <a:solidFill>
+                <a:schemeClr val="tx1"/>
+              </a:solidFill>
+            </a:endParaRPr>
+          </a:p>
+        </p:txBody>
+      </p:sp>
+      <p:sp>
+        <p:nvSpPr>
+          <p:cNvPr id="3" name="Прямоугольник 2"/>
+          <p:cNvSpPr/>
+          <p:nvPr/>
+        </p:nvSpPr>
+        <p:spPr>
+          <a:xfrm>
+            <a:off x="187018" y="3204953"/>
+            <a:ext cx="8810374" cy="2382770"/>
+          </a:xfrm>
+          <a:prstGeom prst="rect">
+            <a:avLst/>
+          </a:prstGeom>
+          <a:solidFill>
+            <a:srgbClr val="00B0F0">
+              <a:alpha val="5000"/>
+            </a:srgbClr>
+          </a:solidFill>
+          <a:ln>
+            <a:solidFill>
+              <a:srgbClr val="00B0F0"/>
+            </a:solidFill>
+            <a:prstDash val="dash"/>
+          </a:ln>
+        </p:spPr>
+        <p:style>
+          <a:lnRef idx="2">
+            <a:schemeClr val="accent1">
+              <a:shade val="50000"/>
+            </a:schemeClr>
+          </a:lnRef>
+          <a:fillRef idx="1">
+            <a:schemeClr val="accent1"/>
+          </a:fillRef>
+          <a:effectRef idx="0">
+            <a:schemeClr val="accent1"/>
+          </a:effectRef>
+          <a:fontRef idx="minor">
+            <a:schemeClr val="lt1"/>
+          </a:fontRef>
+        </p:style>
+        <p:txBody>
+          <a:bodyPr rtlCol="0" anchor="t" anchorCtr="0"/>
+          <a:lstStyle/>
+          <a:p>
+            <a:r>
+              <a:rPr lang="ru-RU" b="1" dirty="0" smtClean="0">
+                <a:solidFill>
+                  <a:srgbClr val="00B0F0"/>
+                </a:solidFill>
+              </a:rPr>
+              <a:t>Сервер</a:t>
+            </a:r>
+            <a:endParaRPr lang="ru-RU" b="1" dirty="0">
+              <a:solidFill>
+                <a:srgbClr val="00B0F0"/>
+              </a:solidFill>
+            </a:endParaRPr>
+          </a:p>
+        </p:txBody>
+      </p:sp>
+      <p:sp>
+        <p:nvSpPr>
+          <p:cNvPr id="12" name="Прямоугольник 11"/>
+          <p:cNvSpPr/>
+          <p:nvPr/>
+        </p:nvSpPr>
+        <p:spPr>
+          <a:xfrm>
+            <a:off x="187018" y="587357"/>
+            <a:ext cx="8812654" cy="2534859"/>
+          </a:xfrm>
+          <a:prstGeom prst="rect">
+            <a:avLst/>
+          </a:prstGeom>
+          <a:solidFill>
+            <a:srgbClr val="FF0000">
+              <a:alpha val="8000"/>
+            </a:srgbClr>
+          </a:solidFill>
+          <a:ln>
+            <a:solidFill>
+              <a:srgbClr val="FF0000"/>
+            </a:solidFill>
+            <a:prstDash val="dash"/>
+          </a:ln>
+        </p:spPr>
+        <p:style>
+          <a:lnRef idx="2">
+            <a:schemeClr val="accent1">
+              <a:shade val="50000"/>
+            </a:schemeClr>
+          </a:lnRef>
+          <a:fillRef idx="1">
+            <a:schemeClr val="accent1"/>
+          </a:fillRef>
+          <a:effectRef idx="0">
+            <a:schemeClr val="accent1"/>
+          </a:effectRef>
+          <a:fontRef idx="minor">
+            <a:schemeClr val="lt1"/>
+          </a:fontRef>
+        </p:style>
+        <p:txBody>
+          <a:bodyPr rtlCol="0" anchor="t" anchorCtr="0"/>
+          <a:lstStyle/>
+          <a:p>
+            <a:r>
+              <a:rPr lang="ru-RU" b="1" dirty="0" smtClean="0">
+                <a:solidFill>
+                  <a:srgbClr val="C00000"/>
+                </a:solidFill>
+              </a:rPr>
+              <a:t>Клиент</a:t>
+            </a:r>
+            <a:endParaRPr lang="ru-RU" b="1" dirty="0">
+              <a:solidFill>
+                <a:srgbClr val="C00000"/>
+              </a:solidFill>
+            </a:endParaRPr>
+          </a:p>
+        </p:txBody>
+      </p:sp>
+      <p:sp>
+        <p:nvSpPr>
+          <p:cNvPr id="13" name="Блок-схема: альтернативный процесс 12"/>
+          <p:cNvSpPr/>
+          <p:nvPr/>
+        </p:nvSpPr>
+        <p:spPr>
+          <a:xfrm>
+            <a:off x="3518321" y="3301383"/>
+            <a:ext cx="2304256" cy="1008112"/>
+          </a:xfrm>
+          <a:prstGeom prst="flowChartAlternateProcess">
+            <a:avLst/>
+          </a:prstGeom>
+          <a:noFill/>
+          <a:ln w="38100"/>
+        </p:spPr>
+        <p:style>
+          <a:lnRef idx="2">
+            <a:schemeClr val="accent1">
+              <a:shade val="50000"/>
+            </a:schemeClr>
+          </a:lnRef>
+          <a:fillRef idx="1">
+            <a:schemeClr val="accent1"/>
+          </a:fillRef>
+          <a:effectRef idx="0">
+            <a:schemeClr val="accent1"/>
+          </a:effectRef>
+          <a:fontRef idx="minor">
+            <a:schemeClr val="lt1"/>
+          </a:fontRef>
+        </p:style>
+        <p:txBody>
+          <a:bodyPr rtlCol="0" anchor="ctr"/>
+          <a:lstStyle/>
+          <a:p>
+            <a:pPr algn="ctr"/>
+            <a:r>
+              <a:rPr lang="ru-RU" dirty="0" smtClean="0">
+                <a:solidFill>
+                  <a:schemeClr val="tx1"/>
+                </a:solidFill>
+              </a:rPr>
+              <a:t>Документ Объект</a:t>
+            </a:r>
+            <a:endParaRPr lang="ru-RU" dirty="0">
+              <a:solidFill>
+                <a:schemeClr val="tx1"/>
+              </a:solidFill>
+            </a:endParaRPr>
+          </a:p>
+        </p:txBody>
+      </p:sp>
+      <p:sp>
+        <p:nvSpPr>
+          <p:cNvPr id="26" name="Блок-схема: альтернативный процесс 25"/>
+          <p:cNvSpPr/>
+          <p:nvPr/>
+        </p:nvSpPr>
+        <p:spPr>
+          <a:xfrm>
+            <a:off x="6516216" y="3284984"/>
+            <a:ext cx="2304256" cy="1008112"/>
+          </a:xfrm>
+          <a:prstGeom prst="flowChartAlternateProcess">
+            <a:avLst/>
+          </a:prstGeom>
+          <a:noFill/>
+          <a:ln w="38100"/>
+        </p:spPr>
+        <p:style>
+          <a:lnRef idx="2">
+            <a:schemeClr val="accent1">
+              <a:shade val="50000"/>
+            </a:schemeClr>
+          </a:lnRef>
+          <a:fillRef idx="1">
+            <a:schemeClr val="accent1"/>
+          </a:fillRef>
+          <a:effectRef idx="0">
+            <a:schemeClr val="accent1"/>
+          </a:effectRef>
+          <a:fontRef idx="minor">
+            <a:schemeClr val="lt1"/>
+          </a:fontRef>
+        </p:style>
+        <p:txBody>
+          <a:bodyPr rtlCol="0" anchor="ctr"/>
+          <a:lstStyle/>
+          <a:p>
+            <a:pPr algn="ctr"/>
+            <a:r>
+              <a:rPr lang="ru-RU" dirty="0" smtClean="0">
+                <a:solidFill>
+                  <a:schemeClr val="tx1"/>
+                </a:solidFill>
+              </a:rPr>
+              <a:t>Форма клиентского приложения</a:t>
+            </a:r>
+            <a:br>
+              <a:rPr lang="ru-RU" dirty="0" smtClean="0">
+                <a:solidFill>
+                  <a:schemeClr val="tx1"/>
+                </a:solidFill>
+              </a:rPr>
+            </a:br>
+            <a:r>
+              <a:rPr lang="ru-RU" dirty="0" smtClean="0">
+                <a:solidFill>
+                  <a:schemeClr val="tx1"/>
+                </a:solidFill>
+              </a:rPr>
+              <a:t> (на сервере)</a:t>
+            </a:r>
+            <a:endParaRPr lang="ru-RU" dirty="0">
+              <a:solidFill>
+                <a:schemeClr val="tx1"/>
+              </a:solidFill>
+            </a:endParaRPr>
+          </a:p>
+        </p:txBody>
+      </p:sp>
+      <p:sp>
+        <p:nvSpPr>
+          <p:cNvPr id="37" name="Выноска 3 36"/>
+          <p:cNvSpPr/>
+          <p:nvPr/>
+        </p:nvSpPr>
+        <p:spPr>
+          <a:xfrm>
+            <a:off x="6532021" y="4350084"/>
+            <a:ext cx="1728192" cy="504000"/>
+          </a:xfrm>
+          <a:prstGeom prst="borderCallout3">
+            <a:avLst>
+              <a:gd name="adj1" fmla="val 18750"/>
+              <a:gd name="adj2" fmla="val -8333"/>
+              <a:gd name="adj3" fmla="val 18750"/>
+              <a:gd name="adj4" fmla="val -16667"/>
+              <a:gd name="adj5" fmla="val -47795"/>
+              <a:gd name="adj6" fmla="val -17677"/>
+              <a:gd name="adj7" fmla="val -72169"/>
+              <a:gd name="adj8" fmla="val 13874"/>
+            </a:avLst>
+          </a:prstGeom>
+          <a:solidFill>
+            <a:schemeClr val="tx2">
+              <a:lumMod val="20000"/>
+              <a:lumOff val="80000"/>
+            </a:schemeClr>
+          </a:solidFill>
+          <a:ln w="15875">
+            <a:prstDash val="sysDot"/>
+            <a:tailEnd type="stealth"/>
+          </a:ln>
+        </p:spPr>
+        <p:style>
+          <a:lnRef idx="2">
+            <a:schemeClr val="accent1">
+              <a:shade val="50000"/>
+            </a:schemeClr>
+          </a:lnRef>
+          <a:fillRef idx="1">
+            <a:schemeClr val="accent1"/>
+          </a:fillRef>
+          <a:effectRef idx="0">
+            <a:schemeClr val="accent1"/>
+          </a:effectRef>
+          <a:fontRef idx="minor">
+            <a:schemeClr val="lt1"/>
+          </a:fontRef>
+        </p:style>
+        <p:txBody>
+          <a:bodyPr rtlCol="0" anchor="ctr"/>
+          <a:lstStyle/>
+          <a:p>
+            <a:pPr algn="ctr"/>
+            <a:r>
+              <a:rPr lang="ru-RU" dirty="0">
+                <a:solidFill>
+                  <a:schemeClr val="tx1"/>
+                </a:solidFill>
+              </a:rPr>
+              <a:t>Модуль формы</a:t>
+            </a:r>
+            <a:br>
+              <a:rPr lang="ru-RU" dirty="0">
+                <a:solidFill>
+                  <a:schemeClr val="tx1"/>
+                </a:solidFill>
+              </a:rPr>
+            </a:br>
+            <a:r>
+              <a:rPr lang="ru-RU" dirty="0">
+                <a:solidFill>
+                  <a:schemeClr val="tx1"/>
+                </a:solidFill>
+              </a:rPr>
+              <a:t>&amp;На </a:t>
+            </a:r>
+            <a:r>
+              <a:rPr lang="ru-RU" dirty="0" smtClean="0">
+                <a:solidFill>
+                  <a:schemeClr val="tx1"/>
+                </a:solidFill>
+              </a:rPr>
+              <a:t>Сервере</a:t>
+            </a:r>
+            <a:endParaRPr lang="ru-RU" dirty="0">
+              <a:solidFill>
+                <a:schemeClr val="tx1"/>
+              </a:solidFill>
+            </a:endParaRPr>
+          </a:p>
+        </p:txBody>
+      </p:sp>
+      <p:sp>
+        <p:nvSpPr>
+          <p:cNvPr id="19" name="Выноска 3 18"/>
+          <p:cNvSpPr/>
+          <p:nvPr/>
+        </p:nvSpPr>
+        <p:spPr>
+          <a:xfrm>
+            <a:off x="2942424" y="4444609"/>
+            <a:ext cx="1649781" cy="504000"/>
+          </a:xfrm>
+          <a:prstGeom prst="borderCallout3">
+            <a:avLst>
+              <a:gd name="adj1" fmla="val -11912"/>
+              <a:gd name="adj2" fmla="val 14468"/>
+              <a:gd name="adj3" fmla="val -82112"/>
+              <a:gd name="adj4" fmla="val -541"/>
+              <a:gd name="adj5" fmla="val -198615"/>
+              <a:gd name="adj6" fmla="val 16744"/>
+              <a:gd name="adj7" fmla="val -176688"/>
+              <a:gd name="adj8" fmla="val 54143"/>
+            </a:avLst>
+          </a:prstGeom>
+          <a:solidFill>
+            <a:schemeClr val="tx2">
+              <a:lumMod val="20000"/>
+              <a:lumOff val="80000"/>
+            </a:schemeClr>
+          </a:solidFill>
+          <a:ln w="15875">
+            <a:prstDash val="sysDot"/>
+            <a:tailEnd type="stealth"/>
+          </a:ln>
+        </p:spPr>
+        <p:style>
+          <a:lnRef idx="2">
+            <a:schemeClr val="accent1">
+              <a:shade val="50000"/>
+            </a:schemeClr>
+          </a:lnRef>
+          <a:fillRef idx="1">
+            <a:schemeClr val="accent1"/>
+          </a:fillRef>
+          <a:effectRef idx="0">
+            <a:schemeClr val="accent1"/>
+          </a:effectRef>
+          <a:fontRef idx="minor">
+            <a:schemeClr val="lt1"/>
+          </a:fontRef>
+        </p:style>
+        <p:txBody>
+          <a:bodyPr rtlCol="0" anchor="ctr"/>
+          <a:lstStyle/>
+          <a:p>
+            <a:pPr algn="ctr"/>
+            <a:r>
+              <a:rPr lang="ru-RU" dirty="0">
+                <a:solidFill>
+                  <a:schemeClr val="tx1"/>
+                </a:solidFill>
+              </a:rPr>
+              <a:t>Модуль </a:t>
+            </a:r>
+            <a:r>
+              <a:rPr lang="ru-RU" dirty="0" smtClean="0">
+                <a:solidFill>
+                  <a:schemeClr val="tx1"/>
+                </a:solidFill>
+              </a:rPr>
+              <a:t>объекта</a:t>
+            </a:r>
+            <a:endParaRPr lang="ru-RU" dirty="0">
+              <a:solidFill>
+                <a:schemeClr val="tx1"/>
+              </a:solidFill>
+            </a:endParaRPr>
+          </a:p>
+        </p:txBody>
+      </p:sp>
+      <p:cxnSp>
+        <p:nvCxnSpPr>
+          <p:cNvPr id="34" name="Прямая со стрелкой 33"/>
+          <p:cNvCxnSpPr/>
+          <p:nvPr/>
+        </p:nvCxnSpPr>
+        <p:spPr>
+          <a:xfrm>
+            <a:off x="5868144" y="3429000"/>
+            <a:ext cx="602505" cy="0"/>
+          </a:xfrm>
+          <a:prstGeom prst="straightConnector1">
+            <a:avLst/>
+          </a:prstGeom>
+          <a:ln w="38100">
+            <a:solidFill>
+              <a:schemeClr val="tx2"/>
+            </a:solidFill>
+            <a:headEnd type="triangle" w="med" len="lg"/>
+            <a:tailEnd type="triangle" w="med" len="lg"/>
+          </a:ln>
+        </p:spPr>
+        <p:style>
+          <a:lnRef idx="1">
+            <a:schemeClr val="accent1"/>
+          </a:lnRef>
+          <a:fillRef idx="0">
+            <a:schemeClr val="accent1"/>
+          </a:fillRef>
+          <a:effectRef idx="0">
+            <a:schemeClr val="accent1"/>
+          </a:effectRef>
+          <a:fontRef idx="minor">
+            <a:schemeClr val="tx1"/>
+          </a:fontRef>
+        </p:style>
+      </p:cxnSp>
+    </p:spTree>
+    <p:extLst>
+      <p:ext uri="{BB962C8B-B14F-4D97-AF65-F5344CB8AC3E}">
+        <p14:creationId xmlns:p14="http://schemas.microsoft.com/office/powerpoint/2010/main" val="2544808457"/>
+      </p:ext>
+    </p:extLst>
+  </p:cSld>
+  <p:clrMapOvr>
+    <a:masterClrMapping/>
+  </p:clrMapOvr>
+  <mc:AlternateContent xmlns:mc="http://schemas.openxmlformats.org/markup-compatibility/2006" xmlns:p14="http://schemas.microsoft.com/office/powerpoint/2010/main">
+    <mc:Choice Requires="p14">
+      <p:transition spd="med" p14:dur="700">
+        <p:fade/>
+      </p:transition>
+    </mc:Choice>
+    <mc:Fallback xmlns="">
+      <p:transition spd="med">
+        <p:fade/>
+      </p:transition>
+    </mc:Fallback>
+  </mc:AlternateContent>
+  <p:timing>
+    <p:tnLst>
+      <p:par>
+        <p:cTn id="1" dur="indefinite" restart="never" nodeType="tmRoot"/>
+      </p:par>
+    </p:tnLst>
+  </p:timing>
+</p:sld>
+</file>
+
+<file path=ppt/slides/slide60.xml><?xml version="1.0" encoding="utf-8"?>
 <p:sld xmlns:a="http://schemas.openxmlformats.org/drawingml/2006/main" xmlns:r="http://schemas.openxmlformats.org/officeDocument/2006/relationships" xmlns:p="http://schemas.openxmlformats.org/presentationml/2006/main">
   <p:cSld>
     <p:spTree>
@@ -39244,6 +44125,38 @@
           </a:extLst>
         </p:spPr>
       </p:pic>
+      <p:sp>
+        <p:nvSpPr>
+          <p:cNvPr id="3" name="TextBox 2"/>
+          <p:cNvSpPr txBox="1"/>
+          <p:nvPr/>
+        </p:nvSpPr>
+        <p:spPr>
+          <a:xfrm>
+            <a:off x="2267744" y="6210752"/>
+            <a:ext cx="3528392" cy="369332"/>
+          </a:xfrm>
+          <a:prstGeom prst="rect">
+            <a:avLst/>
+          </a:prstGeom>
+          <a:noFill/>
+        </p:spPr>
+        <p:txBody>
+          <a:bodyPr wrap="square" rtlCol="0">
+            <a:spAutoFit/>
+          </a:bodyPr>
+          <a:lstStyle/>
+          <a:p>
+            <a:r>
+              <a:rPr lang="ru-RU" dirty="0" smtClean="0">
+                <a:hlinkClick r:id="rId6" action="ppaction://hlinksldjump"/>
+              </a:rPr>
+              <a:t>Вернуться на предыдущий слайд</a:t>
+            </a:r>
+            <a:endParaRPr lang="ru-RU" dirty="0"/>
+          </a:p>
+        </p:txBody>
+      </p:sp>
     </p:spTree>
     <p:extLst>
       <p:ext uri="{BB962C8B-B14F-4D97-AF65-F5344CB8AC3E}">
@@ -39594,7 +44507,7 @@
 </p:sld>
 </file>
 
-<file path=ppt/slides/slide57.xml><?xml version="1.0" encoding="utf-8"?>
+<file path=ppt/slides/slide61.xml><?xml version="1.0" encoding="utf-8"?>
 <p:sld xmlns:a="http://schemas.openxmlformats.org/drawingml/2006/main" xmlns:r="http://schemas.openxmlformats.org/officeDocument/2006/relationships" xmlns:p="http://schemas.openxmlformats.org/presentationml/2006/main">
   <p:cSld>
     <p:spTree>
@@ -39665,10 +44578,17 @@
   <p:clrMapOvr>
     <a:masterClrMapping/>
   </p:clrMapOvr>
+  <p:timing>
+    <p:tnLst>
+      <p:par>
+        <p:cTn id="1" dur="indefinite" restart="never" nodeType="tmRoot"/>
+      </p:par>
+    </p:tnLst>
+  </p:timing>
 </p:sld>
 </file>
 
-<file path=ppt/slides/slide58.xml><?xml version="1.0" encoding="utf-8"?>
+<file path=ppt/slides/slide62.xml><?xml version="1.0" encoding="utf-8"?>
 <p:sld xmlns:a="http://schemas.openxmlformats.org/drawingml/2006/main" xmlns:r="http://schemas.openxmlformats.org/officeDocument/2006/relationships" xmlns:p="http://schemas.openxmlformats.org/presentationml/2006/main">
   <p:cSld>
     <p:spTree>
@@ -40544,7 +45464,7 @@
 </p:sld>
 </file>
 
-<file path=ppt/slides/slide59.xml><?xml version="1.0" encoding="utf-8"?>
+<file path=ppt/slides/slide63.xml><?xml version="1.0" encoding="utf-8"?>
 <p:sld xmlns:a="http://schemas.openxmlformats.org/drawingml/2006/main" xmlns:r="http://schemas.openxmlformats.org/officeDocument/2006/relationships" xmlns:p="http://schemas.openxmlformats.org/presentationml/2006/main">
   <p:cSld>
     <p:spTree>
@@ -40671,579 +45591,7 @@
 </p:sld>
 </file>
 
-<file path=ppt/slides/slide6.xml><?xml version="1.0" encoding="utf-8"?>
-<p:sld xmlns:a="http://schemas.openxmlformats.org/drawingml/2006/main" xmlns:r="http://schemas.openxmlformats.org/officeDocument/2006/relationships" xmlns:p="http://schemas.openxmlformats.org/presentationml/2006/main">
-  <p:cSld>
-    <p:spTree>
-      <p:nvGrpSpPr>
-        <p:cNvPr id="1" name=""/>
-        <p:cNvGrpSpPr/>
-        <p:nvPr/>
-      </p:nvGrpSpPr>
-      <p:grpSpPr>
-        <a:xfrm>
-          <a:off x="0" y="0"/>
-          <a:ext cx="0" cy="0"/>
-          <a:chOff x="0" y="0"/>
-          <a:chExt cx="0" cy="0"/>
-        </a:xfrm>
-      </p:grpSpPr>
-      <p:sp>
-        <p:nvSpPr>
-          <p:cNvPr id="16" name="Цилиндр 15"/>
-          <p:cNvSpPr/>
-          <p:nvPr/>
-        </p:nvSpPr>
-        <p:spPr>
-          <a:xfrm>
-            <a:off x="1403648" y="5661248"/>
-            <a:ext cx="4857719" cy="864096"/>
-          </a:xfrm>
-          <a:prstGeom prst="can">
-            <a:avLst>
-              <a:gd name="adj" fmla="val 19215"/>
-            </a:avLst>
-          </a:prstGeom>
-          <a:solidFill>
-            <a:schemeClr val="accent3">
-              <a:lumMod val="40000"/>
-              <a:lumOff val="60000"/>
-              <a:alpha val="15000"/>
-            </a:schemeClr>
-          </a:solidFill>
-          <a:ln>
-            <a:solidFill>
-              <a:schemeClr val="accent3"/>
-            </a:solidFill>
-          </a:ln>
-        </p:spPr>
-        <p:style>
-          <a:lnRef idx="2">
-            <a:schemeClr val="accent1">
-              <a:shade val="50000"/>
-            </a:schemeClr>
-          </a:lnRef>
-          <a:fillRef idx="1">
-            <a:schemeClr val="accent1"/>
-          </a:fillRef>
-          <a:effectRef idx="0">
-            <a:schemeClr val="accent1"/>
-          </a:effectRef>
-          <a:fontRef idx="minor">
-            <a:schemeClr val="lt1"/>
-          </a:fontRef>
-        </p:style>
-        <p:txBody>
-          <a:bodyPr rtlCol="0" anchor="t" anchorCtr="0"/>
-          <a:lstStyle/>
-          <a:p>
-            <a:pPr algn="ctr"/>
-            <a:r>
-              <a:rPr lang="ru-RU" dirty="0" smtClean="0">
-                <a:solidFill>
-                  <a:schemeClr val="tx1"/>
-                </a:solidFill>
-              </a:rPr>
-              <a:t>База данных</a:t>
-            </a:r>
-            <a:endParaRPr lang="ru-RU" dirty="0">
-              <a:solidFill>
-                <a:schemeClr val="tx1"/>
-              </a:solidFill>
-            </a:endParaRPr>
-          </a:p>
-        </p:txBody>
-      </p:sp>
-      <p:sp>
-        <p:nvSpPr>
-          <p:cNvPr id="3" name="Прямоугольник 2"/>
-          <p:cNvSpPr/>
-          <p:nvPr/>
-        </p:nvSpPr>
-        <p:spPr>
-          <a:xfrm>
-            <a:off x="187018" y="3204953"/>
-            <a:ext cx="8810374" cy="2382770"/>
-          </a:xfrm>
-          <a:prstGeom prst="rect">
-            <a:avLst/>
-          </a:prstGeom>
-          <a:solidFill>
-            <a:srgbClr val="00B0F0">
-              <a:alpha val="5000"/>
-            </a:srgbClr>
-          </a:solidFill>
-          <a:ln>
-            <a:solidFill>
-              <a:srgbClr val="00B0F0"/>
-            </a:solidFill>
-            <a:prstDash val="dash"/>
-          </a:ln>
-        </p:spPr>
-        <p:style>
-          <a:lnRef idx="2">
-            <a:schemeClr val="accent1">
-              <a:shade val="50000"/>
-            </a:schemeClr>
-          </a:lnRef>
-          <a:fillRef idx="1">
-            <a:schemeClr val="accent1"/>
-          </a:fillRef>
-          <a:effectRef idx="0">
-            <a:schemeClr val="accent1"/>
-          </a:effectRef>
-          <a:fontRef idx="minor">
-            <a:schemeClr val="lt1"/>
-          </a:fontRef>
-        </p:style>
-        <p:txBody>
-          <a:bodyPr rtlCol="0" anchor="t" anchorCtr="0"/>
-          <a:lstStyle/>
-          <a:p>
-            <a:r>
-              <a:rPr lang="ru-RU" b="1" dirty="0" smtClean="0">
-                <a:solidFill>
-                  <a:srgbClr val="00B0F0"/>
-                </a:solidFill>
-              </a:rPr>
-              <a:t>Сервер</a:t>
-            </a:r>
-            <a:endParaRPr lang="ru-RU" b="1" dirty="0">
-              <a:solidFill>
-                <a:srgbClr val="00B0F0"/>
-              </a:solidFill>
-            </a:endParaRPr>
-          </a:p>
-        </p:txBody>
-      </p:sp>
-      <p:sp>
-        <p:nvSpPr>
-          <p:cNvPr id="12" name="Прямоугольник 11"/>
-          <p:cNvSpPr/>
-          <p:nvPr/>
-        </p:nvSpPr>
-        <p:spPr>
-          <a:xfrm>
-            <a:off x="187018" y="587357"/>
-            <a:ext cx="8812654" cy="2534859"/>
-          </a:xfrm>
-          <a:prstGeom prst="rect">
-            <a:avLst/>
-          </a:prstGeom>
-          <a:solidFill>
-            <a:srgbClr val="FF0000">
-              <a:alpha val="8000"/>
-            </a:srgbClr>
-          </a:solidFill>
-          <a:ln>
-            <a:solidFill>
-              <a:srgbClr val="FF0000"/>
-            </a:solidFill>
-            <a:prstDash val="dash"/>
-          </a:ln>
-        </p:spPr>
-        <p:style>
-          <a:lnRef idx="2">
-            <a:schemeClr val="accent1">
-              <a:shade val="50000"/>
-            </a:schemeClr>
-          </a:lnRef>
-          <a:fillRef idx="1">
-            <a:schemeClr val="accent1"/>
-          </a:fillRef>
-          <a:effectRef idx="0">
-            <a:schemeClr val="accent1"/>
-          </a:effectRef>
-          <a:fontRef idx="minor">
-            <a:schemeClr val="lt1"/>
-          </a:fontRef>
-        </p:style>
-        <p:txBody>
-          <a:bodyPr rtlCol="0" anchor="t" anchorCtr="0"/>
-          <a:lstStyle/>
-          <a:p>
-            <a:r>
-              <a:rPr lang="ru-RU" b="1" dirty="0" smtClean="0">
-                <a:solidFill>
-                  <a:srgbClr val="C00000"/>
-                </a:solidFill>
-              </a:rPr>
-              <a:t>Клиент</a:t>
-            </a:r>
-            <a:endParaRPr lang="ru-RU" b="1" dirty="0">
-              <a:solidFill>
-                <a:srgbClr val="C00000"/>
-              </a:solidFill>
-            </a:endParaRPr>
-          </a:p>
-        </p:txBody>
-      </p:sp>
-      <p:sp>
-        <p:nvSpPr>
-          <p:cNvPr id="13" name="Блок-схема: альтернативный процесс 12"/>
-          <p:cNvSpPr/>
-          <p:nvPr/>
-        </p:nvSpPr>
-        <p:spPr>
-          <a:xfrm>
-            <a:off x="3518321" y="3301383"/>
-            <a:ext cx="2304256" cy="1008112"/>
-          </a:xfrm>
-          <a:prstGeom prst="flowChartAlternateProcess">
-            <a:avLst/>
-          </a:prstGeom>
-          <a:noFill/>
-          <a:ln w="38100"/>
-        </p:spPr>
-        <p:style>
-          <a:lnRef idx="2">
-            <a:schemeClr val="accent1">
-              <a:shade val="50000"/>
-            </a:schemeClr>
-          </a:lnRef>
-          <a:fillRef idx="1">
-            <a:schemeClr val="accent1"/>
-          </a:fillRef>
-          <a:effectRef idx="0">
-            <a:schemeClr val="accent1"/>
-          </a:effectRef>
-          <a:fontRef idx="minor">
-            <a:schemeClr val="lt1"/>
-          </a:fontRef>
-        </p:style>
-        <p:txBody>
-          <a:bodyPr rtlCol="0" anchor="ctr"/>
-          <a:lstStyle/>
-          <a:p>
-            <a:pPr algn="ctr"/>
-            <a:r>
-              <a:rPr lang="ru-RU" dirty="0" smtClean="0">
-                <a:solidFill>
-                  <a:schemeClr val="tx1"/>
-                </a:solidFill>
-              </a:rPr>
-              <a:t>Документ Объект</a:t>
-            </a:r>
-            <a:endParaRPr lang="ru-RU" dirty="0">
-              <a:solidFill>
-                <a:schemeClr val="tx1"/>
-              </a:solidFill>
-            </a:endParaRPr>
-          </a:p>
-        </p:txBody>
-      </p:sp>
-      <p:sp>
-        <p:nvSpPr>
-          <p:cNvPr id="26" name="Блок-схема: альтернативный процесс 25"/>
-          <p:cNvSpPr/>
-          <p:nvPr/>
-        </p:nvSpPr>
-        <p:spPr>
-          <a:xfrm>
-            <a:off x="6516216" y="3284984"/>
-            <a:ext cx="2304256" cy="1008112"/>
-          </a:xfrm>
-          <a:prstGeom prst="flowChartAlternateProcess">
-            <a:avLst/>
-          </a:prstGeom>
-          <a:noFill/>
-          <a:ln w="38100"/>
-        </p:spPr>
-        <p:style>
-          <a:lnRef idx="2">
-            <a:schemeClr val="accent1">
-              <a:shade val="50000"/>
-            </a:schemeClr>
-          </a:lnRef>
-          <a:fillRef idx="1">
-            <a:schemeClr val="accent1"/>
-          </a:fillRef>
-          <a:effectRef idx="0">
-            <a:schemeClr val="accent1"/>
-          </a:effectRef>
-          <a:fontRef idx="minor">
-            <a:schemeClr val="lt1"/>
-          </a:fontRef>
-        </p:style>
-        <p:txBody>
-          <a:bodyPr rtlCol="0" anchor="ctr"/>
-          <a:lstStyle/>
-          <a:p>
-            <a:pPr algn="ctr"/>
-            <a:r>
-              <a:rPr lang="ru-RU" dirty="0" smtClean="0">
-                <a:solidFill>
-                  <a:schemeClr val="tx1"/>
-                </a:solidFill>
-              </a:rPr>
-              <a:t>Форма клиентского приложения</a:t>
-            </a:r>
-            <a:br>
-              <a:rPr lang="ru-RU" dirty="0" smtClean="0">
-                <a:solidFill>
-                  <a:schemeClr val="tx1"/>
-                </a:solidFill>
-              </a:rPr>
-            </a:br>
-            <a:r>
-              <a:rPr lang="ru-RU" dirty="0" smtClean="0">
-                <a:solidFill>
-                  <a:schemeClr val="tx1"/>
-                </a:solidFill>
-              </a:rPr>
-              <a:t> (на сервере)</a:t>
-            </a:r>
-            <a:endParaRPr lang="ru-RU" dirty="0">
-              <a:solidFill>
-                <a:schemeClr val="tx1"/>
-              </a:solidFill>
-            </a:endParaRPr>
-          </a:p>
-        </p:txBody>
-      </p:sp>
-      <p:sp>
-        <p:nvSpPr>
-          <p:cNvPr id="37" name="Выноска 3 36"/>
-          <p:cNvSpPr/>
-          <p:nvPr/>
-        </p:nvSpPr>
-        <p:spPr>
-          <a:xfrm>
-            <a:off x="6532021" y="4350084"/>
-            <a:ext cx="1728192" cy="504000"/>
-          </a:xfrm>
-          <a:prstGeom prst="borderCallout3">
-            <a:avLst>
-              <a:gd name="adj1" fmla="val 18750"/>
-              <a:gd name="adj2" fmla="val -8333"/>
-              <a:gd name="adj3" fmla="val 18750"/>
-              <a:gd name="adj4" fmla="val -16667"/>
-              <a:gd name="adj5" fmla="val -47795"/>
-              <a:gd name="adj6" fmla="val -17677"/>
-              <a:gd name="adj7" fmla="val -72169"/>
-              <a:gd name="adj8" fmla="val 13874"/>
-            </a:avLst>
-          </a:prstGeom>
-          <a:solidFill>
-            <a:schemeClr val="tx2">
-              <a:lumMod val="20000"/>
-              <a:lumOff val="80000"/>
-            </a:schemeClr>
-          </a:solidFill>
-          <a:ln w="15875">
-            <a:prstDash val="sysDot"/>
-            <a:tailEnd type="stealth"/>
-          </a:ln>
-        </p:spPr>
-        <p:style>
-          <a:lnRef idx="2">
-            <a:schemeClr val="accent1">
-              <a:shade val="50000"/>
-            </a:schemeClr>
-          </a:lnRef>
-          <a:fillRef idx="1">
-            <a:schemeClr val="accent1"/>
-          </a:fillRef>
-          <a:effectRef idx="0">
-            <a:schemeClr val="accent1"/>
-          </a:effectRef>
-          <a:fontRef idx="minor">
-            <a:schemeClr val="lt1"/>
-          </a:fontRef>
-        </p:style>
-        <p:txBody>
-          <a:bodyPr rtlCol="0" anchor="ctr"/>
-          <a:lstStyle/>
-          <a:p>
-            <a:pPr algn="ctr"/>
-            <a:r>
-              <a:rPr lang="ru-RU" dirty="0">
-                <a:solidFill>
-                  <a:schemeClr val="tx1"/>
-                </a:solidFill>
-              </a:rPr>
-              <a:t>Модуль формы</a:t>
-            </a:r>
-            <a:br>
-              <a:rPr lang="ru-RU" dirty="0">
-                <a:solidFill>
-                  <a:schemeClr val="tx1"/>
-                </a:solidFill>
-              </a:rPr>
-            </a:br>
-            <a:r>
-              <a:rPr lang="ru-RU" dirty="0">
-                <a:solidFill>
-                  <a:schemeClr val="tx1"/>
-                </a:solidFill>
-              </a:rPr>
-              <a:t>&amp;На </a:t>
-            </a:r>
-            <a:r>
-              <a:rPr lang="ru-RU" dirty="0" smtClean="0">
-                <a:solidFill>
-                  <a:schemeClr val="tx1"/>
-                </a:solidFill>
-              </a:rPr>
-              <a:t>Сервере</a:t>
-            </a:r>
-            <a:endParaRPr lang="ru-RU" dirty="0">
-              <a:solidFill>
-                <a:schemeClr val="tx1"/>
-              </a:solidFill>
-            </a:endParaRPr>
-          </a:p>
-        </p:txBody>
-      </p:sp>
-      <p:sp>
-        <p:nvSpPr>
-          <p:cNvPr id="19" name="Выноска 3 18"/>
-          <p:cNvSpPr/>
-          <p:nvPr/>
-        </p:nvSpPr>
-        <p:spPr>
-          <a:xfrm>
-            <a:off x="2942424" y="4444609"/>
-            <a:ext cx="1649781" cy="504000"/>
-          </a:xfrm>
-          <a:prstGeom prst="borderCallout3">
-            <a:avLst>
-              <a:gd name="adj1" fmla="val -11912"/>
-              <a:gd name="adj2" fmla="val 14468"/>
-              <a:gd name="adj3" fmla="val -82112"/>
-              <a:gd name="adj4" fmla="val -541"/>
-              <a:gd name="adj5" fmla="val -198615"/>
-              <a:gd name="adj6" fmla="val 16744"/>
-              <a:gd name="adj7" fmla="val -176688"/>
-              <a:gd name="adj8" fmla="val 54143"/>
-            </a:avLst>
-          </a:prstGeom>
-          <a:solidFill>
-            <a:schemeClr val="tx2">
-              <a:lumMod val="20000"/>
-              <a:lumOff val="80000"/>
-            </a:schemeClr>
-          </a:solidFill>
-          <a:ln w="15875">
-            <a:prstDash val="sysDot"/>
-            <a:tailEnd type="stealth"/>
-          </a:ln>
-        </p:spPr>
-        <p:style>
-          <a:lnRef idx="2">
-            <a:schemeClr val="accent1">
-              <a:shade val="50000"/>
-            </a:schemeClr>
-          </a:lnRef>
-          <a:fillRef idx="1">
-            <a:schemeClr val="accent1"/>
-          </a:fillRef>
-          <a:effectRef idx="0">
-            <a:schemeClr val="accent1"/>
-          </a:effectRef>
-          <a:fontRef idx="minor">
-            <a:schemeClr val="lt1"/>
-          </a:fontRef>
-        </p:style>
-        <p:txBody>
-          <a:bodyPr rtlCol="0" anchor="ctr"/>
-          <a:lstStyle/>
-          <a:p>
-            <a:pPr algn="ctr"/>
-            <a:r>
-              <a:rPr lang="ru-RU" dirty="0">
-                <a:solidFill>
-                  <a:schemeClr val="tx1"/>
-                </a:solidFill>
-              </a:rPr>
-              <a:t>Модуль </a:t>
-            </a:r>
-            <a:r>
-              <a:rPr lang="ru-RU" dirty="0" smtClean="0">
-                <a:solidFill>
-                  <a:schemeClr val="tx1"/>
-                </a:solidFill>
-              </a:rPr>
-              <a:t>объекта</a:t>
-            </a:r>
-            <a:endParaRPr lang="ru-RU" dirty="0">
-              <a:solidFill>
-                <a:schemeClr val="tx1"/>
-              </a:solidFill>
-            </a:endParaRPr>
-          </a:p>
-        </p:txBody>
-      </p:sp>
-      <p:cxnSp>
-        <p:nvCxnSpPr>
-          <p:cNvPr id="34" name="Прямая со стрелкой 33"/>
-          <p:cNvCxnSpPr/>
-          <p:nvPr/>
-        </p:nvCxnSpPr>
-        <p:spPr>
-          <a:xfrm>
-            <a:off x="5868144" y="3429000"/>
-            <a:ext cx="602505" cy="0"/>
-          </a:xfrm>
-          <a:prstGeom prst="straightConnector1">
-            <a:avLst/>
-          </a:prstGeom>
-          <a:ln w="38100">
-            <a:solidFill>
-              <a:schemeClr val="tx2"/>
-            </a:solidFill>
-            <a:headEnd type="triangle" w="med" len="lg"/>
-            <a:tailEnd type="triangle" w="med" len="lg"/>
-          </a:ln>
-        </p:spPr>
-        <p:style>
-          <a:lnRef idx="1">
-            <a:schemeClr val="accent1"/>
-          </a:lnRef>
-          <a:fillRef idx="0">
-            <a:schemeClr val="accent1"/>
-          </a:fillRef>
-          <a:effectRef idx="0">
-            <a:schemeClr val="accent1"/>
-          </a:effectRef>
-          <a:fontRef idx="minor">
-            <a:schemeClr val="tx1"/>
-          </a:fontRef>
-        </p:style>
-      </p:cxnSp>
-    </p:spTree>
-    <p:extLst>
-      <p:ext uri="{BB962C8B-B14F-4D97-AF65-F5344CB8AC3E}">
-        <p14:creationId xmlns:p14="http://schemas.microsoft.com/office/powerpoint/2010/main" val="2544808457"/>
-      </p:ext>
-    </p:extLst>
-  </p:cSld>
-  <p:clrMapOvr>
-    <a:masterClrMapping/>
-  </p:clrMapOvr>
-  <mc:AlternateContent xmlns:mc="http://schemas.openxmlformats.org/markup-compatibility/2006" xmlns:p14="http://schemas.microsoft.com/office/powerpoint/2010/main">
-    <mc:Choice Requires="p14">
-      <p:transition spd="med" p14:dur="700">
-        <p:fade/>
-      </p:transition>
-    </mc:Choice>
-    <mc:Fallback xmlns="">
-      <p:transition spd="med">
-        <p:fade/>
-      </p:transition>
-    </mc:Fallback>
-  </mc:AlternateContent>
-  <p:timing>
-    <p:tnLst>
-      <p:par>
-        <p:cTn id="1" dur="indefinite" restart="never" nodeType="tmRoot"/>
-      </p:par>
-    </p:tnLst>
-  </p:timing>
-</p:sld>
-</file>
-
-<file path=ppt/slides/slide60.xml><?xml version="1.0" encoding="utf-8"?>
+<file path=ppt/slides/slide64.xml><?xml version="1.0" encoding="utf-8"?>
 <p:sld xmlns:a="http://schemas.openxmlformats.org/drawingml/2006/main" xmlns:r="http://schemas.openxmlformats.org/officeDocument/2006/relationships" xmlns:p="http://schemas.openxmlformats.org/presentationml/2006/main">
   <p:cSld>
     <p:spTree>
@@ -42160,7 +46508,7 @@
 </p:sld>
 </file>
 
-<file path=ppt/slides/slide61.xml><?xml version="1.0" encoding="utf-8"?>
+<file path=ppt/slides/slide65.xml><?xml version="1.0" encoding="utf-8"?>
 <p:sld xmlns:a="http://schemas.openxmlformats.org/drawingml/2006/main" xmlns:r="http://schemas.openxmlformats.org/officeDocument/2006/relationships" xmlns:p="http://schemas.openxmlformats.org/presentationml/2006/main">
   <p:cSld>
     <p:spTree>
@@ -42293,10 +46641,17 @@
       </p:transition>
     </mc:Fallback>
   </mc:AlternateContent>
+  <p:timing>
+    <p:tnLst>
+      <p:par>
+        <p:cTn id="1" dur="indefinite" restart="never" nodeType="tmRoot"/>
+      </p:par>
+    </p:tnLst>
+  </p:timing>
 </p:sld>
 </file>
 
-<file path=ppt/slides/slide62.xml><?xml version="1.0" encoding="utf-8"?>
+<file path=ppt/slides/slide66.xml><?xml version="1.0" encoding="utf-8"?>
 <p:sld xmlns:a="http://schemas.openxmlformats.org/drawingml/2006/main" xmlns:r="http://schemas.openxmlformats.org/officeDocument/2006/relationships" xmlns:p="http://schemas.openxmlformats.org/presentationml/2006/main">
   <p:cSld>
     <p:spTree>
